--- a/backfield_templates.pptx
+++ b/backfield_templates.pptx
@@ -258,7 +258,7 @@
           <a:p>
             <a:fld id="{17226708-12E5-46C2-9039-F0433A84E3BE}" type="datetimeFigureOut">
               <a:rPr lang="en-US" smtClean="0"/>
-              <a:t>2/3/2018</a:t>
+              <a:t>2/4/2018</a:t>
             </a:fld>
             <a:endParaRPr lang="en-US"/>
           </a:p>
@@ -428,7 +428,7 @@
           <a:p>
             <a:fld id="{17226708-12E5-46C2-9039-F0433A84E3BE}" type="datetimeFigureOut">
               <a:rPr lang="en-US" smtClean="0"/>
-              <a:t>2/3/2018</a:t>
+              <a:t>2/4/2018</a:t>
             </a:fld>
             <a:endParaRPr lang="en-US"/>
           </a:p>
@@ -608,7 +608,7 @@
           <a:p>
             <a:fld id="{17226708-12E5-46C2-9039-F0433A84E3BE}" type="datetimeFigureOut">
               <a:rPr lang="en-US" smtClean="0"/>
-              <a:t>2/3/2018</a:t>
+              <a:t>2/4/2018</a:t>
             </a:fld>
             <a:endParaRPr lang="en-US"/>
           </a:p>
@@ -778,7 +778,7 @@
           <a:p>
             <a:fld id="{17226708-12E5-46C2-9039-F0433A84E3BE}" type="datetimeFigureOut">
               <a:rPr lang="en-US" smtClean="0"/>
-              <a:t>2/3/2018</a:t>
+              <a:t>2/4/2018</a:t>
             </a:fld>
             <a:endParaRPr lang="en-US"/>
           </a:p>
@@ -1022,7 +1022,7 @@
           <a:p>
             <a:fld id="{17226708-12E5-46C2-9039-F0433A84E3BE}" type="datetimeFigureOut">
               <a:rPr lang="en-US" smtClean="0"/>
-              <a:t>2/3/2018</a:t>
+              <a:t>2/4/2018</a:t>
             </a:fld>
             <a:endParaRPr lang="en-US"/>
           </a:p>
@@ -1254,7 +1254,7 @@
           <a:p>
             <a:fld id="{17226708-12E5-46C2-9039-F0433A84E3BE}" type="datetimeFigureOut">
               <a:rPr lang="en-US" smtClean="0"/>
-              <a:t>2/3/2018</a:t>
+              <a:t>2/4/2018</a:t>
             </a:fld>
             <a:endParaRPr lang="en-US"/>
           </a:p>
@@ -1621,7 +1621,7 @@
           <a:p>
             <a:fld id="{17226708-12E5-46C2-9039-F0433A84E3BE}" type="datetimeFigureOut">
               <a:rPr lang="en-US" smtClean="0"/>
-              <a:t>2/3/2018</a:t>
+              <a:t>2/4/2018</a:t>
             </a:fld>
             <a:endParaRPr lang="en-US"/>
           </a:p>
@@ -1739,7 +1739,7 @@
           <a:p>
             <a:fld id="{17226708-12E5-46C2-9039-F0433A84E3BE}" type="datetimeFigureOut">
               <a:rPr lang="en-US" smtClean="0"/>
-              <a:t>2/3/2018</a:t>
+              <a:t>2/4/2018</a:t>
             </a:fld>
             <a:endParaRPr lang="en-US"/>
           </a:p>
@@ -1834,7 +1834,7 @@
           <a:p>
             <a:fld id="{17226708-12E5-46C2-9039-F0433A84E3BE}" type="datetimeFigureOut">
               <a:rPr lang="en-US" smtClean="0"/>
-              <a:t>2/3/2018</a:t>
+              <a:t>2/4/2018</a:t>
             </a:fld>
             <a:endParaRPr lang="en-US"/>
           </a:p>
@@ -2111,7 +2111,7 @@
           <a:p>
             <a:fld id="{17226708-12E5-46C2-9039-F0433A84E3BE}" type="datetimeFigureOut">
               <a:rPr lang="en-US" smtClean="0"/>
-              <a:t>2/3/2018</a:t>
+              <a:t>2/4/2018</a:t>
             </a:fld>
             <a:endParaRPr lang="en-US"/>
           </a:p>
@@ -2368,7 +2368,7 @@
           <a:p>
             <a:fld id="{17226708-12E5-46C2-9039-F0433A84E3BE}" type="datetimeFigureOut">
               <a:rPr lang="en-US" smtClean="0"/>
-              <a:t>2/3/2018</a:t>
+              <a:t>2/4/2018</a:t>
             </a:fld>
             <a:endParaRPr lang="en-US"/>
           </a:p>
@@ -2581,7 +2581,7 @@
           <a:p>
             <a:fld id="{17226708-12E5-46C2-9039-F0433A84E3BE}" type="datetimeFigureOut">
               <a:rPr lang="en-US" smtClean="0"/>
-              <a:t>2/3/2018</a:t>
+              <a:t>2/4/2018</a:t>
             </a:fld>
             <a:endParaRPr lang="en-US"/>
           </a:p>

--- a/backfield_templates.pptx
+++ b/backfield_templates.pptx
@@ -5,18 +5,27 @@
     <p:sldMasterId id="2147483660" r:id="rId1"/>
   </p:sldMasterIdLst>
   <p:sldIdLst>
-    <p:sldId id="266" r:id="rId2"/>
-    <p:sldId id="267" r:id="rId3"/>
-    <p:sldId id="272" r:id="rId4"/>
-    <p:sldId id="273" r:id="rId5"/>
-    <p:sldId id="271" r:id="rId6"/>
-    <p:sldId id="258" r:id="rId7"/>
-    <p:sldId id="260" r:id="rId8"/>
-    <p:sldId id="269" r:id="rId9"/>
-    <p:sldId id="261" r:id="rId10"/>
-    <p:sldId id="270" r:id="rId11"/>
-    <p:sldId id="262" r:id="rId12"/>
-    <p:sldId id="268" r:id="rId13"/>
+    <p:sldId id="274" r:id="rId2"/>
+    <p:sldId id="266" r:id="rId3"/>
+    <p:sldId id="275" r:id="rId4"/>
+    <p:sldId id="267" r:id="rId5"/>
+    <p:sldId id="276" r:id="rId6"/>
+    <p:sldId id="283" r:id="rId7"/>
+    <p:sldId id="279" r:id="rId8"/>
+    <p:sldId id="273" r:id="rId9"/>
+    <p:sldId id="277" r:id="rId10"/>
+    <p:sldId id="280" r:id="rId11"/>
+    <p:sldId id="271" r:id="rId12"/>
+    <p:sldId id="258" r:id="rId13"/>
+    <p:sldId id="260" r:id="rId14"/>
+    <p:sldId id="269" r:id="rId15"/>
+    <p:sldId id="281" r:id="rId16"/>
+    <p:sldId id="261" r:id="rId17"/>
+    <p:sldId id="270" r:id="rId18"/>
+    <p:sldId id="282" r:id="rId19"/>
+    <p:sldId id="262" r:id="rId20"/>
+    <p:sldId id="278" r:id="rId21"/>
+    <p:sldId id="268" r:id="rId22"/>
   </p:sldIdLst>
   <p:sldSz cx="9144000" cy="6858000" type="screen4x3"/>
   <p:notesSz cx="6858000" cy="9144000"/>
@@ -123,10 +132,6 @@
 </p:presentation>
 </file>
 
-<file path=ppt/revisionInfo.xml><?xml version="1.0" encoding="utf-8"?>
-<p1510:revInfo xmlns:a="http://schemas.openxmlformats.org/drawingml/2006/main" xmlns:r="http://schemas.openxmlformats.org/officeDocument/2006/relationships" xmlns:p1510="http://schemas.microsoft.com/office/powerpoint/2015/10/main"/>
-</file>
-
 <file path=ppt/slideLayouts/slideLayout1.xml><?xml version="1.0" encoding="utf-8"?>
 <p:sldLayout xmlns:a="http://schemas.openxmlformats.org/drawingml/2006/main" xmlns:r="http://schemas.openxmlformats.org/officeDocument/2006/relationships" xmlns:p="http://schemas.openxmlformats.org/presentationml/2006/main" type="title" preserve="1">
   <p:cSld name="Title Slide">
@@ -258,7 +263,7 @@
           <a:p>
             <a:fld id="{17226708-12E5-46C2-9039-F0433A84E3BE}" type="datetimeFigureOut">
               <a:rPr lang="en-US" smtClean="0"/>
-              <a:t>2/4/2018</a:t>
+              <a:t>2/11/2018</a:t>
             </a:fld>
             <a:endParaRPr lang="en-US"/>
           </a:p>
@@ -428,7 +433,7 @@
           <a:p>
             <a:fld id="{17226708-12E5-46C2-9039-F0433A84E3BE}" type="datetimeFigureOut">
               <a:rPr lang="en-US" smtClean="0"/>
-              <a:t>2/4/2018</a:t>
+              <a:t>2/11/2018</a:t>
             </a:fld>
             <a:endParaRPr lang="en-US"/>
           </a:p>
@@ -608,7 +613,7 @@
           <a:p>
             <a:fld id="{17226708-12E5-46C2-9039-F0433A84E3BE}" type="datetimeFigureOut">
               <a:rPr lang="en-US" smtClean="0"/>
-              <a:t>2/4/2018</a:t>
+              <a:t>2/11/2018</a:t>
             </a:fld>
             <a:endParaRPr lang="en-US"/>
           </a:p>
@@ -778,7 +783,7 @@
           <a:p>
             <a:fld id="{17226708-12E5-46C2-9039-F0433A84E3BE}" type="datetimeFigureOut">
               <a:rPr lang="en-US" smtClean="0"/>
-              <a:t>2/4/2018</a:t>
+              <a:t>2/11/2018</a:t>
             </a:fld>
             <a:endParaRPr lang="en-US"/>
           </a:p>
@@ -1022,7 +1027,7 @@
           <a:p>
             <a:fld id="{17226708-12E5-46C2-9039-F0433A84E3BE}" type="datetimeFigureOut">
               <a:rPr lang="en-US" smtClean="0"/>
-              <a:t>2/4/2018</a:t>
+              <a:t>2/11/2018</a:t>
             </a:fld>
             <a:endParaRPr lang="en-US"/>
           </a:p>
@@ -1254,7 +1259,7 @@
           <a:p>
             <a:fld id="{17226708-12E5-46C2-9039-F0433A84E3BE}" type="datetimeFigureOut">
               <a:rPr lang="en-US" smtClean="0"/>
-              <a:t>2/4/2018</a:t>
+              <a:t>2/11/2018</a:t>
             </a:fld>
             <a:endParaRPr lang="en-US"/>
           </a:p>
@@ -1621,7 +1626,7 @@
           <a:p>
             <a:fld id="{17226708-12E5-46C2-9039-F0433A84E3BE}" type="datetimeFigureOut">
               <a:rPr lang="en-US" smtClean="0"/>
-              <a:t>2/4/2018</a:t>
+              <a:t>2/11/2018</a:t>
             </a:fld>
             <a:endParaRPr lang="en-US"/>
           </a:p>
@@ -1739,7 +1744,7 @@
           <a:p>
             <a:fld id="{17226708-12E5-46C2-9039-F0433A84E3BE}" type="datetimeFigureOut">
               <a:rPr lang="en-US" smtClean="0"/>
-              <a:t>2/4/2018</a:t>
+              <a:t>2/11/2018</a:t>
             </a:fld>
             <a:endParaRPr lang="en-US"/>
           </a:p>
@@ -1834,7 +1839,7 @@
           <a:p>
             <a:fld id="{17226708-12E5-46C2-9039-F0433A84E3BE}" type="datetimeFigureOut">
               <a:rPr lang="en-US" smtClean="0"/>
-              <a:t>2/4/2018</a:t>
+              <a:t>2/11/2018</a:t>
             </a:fld>
             <a:endParaRPr lang="en-US"/>
           </a:p>
@@ -2111,7 +2116,7 @@
           <a:p>
             <a:fld id="{17226708-12E5-46C2-9039-F0433A84E3BE}" type="datetimeFigureOut">
               <a:rPr lang="en-US" smtClean="0"/>
-              <a:t>2/4/2018</a:t>
+              <a:t>2/11/2018</a:t>
             </a:fld>
             <a:endParaRPr lang="en-US"/>
           </a:p>
@@ -2368,7 +2373,7 @@
           <a:p>
             <a:fld id="{17226708-12E5-46C2-9039-F0433A84E3BE}" type="datetimeFigureOut">
               <a:rPr lang="en-US" smtClean="0"/>
-              <a:t>2/4/2018</a:t>
+              <a:t>2/11/2018</a:t>
             </a:fld>
             <a:endParaRPr lang="en-US"/>
           </a:p>
@@ -2581,7 +2586,7 @@
           <a:p>
             <a:fld id="{17226708-12E5-46C2-9039-F0433A84E3BE}" type="datetimeFigureOut">
               <a:rPr lang="en-US" smtClean="0"/>
-              <a:t>2/4/2018</a:t>
+              <a:t>2/11/2018</a:t>
             </a:fld>
             <a:endParaRPr lang="en-US"/>
           </a:p>
@@ -3002,7 +3007,7 @@
         </p:nvSpPr>
         <p:spPr>
           <a:xfrm>
-            <a:off x="4497589" y="6143781"/>
+            <a:off x="4497589" y="5726528"/>
             <a:ext cx="265265" cy="220540"/>
           </a:xfrm>
           <a:prstGeom prst="ellipse">
@@ -3305,7 +3310,7 @@
         <p:spPr>
           <a:xfrm>
             <a:off x="372862" y="310718"/>
-            <a:ext cx="1689886" cy="369332"/>
+            <a:ext cx="1247457" cy="369332"/>
           </a:xfrm>
           <a:prstGeom prst="rect">
             <a:avLst/>
@@ -3320,7 +3325,7 @@
           <a:p>
             <a:r>
               <a:rPr lang="en-US" dirty="0"/>
-              <a:t>Name=A Gun </a:t>
+              <a:t>Name=A </a:t>
             </a:r>
             <a:r>
               <a:rPr lang="en-US" dirty="0" err="1"/>
@@ -3394,7 +3399,7 @@
         <p:spPr>
           <a:xfrm>
             <a:off x="372862" y="680050"/>
-            <a:ext cx="1650324" cy="369332"/>
+            <a:ext cx="1207895" cy="369332"/>
           </a:xfrm>
           <a:prstGeom prst="rect">
             <a:avLst/>
@@ -3409,7 +3414,7 @@
           <a:p>
             <a:r>
               <a:rPr lang="en-US" dirty="0"/>
-              <a:t>Name=B Gun Lt</a:t>
+              <a:t>Name=B Lt</a:t>
             </a:r>
           </a:p>
         </p:txBody>
@@ -3417,7 +3422,7 @@
     </p:spTree>
     <p:extLst>
       <p:ext uri="{BB962C8B-B14F-4D97-AF65-F5344CB8AC3E}">
-        <p14:creationId xmlns:p14="http://schemas.microsoft.com/office/powerpoint/2010/main" val="2791217213"/>
+        <p14:creationId xmlns:p14="http://schemas.microsoft.com/office/powerpoint/2010/main" val="2065850158"/>
       </p:ext>
     </p:extLst>
   </p:cSld>
@@ -3460,7 +3465,7 @@
         </p:nvSpPr>
         <p:spPr>
           <a:xfrm>
-            <a:off x="4464177" y="6058525"/>
+            <a:off x="4497589" y="6143781"/>
             <a:ext cx="265265" cy="220540"/>
           </a:xfrm>
           <a:prstGeom prst="ellipse">
@@ -3489,55 +3494,6 @@
             <a:r>
               <a:rPr lang="en-US" dirty="0"/>
               <a:t>Q</a:t>
-            </a:r>
-          </a:p>
-        </p:txBody>
-      </p:sp>
-      <p:sp>
-        <p:nvSpPr>
-          <p:cNvPr id="25" name="Oval 24">
-            <a:extLst>
-              <a:ext uri="{FF2B5EF4-FFF2-40B4-BE49-F238E27FC236}">
-                <a16:creationId xmlns:a16="http://schemas.microsoft.com/office/drawing/2014/main" id="{723C6B51-625E-462A-BBB1-3FC3B29BB96E}"/>
-              </a:ext>
-            </a:extLst>
-          </p:cNvPr>
-          <p:cNvSpPr>
-            <a:spLocks noChangeAspect="1"/>
-          </p:cNvSpPr>
-          <p:nvPr/>
-        </p:nvSpPr>
-        <p:spPr>
-          <a:xfrm>
-            <a:off x="3935632" y="6058525"/>
-            <a:ext cx="265265" cy="220540"/>
-          </a:xfrm>
-          <a:prstGeom prst="ellipse">
-            <a:avLst/>
-          </a:prstGeom>
-        </p:spPr>
-        <p:style>
-          <a:lnRef idx="2">
-            <a:schemeClr val="dk1"/>
-          </a:lnRef>
-          <a:fillRef idx="1">
-            <a:schemeClr val="lt1"/>
-          </a:fillRef>
-          <a:effectRef idx="0">
-            <a:schemeClr val="dk1"/>
-          </a:effectRef>
-          <a:fontRef idx="minor">
-            <a:schemeClr val="dk1"/>
-          </a:fontRef>
-        </p:style>
-        <p:txBody>
-          <a:bodyPr rtlCol="0" anchor="ctr"/>
-          <a:lstStyle/>
-          <a:p>
-            <a:pPr algn="ctr"/>
-            <a:r>
-              <a:rPr lang="en-US" dirty="0"/>
-              <a:t>B</a:t>
             </a:r>
           </a:p>
         </p:txBody>
@@ -3812,7 +3768,7 @@
         <p:spPr>
           <a:xfrm>
             <a:off x="372862" y="310718"/>
-            <a:ext cx="1929246" cy="369332"/>
+            <a:ext cx="2120965" cy="369332"/>
           </a:xfrm>
           <a:prstGeom prst="rect">
             <a:avLst/>
@@ -3827,7 +3783,7 @@
           <a:p>
             <a:r>
               <a:rPr lang="en-US" dirty="0"/>
-              <a:t>Name=King Gun Lt</a:t>
+              <a:t>Name=C Sniff Gun Lt</a:t>
             </a:r>
           </a:p>
         </p:txBody>
@@ -3848,7 +3804,56 @@
         </p:nvSpPr>
         <p:spPr>
           <a:xfrm>
-            <a:off x="4497589" y="6414440"/>
+            <a:off x="3932122" y="5806424"/>
+            <a:ext cx="265265" cy="220540"/>
+          </a:xfrm>
+          <a:prstGeom prst="ellipse">
+            <a:avLst/>
+          </a:prstGeom>
+        </p:spPr>
+        <p:style>
+          <a:lnRef idx="2">
+            <a:schemeClr val="dk1"/>
+          </a:lnRef>
+          <a:fillRef idx="1">
+            <a:schemeClr val="lt1"/>
+          </a:fillRef>
+          <a:effectRef idx="0">
+            <a:schemeClr val="dk1"/>
+          </a:effectRef>
+          <a:fontRef idx="minor">
+            <a:schemeClr val="dk1"/>
+          </a:fontRef>
+        </p:style>
+        <p:txBody>
+          <a:bodyPr rtlCol="0" anchor="ctr"/>
+          <a:lstStyle/>
+          <a:p>
+            <a:pPr algn="ctr"/>
+            <a:r>
+              <a:rPr lang="en-US" dirty="0"/>
+              <a:t>B</a:t>
+            </a:r>
+          </a:p>
+        </p:txBody>
+      </p:sp>
+      <p:sp>
+        <p:nvSpPr>
+          <p:cNvPr id="11" name="Oval 10">
+            <a:extLst>
+              <a:ext uri="{FF2B5EF4-FFF2-40B4-BE49-F238E27FC236}">
+                <a16:creationId xmlns:a16="http://schemas.microsoft.com/office/drawing/2014/main" id="{6178E27E-828C-4367-A88B-EA705959F514}"/>
+              </a:ext>
+            </a:extLst>
+          </p:cNvPr>
+          <p:cNvSpPr>
+            <a:spLocks noChangeAspect="1"/>
+          </p:cNvSpPr>
+          <p:nvPr/>
+        </p:nvSpPr>
+        <p:spPr>
+          <a:xfrm>
+            <a:off x="5046302" y="6143781"/>
             <a:ext cx="265265" cy="220540"/>
           </a:xfrm>
           <a:prstGeom prst="ellipse">
@@ -3883,10 +3888,10 @@
       </p:sp>
       <p:sp>
         <p:nvSpPr>
-          <p:cNvPr id="11" name="TextBox 10">
-            <a:extLst>
-              <a:ext uri="{FF2B5EF4-FFF2-40B4-BE49-F238E27FC236}">
-                <a16:creationId xmlns:a16="http://schemas.microsoft.com/office/drawing/2014/main" id="{DB2E82C8-A751-4DFC-AE91-DAC654967329}"/>
+          <p:cNvPr id="12" name="TextBox 11">
+            <a:extLst>
+              <a:ext uri="{FF2B5EF4-FFF2-40B4-BE49-F238E27FC236}">
+                <a16:creationId xmlns:a16="http://schemas.microsoft.com/office/drawing/2014/main" id="{D61FCDE6-DC9B-4BA3-A4A8-216FD0B7D8DF}"/>
               </a:ext>
             </a:extLst>
           </p:cNvPr>
@@ -3895,8 +3900,8 @@
         </p:nvSpPr>
         <p:spPr>
           <a:xfrm>
-            <a:off x="372862" y="809347"/>
-            <a:ext cx="2186817" cy="369332"/>
+            <a:off x="372861" y="782714"/>
+            <a:ext cx="2171748" cy="369332"/>
           </a:xfrm>
           <a:prstGeom prst="rect">
             <a:avLst/>
@@ -3911,7 +3916,7 @@
           <a:p>
             <a:r>
               <a:rPr lang="en-US" dirty="0"/>
-              <a:t>Name=Queen Gun </a:t>
+              <a:t>Name=D Sniff Gun </a:t>
             </a:r>
             <a:r>
               <a:rPr lang="en-US" dirty="0" err="1"/>
@@ -3924,7 +3929,7 @@
     </p:spTree>
     <p:extLst>
       <p:ext uri="{BB962C8B-B14F-4D97-AF65-F5344CB8AC3E}">
-        <p14:creationId xmlns:p14="http://schemas.microsoft.com/office/powerpoint/2010/main" val="1560296059"/>
+        <p14:creationId xmlns:p14="http://schemas.microsoft.com/office/powerpoint/2010/main" val="1332771863"/>
       </p:ext>
     </p:extLst>
   </p:cSld>
@@ -3967,7 +3972,7 @@
         </p:nvSpPr>
         <p:spPr>
           <a:xfrm>
-            <a:off x="4464179" y="5720366"/>
+            <a:off x="4497589" y="6143781"/>
             <a:ext cx="265265" cy="220540"/>
           </a:xfrm>
           <a:prstGeom prst="ellipse">
@@ -4270,7 +4275,7 @@
         <p:spPr>
           <a:xfrm>
             <a:off x="372862" y="310718"/>
-            <a:ext cx="1220206" cy="369332"/>
+            <a:ext cx="1658339" cy="369332"/>
           </a:xfrm>
           <a:prstGeom prst="rect">
             <a:avLst/>
@@ -4285,61 +4290,7 @@
           <a:p>
             <a:r>
               <a:rPr lang="en-US" dirty="0"/>
-              <a:t>Name=S </a:t>
-            </a:r>
-            <a:r>
-              <a:rPr lang="en-US" dirty="0" err="1"/>
-              <a:t>Rt</a:t>
-            </a:r>
-            <a:endParaRPr lang="en-US" dirty="0"/>
-          </a:p>
-        </p:txBody>
-      </p:sp>
-      <p:sp>
-        <p:nvSpPr>
-          <p:cNvPr id="13" name="Oval 12">
-            <a:extLst>
-              <a:ext uri="{FF2B5EF4-FFF2-40B4-BE49-F238E27FC236}">
-                <a16:creationId xmlns:a16="http://schemas.microsoft.com/office/drawing/2014/main" id="{AE4A4AEA-DF68-49EC-AF15-FAAFC1CF9583}"/>
-              </a:ext>
-            </a:extLst>
-          </p:cNvPr>
-          <p:cNvSpPr>
-            <a:spLocks noChangeAspect="1"/>
-          </p:cNvSpPr>
-          <p:nvPr/>
-        </p:nvSpPr>
-        <p:spPr>
-          <a:xfrm>
-            <a:off x="4497589" y="6414440"/>
-            <a:ext cx="265265" cy="220540"/>
-          </a:xfrm>
-          <a:prstGeom prst="ellipse">
-            <a:avLst/>
-          </a:prstGeom>
-        </p:spPr>
-        <p:style>
-          <a:lnRef idx="2">
-            <a:schemeClr val="dk1"/>
-          </a:lnRef>
-          <a:fillRef idx="1">
-            <a:schemeClr val="lt1"/>
-          </a:fillRef>
-          <a:effectRef idx="0">
-            <a:schemeClr val="dk1"/>
-          </a:effectRef>
-          <a:fontRef idx="minor">
-            <a:schemeClr val="dk1"/>
-          </a:fontRef>
-        </p:style>
-        <p:txBody>
-          <a:bodyPr rtlCol="0" anchor="ctr"/>
-          <a:lstStyle/>
-          <a:p>
-            <a:pPr algn="ctr"/>
-            <a:r>
-              <a:rPr lang="en-US" dirty="0"/>
-              <a:t>A</a:t>
+              <a:t>Name=E Gun Lt</a:t>
             </a:r>
           </a:p>
         </p:txBody>
@@ -4349,7 +4300,7 @@
           <p:cNvPr id="10" name="TextBox 9">
             <a:extLst>
               <a:ext uri="{FF2B5EF4-FFF2-40B4-BE49-F238E27FC236}">
-                <a16:creationId xmlns:a16="http://schemas.microsoft.com/office/drawing/2014/main" id="{C114BAA5-4DD2-4A3B-93CC-1EBEAEF7812B}"/>
+                <a16:creationId xmlns:a16="http://schemas.microsoft.com/office/drawing/2014/main" id="{9306B8E9-EF10-4797-A30D-5E22721E90AE}"/>
               </a:ext>
             </a:extLst>
           </p:cNvPr>
@@ -4358,8 +4309,8 @@
         </p:nvSpPr>
         <p:spPr>
           <a:xfrm>
-            <a:off x="372862" y="680050"/>
-            <a:ext cx="1188659" cy="369332"/>
+            <a:off x="372861" y="782714"/>
+            <a:ext cx="1681871" cy="369332"/>
           </a:xfrm>
           <a:prstGeom prst="rect">
             <a:avLst/>
@@ -4374,15 +4325,20 @@
           <a:p>
             <a:r>
               <a:rPr lang="en-US" dirty="0"/>
-              <a:t>Name=S Lt</a:t>
-            </a:r>
+              <a:t>Name=E Gun </a:t>
+            </a:r>
+            <a:r>
+              <a:rPr lang="en-US" dirty="0" err="1"/>
+              <a:t>Rt</a:t>
+            </a:r>
+            <a:endParaRPr lang="en-US" dirty="0"/>
           </a:p>
         </p:txBody>
       </p:sp>
     </p:spTree>
     <p:extLst>
       <p:ext uri="{BB962C8B-B14F-4D97-AF65-F5344CB8AC3E}">
-        <p14:creationId xmlns:p14="http://schemas.microsoft.com/office/powerpoint/2010/main" val="2742955212"/>
+        <p14:creationId xmlns:p14="http://schemas.microsoft.com/office/powerpoint/2010/main" val="1093403347"/>
       </p:ext>
     </p:extLst>
   </p:cSld>
@@ -4425,7 +4381,7 @@
         </p:nvSpPr>
         <p:spPr>
           <a:xfrm>
-            <a:off x="4464179" y="6031085"/>
+            <a:off x="4464179" y="5720366"/>
             <a:ext cx="265265" cy="220540"/>
           </a:xfrm>
           <a:prstGeom prst="ellipse">
@@ -4454,6 +4410,55 @@
             <a:r>
               <a:rPr lang="en-US" dirty="0"/>
               <a:t>Q</a:t>
+            </a:r>
+          </a:p>
+        </p:txBody>
+      </p:sp>
+      <p:sp>
+        <p:nvSpPr>
+          <p:cNvPr id="25" name="Oval 24">
+            <a:extLst>
+              <a:ext uri="{FF2B5EF4-FFF2-40B4-BE49-F238E27FC236}">
+                <a16:creationId xmlns:a16="http://schemas.microsoft.com/office/drawing/2014/main" id="{723C6B51-625E-462A-BBB1-3FC3B29BB96E}"/>
+              </a:ext>
+            </a:extLst>
+          </p:cNvPr>
+          <p:cNvSpPr>
+            <a:spLocks noChangeAspect="1"/>
+          </p:cNvSpPr>
+          <p:nvPr/>
+        </p:nvSpPr>
+        <p:spPr>
+          <a:xfrm>
+            <a:off x="4481127" y="6067403"/>
+            <a:ext cx="265265" cy="220540"/>
+          </a:xfrm>
+          <a:prstGeom prst="ellipse">
+            <a:avLst/>
+          </a:prstGeom>
+        </p:spPr>
+        <p:style>
+          <a:lnRef idx="2">
+            <a:schemeClr val="dk1"/>
+          </a:lnRef>
+          <a:fillRef idx="1">
+            <a:schemeClr val="lt1"/>
+          </a:fillRef>
+          <a:effectRef idx="0">
+            <a:schemeClr val="dk1"/>
+          </a:effectRef>
+          <a:fontRef idx="minor">
+            <a:schemeClr val="dk1"/>
+          </a:fontRef>
+        </p:style>
+        <p:txBody>
+          <a:bodyPr rtlCol="0" anchor="ctr"/>
+          <a:lstStyle/>
+          <a:p>
+            <a:pPr algn="ctr"/>
+            <a:r>
+              <a:rPr lang="en-US" dirty="0"/>
+              <a:t>B</a:t>
             </a:r>
           </a:p>
         </p:txBody>
@@ -4728,7 +4733,7 @@
         <p:spPr>
           <a:xfrm>
             <a:off x="372862" y="310718"/>
-            <a:ext cx="1662635" cy="369332"/>
+            <a:ext cx="1172116" cy="369332"/>
           </a:xfrm>
           <a:prstGeom prst="rect">
             <a:avLst/>
@@ -4743,7 +4748,7 @@
           <a:p>
             <a:r>
               <a:rPr lang="en-US" dirty="0"/>
-              <a:t>Name=S Gun </a:t>
+              <a:t>Name=I </a:t>
             </a:r>
             <a:r>
               <a:rPr lang="en-US" dirty="0" err="1"/>
@@ -4769,7 +4774,7 @@
         </p:nvSpPr>
         <p:spPr>
           <a:xfrm>
-            <a:off x="4464177" y="6396154"/>
+            <a:off x="4497589" y="6414440"/>
             <a:ext cx="265265" cy="220540"/>
           </a:xfrm>
           <a:prstGeom prst="ellipse">
@@ -4804,10 +4809,10 @@
       </p:sp>
       <p:sp>
         <p:nvSpPr>
-          <p:cNvPr id="10" name="TextBox 9">
-            <a:extLst>
-              <a:ext uri="{FF2B5EF4-FFF2-40B4-BE49-F238E27FC236}">
-                <a16:creationId xmlns:a16="http://schemas.microsoft.com/office/drawing/2014/main" id="{C114BAA5-4DD2-4A3B-93CC-1EBEAEF7812B}"/>
+          <p:cNvPr id="15" name="TextBox 14">
+            <a:extLst>
+              <a:ext uri="{FF2B5EF4-FFF2-40B4-BE49-F238E27FC236}">
+                <a16:creationId xmlns:a16="http://schemas.microsoft.com/office/drawing/2014/main" id="{EAF51795-CB7B-4C06-9DAF-5598A8408398}"/>
               </a:ext>
             </a:extLst>
           </p:cNvPr>
@@ -4816,8 +4821,8 @@
         </p:nvSpPr>
         <p:spPr>
           <a:xfrm>
-            <a:off x="372862" y="680050"/>
-            <a:ext cx="1631088" cy="369332"/>
+            <a:off x="372862" y="747204"/>
+            <a:ext cx="1140569" cy="369332"/>
           </a:xfrm>
           <a:prstGeom prst="rect">
             <a:avLst/>
@@ -4832,7 +4837,7 @@
           <a:p>
             <a:r>
               <a:rPr lang="en-US" dirty="0"/>
-              <a:t>Name=S Gun Lt</a:t>
+              <a:t>Name=I Lt</a:t>
             </a:r>
           </a:p>
         </p:txBody>
@@ -4840,7 +4845,3507 @@
     </p:spTree>
     <p:extLst>
       <p:ext uri="{BB962C8B-B14F-4D97-AF65-F5344CB8AC3E}">
-        <p14:creationId xmlns:p14="http://schemas.microsoft.com/office/powerpoint/2010/main" val="832452079"/>
+        <p14:creationId xmlns:p14="http://schemas.microsoft.com/office/powerpoint/2010/main" val="3433925216"/>
+      </p:ext>
+    </p:extLst>
+  </p:cSld>
+  <p:clrMapOvr>
+    <a:masterClrMapping/>
+  </p:clrMapOvr>
+</p:sld>
+</file>
+
+<file path=ppt/slides/slide13.xml><?xml version="1.0" encoding="utf-8"?>
+<p:sld xmlns:a="http://schemas.openxmlformats.org/drawingml/2006/main" xmlns:r="http://schemas.openxmlformats.org/officeDocument/2006/relationships" xmlns:p="http://schemas.openxmlformats.org/presentationml/2006/main">
+  <p:cSld>
+    <p:spTree>
+      <p:nvGrpSpPr>
+        <p:cNvPr id="1" name=""/>
+        <p:cNvGrpSpPr/>
+        <p:nvPr/>
+      </p:nvGrpSpPr>
+      <p:grpSpPr>
+        <a:xfrm>
+          <a:off x="0" y="0"/>
+          <a:ext cx="0" cy="0"/>
+          <a:chOff x="0" y="0"/>
+          <a:chExt cx="0" cy="0"/>
+        </a:xfrm>
+      </p:grpSpPr>
+      <p:sp>
+        <p:nvSpPr>
+          <p:cNvPr id="24" name="Oval 23">
+            <a:extLst>
+              <a:ext uri="{FF2B5EF4-FFF2-40B4-BE49-F238E27FC236}">
+                <a16:creationId xmlns:a16="http://schemas.microsoft.com/office/drawing/2014/main" id="{B889BA8C-0E26-4F3F-8CF7-B18F6ADC2A52}"/>
+              </a:ext>
+            </a:extLst>
+          </p:cNvPr>
+          <p:cNvSpPr>
+            <a:spLocks noChangeAspect="1"/>
+          </p:cNvSpPr>
+          <p:nvPr/>
+        </p:nvSpPr>
+        <p:spPr>
+          <a:xfrm>
+            <a:off x="4464179" y="5720366"/>
+            <a:ext cx="265265" cy="220540"/>
+          </a:xfrm>
+          <a:prstGeom prst="ellipse">
+            <a:avLst/>
+          </a:prstGeom>
+        </p:spPr>
+        <p:style>
+          <a:lnRef idx="2">
+            <a:schemeClr val="dk1"/>
+          </a:lnRef>
+          <a:fillRef idx="1">
+            <a:schemeClr val="lt1"/>
+          </a:fillRef>
+          <a:effectRef idx="0">
+            <a:schemeClr val="dk1"/>
+          </a:effectRef>
+          <a:fontRef idx="minor">
+            <a:schemeClr val="dk1"/>
+          </a:fontRef>
+        </p:style>
+        <p:txBody>
+          <a:bodyPr rtlCol="0" anchor="ctr"/>
+          <a:lstStyle/>
+          <a:p>
+            <a:pPr algn="ctr"/>
+            <a:r>
+              <a:rPr lang="en-US" dirty="0"/>
+              <a:t>Q</a:t>
+            </a:r>
+          </a:p>
+        </p:txBody>
+      </p:sp>
+      <p:sp>
+        <p:nvSpPr>
+          <p:cNvPr id="25" name="Oval 24">
+            <a:extLst>
+              <a:ext uri="{FF2B5EF4-FFF2-40B4-BE49-F238E27FC236}">
+                <a16:creationId xmlns:a16="http://schemas.microsoft.com/office/drawing/2014/main" id="{723C6B51-625E-462A-BBB1-3FC3B29BB96E}"/>
+              </a:ext>
+            </a:extLst>
+          </p:cNvPr>
+          <p:cNvSpPr>
+            <a:spLocks noChangeAspect="1"/>
+          </p:cNvSpPr>
+          <p:nvPr/>
+        </p:nvSpPr>
+        <p:spPr>
+          <a:xfrm>
+            <a:off x="5076155" y="6058525"/>
+            <a:ext cx="265265" cy="220540"/>
+          </a:xfrm>
+          <a:prstGeom prst="ellipse">
+            <a:avLst/>
+          </a:prstGeom>
+        </p:spPr>
+        <p:style>
+          <a:lnRef idx="2">
+            <a:schemeClr val="dk1"/>
+          </a:lnRef>
+          <a:fillRef idx="1">
+            <a:schemeClr val="lt1"/>
+          </a:fillRef>
+          <a:effectRef idx="0">
+            <a:schemeClr val="dk1"/>
+          </a:effectRef>
+          <a:fontRef idx="minor">
+            <a:schemeClr val="dk1"/>
+          </a:fontRef>
+        </p:style>
+        <p:txBody>
+          <a:bodyPr rtlCol="0" anchor="ctr"/>
+          <a:lstStyle/>
+          <a:p>
+            <a:pPr algn="ctr"/>
+            <a:r>
+              <a:rPr lang="en-US" dirty="0"/>
+              <a:t>B</a:t>
+            </a:r>
+          </a:p>
+        </p:txBody>
+      </p:sp>
+      <p:sp>
+        <p:nvSpPr>
+          <p:cNvPr id="26" name="Rectangle 25">
+            <a:extLst>
+              <a:ext uri="{FF2B5EF4-FFF2-40B4-BE49-F238E27FC236}">
+                <a16:creationId xmlns:a16="http://schemas.microsoft.com/office/drawing/2014/main" id="{DF9AD3B9-5DF6-4174-A386-DA0894B2250B}"/>
+              </a:ext>
+            </a:extLst>
+          </p:cNvPr>
+          <p:cNvSpPr>
+            <a:spLocks noChangeAspect="1"/>
+          </p:cNvSpPr>
+          <p:nvPr/>
+        </p:nvSpPr>
+        <p:spPr>
+          <a:xfrm>
+            <a:off x="4464179" y="5467068"/>
+            <a:ext cx="265263" cy="198948"/>
+          </a:xfrm>
+          <a:prstGeom prst="rect">
+            <a:avLst/>
+          </a:prstGeom>
+        </p:spPr>
+        <p:style>
+          <a:lnRef idx="2">
+            <a:schemeClr val="accent1">
+              <a:shade val="50000"/>
+            </a:schemeClr>
+          </a:lnRef>
+          <a:fillRef idx="1">
+            <a:schemeClr val="accent1"/>
+          </a:fillRef>
+          <a:effectRef idx="0">
+            <a:schemeClr val="accent1"/>
+          </a:effectRef>
+          <a:fontRef idx="minor">
+            <a:schemeClr val="lt1"/>
+          </a:fontRef>
+        </p:style>
+        <p:txBody>
+          <a:bodyPr rtlCol="0" anchor="ctr"/>
+          <a:lstStyle/>
+          <a:p>
+            <a:pPr algn="ctr"/>
+            <a:r>
+              <a:rPr lang="en-US" dirty="0"/>
+              <a:t>C</a:t>
+            </a:r>
+          </a:p>
+        </p:txBody>
+      </p:sp>
+      <p:sp>
+        <p:nvSpPr>
+          <p:cNvPr id="27" name="Oval 26">
+            <a:extLst>
+              <a:ext uri="{FF2B5EF4-FFF2-40B4-BE49-F238E27FC236}">
+                <a16:creationId xmlns:a16="http://schemas.microsoft.com/office/drawing/2014/main" id="{88D7B244-75E9-48D5-BEEA-736916B5A913}"/>
+              </a:ext>
+            </a:extLst>
+          </p:cNvPr>
+          <p:cNvSpPr>
+            <a:spLocks noChangeAspect="1"/>
+          </p:cNvSpPr>
+          <p:nvPr/>
+        </p:nvSpPr>
+        <p:spPr>
+          <a:xfrm>
+            <a:off x="4129594" y="5467068"/>
+            <a:ext cx="265265" cy="220540"/>
+          </a:xfrm>
+          <a:prstGeom prst="ellipse">
+            <a:avLst/>
+          </a:prstGeom>
+        </p:spPr>
+        <p:style>
+          <a:lnRef idx="2">
+            <a:schemeClr val="accent1">
+              <a:shade val="50000"/>
+            </a:schemeClr>
+          </a:lnRef>
+          <a:fillRef idx="1">
+            <a:schemeClr val="accent1"/>
+          </a:fillRef>
+          <a:effectRef idx="0">
+            <a:schemeClr val="accent1"/>
+          </a:effectRef>
+          <a:fontRef idx="minor">
+            <a:schemeClr val="lt1"/>
+          </a:fontRef>
+        </p:style>
+        <p:txBody>
+          <a:bodyPr rtlCol="0" anchor="ctr"/>
+          <a:lstStyle/>
+          <a:p>
+            <a:pPr algn="ctr"/>
+            <a:r>
+              <a:rPr lang="en-US" dirty="0"/>
+              <a:t>G</a:t>
+            </a:r>
+          </a:p>
+        </p:txBody>
+      </p:sp>
+      <p:sp>
+        <p:nvSpPr>
+          <p:cNvPr id="28" name="Oval 27">
+            <a:extLst>
+              <a:ext uri="{FF2B5EF4-FFF2-40B4-BE49-F238E27FC236}">
+                <a16:creationId xmlns:a16="http://schemas.microsoft.com/office/drawing/2014/main" id="{B81E3ECA-DF12-4BE1-946F-20ACAD68B47C}"/>
+              </a:ext>
+            </a:extLst>
+          </p:cNvPr>
+          <p:cNvSpPr>
+            <a:spLocks noChangeAspect="1"/>
+          </p:cNvSpPr>
+          <p:nvPr/>
+        </p:nvSpPr>
+        <p:spPr>
+          <a:xfrm>
+            <a:off x="4810890" y="5467068"/>
+            <a:ext cx="265265" cy="220540"/>
+          </a:xfrm>
+          <a:prstGeom prst="ellipse">
+            <a:avLst/>
+          </a:prstGeom>
+        </p:spPr>
+        <p:style>
+          <a:lnRef idx="2">
+            <a:schemeClr val="accent1">
+              <a:shade val="50000"/>
+            </a:schemeClr>
+          </a:lnRef>
+          <a:fillRef idx="1">
+            <a:schemeClr val="accent1"/>
+          </a:fillRef>
+          <a:effectRef idx="0">
+            <a:schemeClr val="accent1"/>
+          </a:effectRef>
+          <a:fontRef idx="minor">
+            <a:schemeClr val="lt1"/>
+          </a:fontRef>
+        </p:style>
+        <p:txBody>
+          <a:bodyPr rtlCol="0" anchor="ctr"/>
+          <a:lstStyle/>
+          <a:p>
+            <a:pPr algn="ctr"/>
+            <a:r>
+              <a:rPr lang="en-US" dirty="0"/>
+              <a:t>G</a:t>
+            </a:r>
+          </a:p>
+        </p:txBody>
+      </p:sp>
+      <p:sp>
+        <p:nvSpPr>
+          <p:cNvPr id="29" name="Oval 28">
+            <a:extLst>
+              <a:ext uri="{FF2B5EF4-FFF2-40B4-BE49-F238E27FC236}">
+                <a16:creationId xmlns:a16="http://schemas.microsoft.com/office/drawing/2014/main" id="{FE23A0A3-AA64-43A5-9BE2-7F9905963D44}"/>
+              </a:ext>
+            </a:extLst>
+          </p:cNvPr>
+          <p:cNvSpPr>
+            <a:spLocks noChangeAspect="1"/>
+          </p:cNvSpPr>
+          <p:nvPr/>
+        </p:nvSpPr>
+        <p:spPr>
+          <a:xfrm>
+            <a:off x="5178935" y="5467068"/>
+            <a:ext cx="265265" cy="220540"/>
+          </a:xfrm>
+          <a:prstGeom prst="ellipse">
+            <a:avLst/>
+          </a:prstGeom>
+        </p:spPr>
+        <p:style>
+          <a:lnRef idx="2">
+            <a:schemeClr val="accent1">
+              <a:shade val="50000"/>
+            </a:schemeClr>
+          </a:lnRef>
+          <a:fillRef idx="1">
+            <a:schemeClr val="accent1"/>
+          </a:fillRef>
+          <a:effectRef idx="0">
+            <a:schemeClr val="accent1"/>
+          </a:effectRef>
+          <a:fontRef idx="minor">
+            <a:schemeClr val="lt1"/>
+          </a:fontRef>
+        </p:style>
+        <p:txBody>
+          <a:bodyPr rtlCol="0" anchor="ctr"/>
+          <a:lstStyle/>
+          <a:p>
+            <a:pPr algn="ctr"/>
+            <a:r>
+              <a:rPr lang="en-US" dirty="0"/>
+              <a:t>T</a:t>
+            </a:r>
+          </a:p>
+        </p:txBody>
+      </p:sp>
+      <p:sp>
+        <p:nvSpPr>
+          <p:cNvPr id="30" name="Oval 29">
+            <a:extLst>
+              <a:ext uri="{FF2B5EF4-FFF2-40B4-BE49-F238E27FC236}">
+                <a16:creationId xmlns:a16="http://schemas.microsoft.com/office/drawing/2014/main" id="{EA69FC7C-A9CA-4873-90B6-D4F2309446D2}"/>
+              </a:ext>
+            </a:extLst>
+          </p:cNvPr>
+          <p:cNvSpPr>
+            <a:spLocks noChangeAspect="1"/>
+          </p:cNvSpPr>
+          <p:nvPr/>
+        </p:nvSpPr>
+        <p:spPr>
+          <a:xfrm>
+            <a:off x="3761549" y="5467068"/>
+            <a:ext cx="265265" cy="220540"/>
+          </a:xfrm>
+          <a:prstGeom prst="ellipse">
+            <a:avLst/>
+          </a:prstGeom>
+        </p:spPr>
+        <p:style>
+          <a:lnRef idx="2">
+            <a:schemeClr val="accent1">
+              <a:shade val="50000"/>
+            </a:schemeClr>
+          </a:lnRef>
+          <a:fillRef idx="1">
+            <a:schemeClr val="accent1"/>
+          </a:fillRef>
+          <a:effectRef idx="0">
+            <a:schemeClr val="accent1"/>
+          </a:effectRef>
+          <a:fontRef idx="minor">
+            <a:schemeClr val="lt1"/>
+          </a:fontRef>
+        </p:style>
+        <p:txBody>
+          <a:bodyPr rtlCol="0" anchor="ctr"/>
+          <a:lstStyle/>
+          <a:p>
+            <a:pPr algn="ctr"/>
+            <a:r>
+              <a:rPr lang="en-US" dirty="0"/>
+              <a:t>T</a:t>
+            </a:r>
+          </a:p>
+        </p:txBody>
+      </p:sp>
+      <p:sp>
+        <p:nvSpPr>
+          <p:cNvPr id="2" name="TextBox 1">
+            <a:extLst>
+              <a:ext uri="{FF2B5EF4-FFF2-40B4-BE49-F238E27FC236}">
+                <a16:creationId xmlns:a16="http://schemas.microsoft.com/office/drawing/2014/main" id="{2724C142-E268-4034-AD0E-41DD00608D6F}"/>
+              </a:ext>
+            </a:extLst>
+          </p:cNvPr>
+          <p:cNvSpPr txBox="1"/>
+          <p:nvPr/>
+        </p:nvSpPr>
+        <p:spPr>
+          <a:xfrm>
+            <a:off x="372862" y="310718"/>
+            <a:ext cx="1518364" cy="369332"/>
+          </a:xfrm>
+          <a:prstGeom prst="rect">
+            <a:avLst/>
+          </a:prstGeom>
+          <a:noFill/>
+        </p:spPr>
+        <p:txBody>
+          <a:bodyPr wrap="none" rtlCol="0">
+            <a:spAutoFit/>
+          </a:bodyPr>
+          <a:lstStyle/>
+          <a:p>
+            <a:r>
+              <a:rPr lang="en-US" dirty="0"/>
+              <a:t>Name=King </a:t>
+            </a:r>
+            <a:r>
+              <a:rPr lang="en-US" dirty="0" err="1"/>
+              <a:t>Rt</a:t>
+            </a:r>
+            <a:endParaRPr lang="en-US" dirty="0"/>
+          </a:p>
+        </p:txBody>
+      </p:sp>
+      <p:sp>
+        <p:nvSpPr>
+          <p:cNvPr id="13" name="Oval 12">
+            <a:extLst>
+              <a:ext uri="{FF2B5EF4-FFF2-40B4-BE49-F238E27FC236}">
+                <a16:creationId xmlns:a16="http://schemas.microsoft.com/office/drawing/2014/main" id="{AE4A4AEA-DF68-49EC-AF15-FAAFC1CF9583}"/>
+              </a:ext>
+            </a:extLst>
+          </p:cNvPr>
+          <p:cNvSpPr>
+            <a:spLocks noChangeAspect="1"/>
+          </p:cNvSpPr>
+          <p:nvPr/>
+        </p:nvSpPr>
+        <p:spPr>
+          <a:xfrm>
+            <a:off x="4497589" y="6414440"/>
+            <a:ext cx="265265" cy="220540"/>
+          </a:xfrm>
+          <a:prstGeom prst="ellipse">
+            <a:avLst/>
+          </a:prstGeom>
+        </p:spPr>
+        <p:style>
+          <a:lnRef idx="2">
+            <a:schemeClr val="dk1"/>
+          </a:lnRef>
+          <a:fillRef idx="1">
+            <a:schemeClr val="lt1"/>
+          </a:fillRef>
+          <a:effectRef idx="0">
+            <a:schemeClr val="dk1"/>
+          </a:effectRef>
+          <a:fontRef idx="minor">
+            <a:schemeClr val="dk1"/>
+          </a:fontRef>
+        </p:style>
+        <p:txBody>
+          <a:bodyPr rtlCol="0" anchor="ctr"/>
+          <a:lstStyle/>
+          <a:p>
+            <a:pPr algn="ctr"/>
+            <a:r>
+              <a:rPr lang="en-US" dirty="0"/>
+              <a:t>A</a:t>
+            </a:r>
+          </a:p>
+        </p:txBody>
+      </p:sp>
+      <p:sp>
+        <p:nvSpPr>
+          <p:cNvPr id="11" name="TextBox 10">
+            <a:extLst>
+              <a:ext uri="{FF2B5EF4-FFF2-40B4-BE49-F238E27FC236}">
+                <a16:creationId xmlns:a16="http://schemas.microsoft.com/office/drawing/2014/main" id="{F2055CB2-423E-44BB-B7F7-7B5AF8BCB657}"/>
+              </a:ext>
+            </a:extLst>
+          </p:cNvPr>
+          <p:cNvSpPr txBox="1"/>
+          <p:nvPr/>
+        </p:nvSpPr>
+        <p:spPr>
+          <a:xfrm>
+            <a:off x="372862" y="680050"/>
+            <a:ext cx="1712841" cy="369332"/>
+          </a:xfrm>
+          <a:prstGeom prst="rect">
+            <a:avLst/>
+          </a:prstGeom>
+          <a:noFill/>
+        </p:spPr>
+        <p:txBody>
+          <a:bodyPr wrap="none" rtlCol="0">
+            <a:spAutoFit/>
+          </a:bodyPr>
+          <a:lstStyle/>
+          <a:p>
+            <a:r>
+              <a:rPr lang="en-US" dirty="0"/>
+              <a:t>Name=Queen Lt</a:t>
+            </a:r>
+          </a:p>
+        </p:txBody>
+      </p:sp>
+    </p:spTree>
+    <p:extLst>
+      <p:ext uri="{BB962C8B-B14F-4D97-AF65-F5344CB8AC3E}">
+        <p14:creationId xmlns:p14="http://schemas.microsoft.com/office/powerpoint/2010/main" val="2715412841"/>
+      </p:ext>
+    </p:extLst>
+  </p:cSld>
+  <p:clrMapOvr>
+    <a:masterClrMapping/>
+  </p:clrMapOvr>
+</p:sld>
+</file>
+
+<file path=ppt/slides/slide14.xml><?xml version="1.0" encoding="utf-8"?>
+<p:sld xmlns:a="http://schemas.openxmlformats.org/drawingml/2006/main" xmlns:r="http://schemas.openxmlformats.org/officeDocument/2006/relationships" xmlns:p="http://schemas.openxmlformats.org/presentationml/2006/main">
+  <p:cSld>
+    <p:spTree>
+      <p:nvGrpSpPr>
+        <p:cNvPr id="1" name=""/>
+        <p:cNvGrpSpPr/>
+        <p:nvPr/>
+      </p:nvGrpSpPr>
+      <p:grpSpPr>
+        <a:xfrm>
+          <a:off x="0" y="0"/>
+          <a:ext cx="0" cy="0"/>
+          <a:chOff x="0" y="0"/>
+          <a:chExt cx="0" cy="0"/>
+        </a:xfrm>
+      </p:grpSpPr>
+      <p:sp>
+        <p:nvSpPr>
+          <p:cNvPr id="24" name="Oval 23">
+            <a:extLst>
+              <a:ext uri="{FF2B5EF4-FFF2-40B4-BE49-F238E27FC236}">
+                <a16:creationId xmlns:a16="http://schemas.microsoft.com/office/drawing/2014/main" id="{B889BA8C-0E26-4F3F-8CF7-B18F6ADC2A52}"/>
+              </a:ext>
+            </a:extLst>
+          </p:cNvPr>
+          <p:cNvSpPr>
+            <a:spLocks noChangeAspect="1"/>
+          </p:cNvSpPr>
+          <p:nvPr/>
+        </p:nvSpPr>
+        <p:spPr>
+          <a:xfrm>
+            <a:off x="4464179" y="6008406"/>
+            <a:ext cx="265265" cy="220540"/>
+          </a:xfrm>
+          <a:prstGeom prst="ellipse">
+            <a:avLst/>
+          </a:prstGeom>
+        </p:spPr>
+        <p:style>
+          <a:lnRef idx="2">
+            <a:schemeClr val="dk1"/>
+          </a:lnRef>
+          <a:fillRef idx="1">
+            <a:schemeClr val="lt1"/>
+          </a:fillRef>
+          <a:effectRef idx="0">
+            <a:schemeClr val="dk1"/>
+          </a:effectRef>
+          <a:fontRef idx="minor">
+            <a:schemeClr val="dk1"/>
+          </a:fontRef>
+        </p:style>
+        <p:txBody>
+          <a:bodyPr rtlCol="0" anchor="ctr"/>
+          <a:lstStyle/>
+          <a:p>
+            <a:pPr algn="ctr"/>
+            <a:r>
+              <a:rPr lang="en-US" dirty="0"/>
+              <a:t>Q</a:t>
+            </a:r>
+          </a:p>
+        </p:txBody>
+      </p:sp>
+      <p:sp>
+        <p:nvSpPr>
+          <p:cNvPr id="25" name="Oval 24">
+            <a:extLst>
+              <a:ext uri="{FF2B5EF4-FFF2-40B4-BE49-F238E27FC236}">
+                <a16:creationId xmlns:a16="http://schemas.microsoft.com/office/drawing/2014/main" id="{723C6B51-625E-462A-BBB1-3FC3B29BB96E}"/>
+              </a:ext>
+            </a:extLst>
+          </p:cNvPr>
+          <p:cNvSpPr>
+            <a:spLocks noChangeAspect="1"/>
+          </p:cNvSpPr>
+          <p:nvPr/>
+        </p:nvSpPr>
+        <p:spPr>
+          <a:xfrm>
+            <a:off x="5076155" y="6058525"/>
+            <a:ext cx="265265" cy="220540"/>
+          </a:xfrm>
+          <a:prstGeom prst="ellipse">
+            <a:avLst/>
+          </a:prstGeom>
+        </p:spPr>
+        <p:style>
+          <a:lnRef idx="2">
+            <a:schemeClr val="dk1"/>
+          </a:lnRef>
+          <a:fillRef idx="1">
+            <a:schemeClr val="lt1"/>
+          </a:fillRef>
+          <a:effectRef idx="0">
+            <a:schemeClr val="dk1"/>
+          </a:effectRef>
+          <a:fontRef idx="minor">
+            <a:schemeClr val="dk1"/>
+          </a:fontRef>
+        </p:style>
+        <p:txBody>
+          <a:bodyPr rtlCol="0" anchor="ctr"/>
+          <a:lstStyle/>
+          <a:p>
+            <a:pPr algn="ctr"/>
+            <a:r>
+              <a:rPr lang="en-US" dirty="0"/>
+              <a:t>B</a:t>
+            </a:r>
+          </a:p>
+        </p:txBody>
+      </p:sp>
+      <p:sp>
+        <p:nvSpPr>
+          <p:cNvPr id="26" name="Rectangle 25">
+            <a:extLst>
+              <a:ext uri="{FF2B5EF4-FFF2-40B4-BE49-F238E27FC236}">
+                <a16:creationId xmlns:a16="http://schemas.microsoft.com/office/drawing/2014/main" id="{DF9AD3B9-5DF6-4174-A386-DA0894B2250B}"/>
+              </a:ext>
+            </a:extLst>
+          </p:cNvPr>
+          <p:cNvSpPr>
+            <a:spLocks noChangeAspect="1"/>
+          </p:cNvSpPr>
+          <p:nvPr/>
+        </p:nvSpPr>
+        <p:spPr>
+          <a:xfrm>
+            <a:off x="4464179" y="5467068"/>
+            <a:ext cx="265263" cy="198948"/>
+          </a:xfrm>
+          <a:prstGeom prst="rect">
+            <a:avLst/>
+          </a:prstGeom>
+        </p:spPr>
+        <p:style>
+          <a:lnRef idx="2">
+            <a:schemeClr val="accent1">
+              <a:shade val="50000"/>
+            </a:schemeClr>
+          </a:lnRef>
+          <a:fillRef idx="1">
+            <a:schemeClr val="accent1"/>
+          </a:fillRef>
+          <a:effectRef idx="0">
+            <a:schemeClr val="accent1"/>
+          </a:effectRef>
+          <a:fontRef idx="minor">
+            <a:schemeClr val="lt1"/>
+          </a:fontRef>
+        </p:style>
+        <p:txBody>
+          <a:bodyPr rtlCol="0" anchor="ctr"/>
+          <a:lstStyle/>
+          <a:p>
+            <a:pPr algn="ctr"/>
+            <a:r>
+              <a:rPr lang="en-US" dirty="0"/>
+              <a:t>C</a:t>
+            </a:r>
+          </a:p>
+        </p:txBody>
+      </p:sp>
+      <p:sp>
+        <p:nvSpPr>
+          <p:cNvPr id="27" name="Oval 26">
+            <a:extLst>
+              <a:ext uri="{FF2B5EF4-FFF2-40B4-BE49-F238E27FC236}">
+                <a16:creationId xmlns:a16="http://schemas.microsoft.com/office/drawing/2014/main" id="{88D7B244-75E9-48D5-BEEA-736916B5A913}"/>
+              </a:ext>
+            </a:extLst>
+          </p:cNvPr>
+          <p:cNvSpPr>
+            <a:spLocks noChangeAspect="1"/>
+          </p:cNvSpPr>
+          <p:nvPr/>
+        </p:nvSpPr>
+        <p:spPr>
+          <a:xfrm>
+            <a:off x="4129594" y="5467068"/>
+            <a:ext cx="265265" cy="220540"/>
+          </a:xfrm>
+          <a:prstGeom prst="ellipse">
+            <a:avLst/>
+          </a:prstGeom>
+        </p:spPr>
+        <p:style>
+          <a:lnRef idx="2">
+            <a:schemeClr val="accent1">
+              <a:shade val="50000"/>
+            </a:schemeClr>
+          </a:lnRef>
+          <a:fillRef idx="1">
+            <a:schemeClr val="accent1"/>
+          </a:fillRef>
+          <a:effectRef idx="0">
+            <a:schemeClr val="accent1"/>
+          </a:effectRef>
+          <a:fontRef idx="minor">
+            <a:schemeClr val="lt1"/>
+          </a:fontRef>
+        </p:style>
+        <p:txBody>
+          <a:bodyPr rtlCol="0" anchor="ctr"/>
+          <a:lstStyle/>
+          <a:p>
+            <a:pPr algn="ctr"/>
+            <a:r>
+              <a:rPr lang="en-US" dirty="0"/>
+              <a:t>G</a:t>
+            </a:r>
+          </a:p>
+        </p:txBody>
+      </p:sp>
+      <p:sp>
+        <p:nvSpPr>
+          <p:cNvPr id="28" name="Oval 27">
+            <a:extLst>
+              <a:ext uri="{FF2B5EF4-FFF2-40B4-BE49-F238E27FC236}">
+                <a16:creationId xmlns:a16="http://schemas.microsoft.com/office/drawing/2014/main" id="{B81E3ECA-DF12-4BE1-946F-20ACAD68B47C}"/>
+              </a:ext>
+            </a:extLst>
+          </p:cNvPr>
+          <p:cNvSpPr>
+            <a:spLocks noChangeAspect="1"/>
+          </p:cNvSpPr>
+          <p:nvPr/>
+        </p:nvSpPr>
+        <p:spPr>
+          <a:xfrm>
+            <a:off x="4810890" y="5467068"/>
+            <a:ext cx="265265" cy="220540"/>
+          </a:xfrm>
+          <a:prstGeom prst="ellipse">
+            <a:avLst/>
+          </a:prstGeom>
+        </p:spPr>
+        <p:style>
+          <a:lnRef idx="2">
+            <a:schemeClr val="accent1">
+              <a:shade val="50000"/>
+            </a:schemeClr>
+          </a:lnRef>
+          <a:fillRef idx="1">
+            <a:schemeClr val="accent1"/>
+          </a:fillRef>
+          <a:effectRef idx="0">
+            <a:schemeClr val="accent1"/>
+          </a:effectRef>
+          <a:fontRef idx="minor">
+            <a:schemeClr val="lt1"/>
+          </a:fontRef>
+        </p:style>
+        <p:txBody>
+          <a:bodyPr rtlCol="0" anchor="ctr"/>
+          <a:lstStyle/>
+          <a:p>
+            <a:pPr algn="ctr"/>
+            <a:r>
+              <a:rPr lang="en-US" dirty="0"/>
+              <a:t>G</a:t>
+            </a:r>
+          </a:p>
+        </p:txBody>
+      </p:sp>
+      <p:sp>
+        <p:nvSpPr>
+          <p:cNvPr id="29" name="Oval 28">
+            <a:extLst>
+              <a:ext uri="{FF2B5EF4-FFF2-40B4-BE49-F238E27FC236}">
+                <a16:creationId xmlns:a16="http://schemas.microsoft.com/office/drawing/2014/main" id="{FE23A0A3-AA64-43A5-9BE2-7F9905963D44}"/>
+              </a:ext>
+            </a:extLst>
+          </p:cNvPr>
+          <p:cNvSpPr>
+            <a:spLocks noChangeAspect="1"/>
+          </p:cNvSpPr>
+          <p:nvPr/>
+        </p:nvSpPr>
+        <p:spPr>
+          <a:xfrm>
+            <a:off x="5178935" y="5467068"/>
+            <a:ext cx="265265" cy="220540"/>
+          </a:xfrm>
+          <a:prstGeom prst="ellipse">
+            <a:avLst/>
+          </a:prstGeom>
+        </p:spPr>
+        <p:style>
+          <a:lnRef idx="2">
+            <a:schemeClr val="accent1">
+              <a:shade val="50000"/>
+            </a:schemeClr>
+          </a:lnRef>
+          <a:fillRef idx="1">
+            <a:schemeClr val="accent1"/>
+          </a:fillRef>
+          <a:effectRef idx="0">
+            <a:schemeClr val="accent1"/>
+          </a:effectRef>
+          <a:fontRef idx="minor">
+            <a:schemeClr val="lt1"/>
+          </a:fontRef>
+        </p:style>
+        <p:txBody>
+          <a:bodyPr rtlCol="0" anchor="ctr"/>
+          <a:lstStyle/>
+          <a:p>
+            <a:pPr algn="ctr"/>
+            <a:r>
+              <a:rPr lang="en-US" dirty="0"/>
+              <a:t>T</a:t>
+            </a:r>
+          </a:p>
+        </p:txBody>
+      </p:sp>
+      <p:sp>
+        <p:nvSpPr>
+          <p:cNvPr id="30" name="Oval 29">
+            <a:extLst>
+              <a:ext uri="{FF2B5EF4-FFF2-40B4-BE49-F238E27FC236}">
+                <a16:creationId xmlns:a16="http://schemas.microsoft.com/office/drawing/2014/main" id="{EA69FC7C-A9CA-4873-90B6-D4F2309446D2}"/>
+              </a:ext>
+            </a:extLst>
+          </p:cNvPr>
+          <p:cNvSpPr>
+            <a:spLocks noChangeAspect="1"/>
+          </p:cNvSpPr>
+          <p:nvPr/>
+        </p:nvSpPr>
+        <p:spPr>
+          <a:xfrm>
+            <a:off x="3761549" y="5467068"/>
+            <a:ext cx="265265" cy="220540"/>
+          </a:xfrm>
+          <a:prstGeom prst="ellipse">
+            <a:avLst/>
+          </a:prstGeom>
+        </p:spPr>
+        <p:style>
+          <a:lnRef idx="2">
+            <a:schemeClr val="accent1">
+              <a:shade val="50000"/>
+            </a:schemeClr>
+          </a:lnRef>
+          <a:fillRef idx="1">
+            <a:schemeClr val="accent1"/>
+          </a:fillRef>
+          <a:effectRef idx="0">
+            <a:schemeClr val="accent1"/>
+          </a:effectRef>
+          <a:fontRef idx="minor">
+            <a:schemeClr val="lt1"/>
+          </a:fontRef>
+        </p:style>
+        <p:txBody>
+          <a:bodyPr rtlCol="0" anchor="ctr"/>
+          <a:lstStyle/>
+          <a:p>
+            <a:pPr algn="ctr"/>
+            <a:r>
+              <a:rPr lang="en-US" dirty="0"/>
+              <a:t>T</a:t>
+            </a:r>
+          </a:p>
+        </p:txBody>
+      </p:sp>
+      <p:sp>
+        <p:nvSpPr>
+          <p:cNvPr id="2" name="TextBox 1">
+            <a:extLst>
+              <a:ext uri="{FF2B5EF4-FFF2-40B4-BE49-F238E27FC236}">
+                <a16:creationId xmlns:a16="http://schemas.microsoft.com/office/drawing/2014/main" id="{2724C142-E268-4034-AD0E-41DD00608D6F}"/>
+              </a:ext>
+            </a:extLst>
+          </p:cNvPr>
+          <p:cNvSpPr txBox="1"/>
+          <p:nvPr/>
+        </p:nvSpPr>
+        <p:spPr>
+          <a:xfrm>
+            <a:off x="372862" y="310718"/>
+            <a:ext cx="1960793" cy="369332"/>
+          </a:xfrm>
+          <a:prstGeom prst="rect">
+            <a:avLst/>
+          </a:prstGeom>
+          <a:noFill/>
+        </p:spPr>
+        <p:txBody>
+          <a:bodyPr wrap="none" rtlCol="0">
+            <a:spAutoFit/>
+          </a:bodyPr>
+          <a:lstStyle/>
+          <a:p>
+            <a:r>
+              <a:rPr lang="en-US" dirty="0"/>
+              <a:t>Name=King Gun </a:t>
+            </a:r>
+            <a:r>
+              <a:rPr lang="en-US" dirty="0" err="1"/>
+              <a:t>Rt</a:t>
+            </a:r>
+            <a:endParaRPr lang="en-US" dirty="0"/>
+          </a:p>
+        </p:txBody>
+      </p:sp>
+      <p:sp>
+        <p:nvSpPr>
+          <p:cNvPr id="13" name="Oval 12">
+            <a:extLst>
+              <a:ext uri="{FF2B5EF4-FFF2-40B4-BE49-F238E27FC236}">
+                <a16:creationId xmlns:a16="http://schemas.microsoft.com/office/drawing/2014/main" id="{AE4A4AEA-DF68-49EC-AF15-FAAFC1CF9583}"/>
+              </a:ext>
+            </a:extLst>
+          </p:cNvPr>
+          <p:cNvSpPr>
+            <a:spLocks noChangeAspect="1"/>
+          </p:cNvSpPr>
+          <p:nvPr/>
+        </p:nvSpPr>
+        <p:spPr>
+          <a:xfrm>
+            <a:off x="4497589" y="6414440"/>
+            <a:ext cx="265265" cy="220540"/>
+          </a:xfrm>
+          <a:prstGeom prst="ellipse">
+            <a:avLst/>
+          </a:prstGeom>
+        </p:spPr>
+        <p:style>
+          <a:lnRef idx="2">
+            <a:schemeClr val="dk1"/>
+          </a:lnRef>
+          <a:fillRef idx="1">
+            <a:schemeClr val="lt1"/>
+          </a:fillRef>
+          <a:effectRef idx="0">
+            <a:schemeClr val="dk1"/>
+          </a:effectRef>
+          <a:fontRef idx="minor">
+            <a:schemeClr val="dk1"/>
+          </a:fontRef>
+        </p:style>
+        <p:txBody>
+          <a:bodyPr rtlCol="0" anchor="ctr"/>
+          <a:lstStyle/>
+          <a:p>
+            <a:pPr algn="ctr"/>
+            <a:r>
+              <a:rPr lang="en-US" dirty="0"/>
+              <a:t>A</a:t>
+            </a:r>
+          </a:p>
+        </p:txBody>
+      </p:sp>
+      <p:sp>
+        <p:nvSpPr>
+          <p:cNvPr id="11" name="TextBox 10">
+            <a:extLst>
+              <a:ext uri="{FF2B5EF4-FFF2-40B4-BE49-F238E27FC236}">
+                <a16:creationId xmlns:a16="http://schemas.microsoft.com/office/drawing/2014/main" id="{F2055CB2-423E-44BB-B7F7-7B5AF8BCB657}"/>
+              </a:ext>
+            </a:extLst>
+          </p:cNvPr>
+          <p:cNvSpPr txBox="1"/>
+          <p:nvPr/>
+        </p:nvSpPr>
+        <p:spPr>
+          <a:xfrm>
+            <a:off x="372862" y="680050"/>
+            <a:ext cx="2155270" cy="369332"/>
+          </a:xfrm>
+          <a:prstGeom prst="rect">
+            <a:avLst/>
+          </a:prstGeom>
+          <a:noFill/>
+        </p:spPr>
+        <p:txBody>
+          <a:bodyPr wrap="none" rtlCol="0">
+            <a:spAutoFit/>
+          </a:bodyPr>
+          <a:lstStyle/>
+          <a:p>
+            <a:r>
+              <a:rPr lang="en-US" dirty="0"/>
+              <a:t>Name=Queen Gun Lt</a:t>
+            </a:r>
+          </a:p>
+        </p:txBody>
+      </p:sp>
+    </p:spTree>
+    <p:extLst>
+      <p:ext uri="{BB962C8B-B14F-4D97-AF65-F5344CB8AC3E}">
+        <p14:creationId xmlns:p14="http://schemas.microsoft.com/office/powerpoint/2010/main" val="956610810"/>
+      </p:ext>
+    </p:extLst>
+  </p:cSld>
+  <p:clrMapOvr>
+    <a:masterClrMapping/>
+  </p:clrMapOvr>
+</p:sld>
+</file>
+
+<file path=ppt/slides/slide15.xml><?xml version="1.0" encoding="utf-8"?>
+<p:sld xmlns:a="http://schemas.openxmlformats.org/drawingml/2006/main" xmlns:r="http://schemas.openxmlformats.org/officeDocument/2006/relationships" xmlns:p="http://schemas.openxmlformats.org/presentationml/2006/main">
+  <p:cSld>
+    <p:spTree>
+      <p:nvGrpSpPr>
+        <p:cNvPr id="1" name=""/>
+        <p:cNvGrpSpPr/>
+        <p:nvPr/>
+      </p:nvGrpSpPr>
+      <p:grpSpPr>
+        <a:xfrm>
+          <a:off x="0" y="0"/>
+          <a:ext cx="0" cy="0"/>
+          <a:chOff x="0" y="0"/>
+          <a:chExt cx="0" cy="0"/>
+        </a:xfrm>
+      </p:grpSpPr>
+      <p:sp>
+        <p:nvSpPr>
+          <p:cNvPr id="24" name="Oval 23">
+            <a:extLst>
+              <a:ext uri="{FF2B5EF4-FFF2-40B4-BE49-F238E27FC236}">
+                <a16:creationId xmlns:a16="http://schemas.microsoft.com/office/drawing/2014/main" id="{B889BA8C-0E26-4F3F-8CF7-B18F6ADC2A52}"/>
+              </a:ext>
+            </a:extLst>
+          </p:cNvPr>
+          <p:cNvSpPr>
+            <a:spLocks noChangeAspect="1"/>
+          </p:cNvSpPr>
+          <p:nvPr/>
+        </p:nvSpPr>
+        <p:spPr>
+          <a:xfrm>
+            <a:off x="4464179" y="6008406"/>
+            <a:ext cx="265265" cy="220540"/>
+          </a:xfrm>
+          <a:prstGeom prst="ellipse">
+            <a:avLst/>
+          </a:prstGeom>
+        </p:spPr>
+        <p:style>
+          <a:lnRef idx="2">
+            <a:schemeClr val="dk1"/>
+          </a:lnRef>
+          <a:fillRef idx="1">
+            <a:schemeClr val="lt1"/>
+          </a:fillRef>
+          <a:effectRef idx="0">
+            <a:schemeClr val="dk1"/>
+          </a:effectRef>
+          <a:fontRef idx="minor">
+            <a:schemeClr val="dk1"/>
+          </a:fontRef>
+        </p:style>
+        <p:txBody>
+          <a:bodyPr rtlCol="0" anchor="ctr"/>
+          <a:lstStyle/>
+          <a:p>
+            <a:pPr algn="ctr"/>
+            <a:r>
+              <a:rPr lang="en-US" dirty="0"/>
+              <a:t>Q</a:t>
+            </a:r>
+          </a:p>
+        </p:txBody>
+      </p:sp>
+      <p:sp>
+        <p:nvSpPr>
+          <p:cNvPr id="25" name="Oval 24">
+            <a:extLst>
+              <a:ext uri="{FF2B5EF4-FFF2-40B4-BE49-F238E27FC236}">
+                <a16:creationId xmlns:a16="http://schemas.microsoft.com/office/drawing/2014/main" id="{723C6B51-625E-462A-BBB1-3FC3B29BB96E}"/>
+              </a:ext>
+            </a:extLst>
+          </p:cNvPr>
+          <p:cNvSpPr>
+            <a:spLocks noChangeAspect="1"/>
+          </p:cNvSpPr>
+          <p:nvPr/>
+        </p:nvSpPr>
+        <p:spPr>
+          <a:xfrm>
+            <a:off x="5076155" y="5774440"/>
+            <a:ext cx="265265" cy="220540"/>
+          </a:xfrm>
+          <a:prstGeom prst="ellipse">
+            <a:avLst/>
+          </a:prstGeom>
+        </p:spPr>
+        <p:style>
+          <a:lnRef idx="2">
+            <a:schemeClr val="dk1"/>
+          </a:lnRef>
+          <a:fillRef idx="1">
+            <a:schemeClr val="lt1"/>
+          </a:fillRef>
+          <a:effectRef idx="0">
+            <a:schemeClr val="dk1"/>
+          </a:effectRef>
+          <a:fontRef idx="minor">
+            <a:schemeClr val="dk1"/>
+          </a:fontRef>
+        </p:style>
+        <p:txBody>
+          <a:bodyPr rtlCol="0" anchor="ctr"/>
+          <a:lstStyle/>
+          <a:p>
+            <a:pPr algn="ctr"/>
+            <a:r>
+              <a:rPr lang="en-US" dirty="0"/>
+              <a:t>B</a:t>
+            </a:r>
+          </a:p>
+        </p:txBody>
+      </p:sp>
+      <p:sp>
+        <p:nvSpPr>
+          <p:cNvPr id="26" name="Rectangle 25">
+            <a:extLst>
+              <a:ext uri="{FF2B5EF4-FFF2-40B4-BE49-F238E27FC236}">
+                <a16:creationId xmlns:a16="http://schemas.microsoft.com/office/drawing/2014/main" id="{DF9AD3B9-5DF6-4174-A386-DA0894B2250B}"/>
+              </a:ext>
+            </a:extLst>
+          </p:cNvPr>
+          <p:cNvSpPr>
+            <a:spLocks noChangeAspect="1"/>
+          </p:cNvSpPr>
+          <p:nvPr/>
+        </p:nvSpPr>
+        <p:spPr>
+          <a:xfrm>
+            <a:off x="4464179" y="5467068"/>
+            <a:ext cx="265263" cy="198948"/>
+          </a:xfrm>
+          <a:prstGeom prst="rect">
+            <a:avLst/>
+          </a:prstGeom>
+        </p:spPr>
+        <p:style>
+          <a:lnRef idx="2">
+            <a:schemeClr val="accent1">
+              <a:shade val="50000"/>
+            </a:schemeClr>
+          </a:lnRef>
+          <a:fillRef idx="1">
+            <a:schemeClr val="accent1"/>
+          </a:fillRef>
+          <a:effectRef idx="0">
+            <a:schemeClr val="accent1"/>
+          </a:effectRef>
+          <a:fontRef idx="minor">
+            <a:schemeClr val="lt1"/>
+          </a:fontRef>
+        </p:style>
+        <p:txBody>
+          <a:bodyPr rtlCol="0" anchor="ctr"/>
+          <a:lstStyle/>
+          <a:p>
+            <a:pPr algn="ctr"/>
+            <a:r>
+              <a:rPr lang="en-US" dirty="0"/>
+              <a:t>C</a:t>
+            </a:r>
+          </a:p>
+        </p:txBody>
+      </p:sp>
+      <p:sp>
+        <p:nvSpPr>
+          <p:cNvPr id="27" name="Oval 26">
+            <a:extLst>
+              <a:ext uri="{FF2B5EF4-FFF2-40B4-BE49-F238E27FC236}">
+                <a16:creationId xmlns:a16="http://schemas.microsoft.com/office/drawing/2014/main" id="{88D7B244-75E9-48D5-BEEA-736916B5A913}"/>
+              </a:ext>
+            </a:extLst>
+          </p:cNvPr>
+          <p:cNvSpPr>
+            <a:spLocks noChangeAspect="1"/>
+          </p:cNvSpPr>
+          <p:nvPr/>
+        </p:nvSpPr>
+        <p:spPr>
+          <a:xfrm>
+            <a:off x="4129594" y="5467068"/>
+            <a:ext cx="265265" cy="220540"/>
+          </a:xfrm>
+          <a:prstGeom prst="ellipse">
+            <a:avLst/>
+          </a:prstGeom>
+        </p:spPr>
+        <p:style>
+          <a:lnRef idx="2">
+            <a:schemeClr val="accent1">
+              <a:shade val="50000"/>
+            </a:schemeClr>
+          </a:lnRef>
+          <a:fillRef idx="1">
+            <a:schemeClr val="accent1"/>
+          </a:fillRef>
+          <a:effectRef idx="0">
+            <a:schemeClr val="accent1"/>
+          </a:effectRef>
+          <a:fontRef idx="minor">
+            <a:schemeClr val="lt1"/>
+          </a:fontRef>
+        </p:style>
+        <p:txBody>
+          <a:bodyPr rtlCol="0" anchor="ctr"/>
+          <a:lstStyle/>
+          <a:p>
+            <a:pPr algn="ctr"/>
+            <a:r>
+              <a:rPr lang="en-US" dirty="0"/>
+              <a:t>G</a:t>
+            </a:r>
+          </a:p>
+        </p:txBody>
+      </p:sp>
+      <p:sp>
+        <p:nvSpPr>
+          <p:cNvPr id="28" name="Oval 27">
+            <a:extLst>
+              <a:ext uri="{FF2B5EF4-FFF2-40B4-BE49-F238E27FC236}">
+                <a16:creationId xmlns:a16="http://schemas.microsoft.com/office/drawing/2014/main" id="{B81E3ECA-DF12-4BE1-946F-20ACAD68B47C}"/>
+              </a:ext>
+            </a:extLst>
+          </p:cNvPr>
+          <p:cNvSpPr>
+            <a:spLocks noChangeAspect="1"/>
+          </p:cNvSpPr>
+          <p:nvPr/>
+        </p:nvSpPr>
+        <p:spPr>
+          <a:xfrm>
+            <a:off x="4810890" y="5467068"/>
+            <a:ext cx="265265" cy="220540"/>
+          </a:xfrm>
+          <a:prstGeom prst="ellipse">
+            <a:avLst/>
+          </a:prstGeom>
+        </p:spPr>
+        <p:style>
+          <a:lnRef idx="2">
+            <a:schemeClr val="accent1">
+              <a:shade val="50000"/>
+            </a:schemeClr>
+          </a:lnRef>
+          <a:fillRef idx="1">
+            <a:schemeClr val="accent1"/>
+          </a:fillRef>
+          <a:effectRef idx="0">
+            <a:schemeClr val="accent1"/>
+          </a:effectRef>
+          <a:fontRef idx="minor">
+            <a:schemeClr val="lt1"/>
+          </a:fontRef>
+        </p:style>
+        <p:txBody>
+          <a:bodyPr rtlCol="0" anchor="ctr"/>
+          <a:lstStyle/>
+          <a:p>
+            <a:pPr algn="ctr"/>
+            <a:r>
+              <a:rPr lang="en-US" dirty="0"/>
+              <a:t>G</a:t>
+            </a:r>
+          </a:p>
+        </p:txBody>
+      </p:sp>
+      <p:sp>
+        <p:nvSpPr>
+          <p:cNvPr id="29" name="Oval 28">
+            <a:extLst>
+              <a:ext uri="{FF2B5EF4-FFF2-40B4-BE49-F238E27FC236}">
+                <a16:creationId xmlns:a16="http://schemas.microsoft.com/office/drawing/2014/main" id="{FE23A0A3-AA64-43A5-9BE2-7F9905963D44}"/>
+              </a:ext>
+            </a:extLst>
+          </p:cNvPr>
+          <p:cNvSpPr>
+            <a:spLocks noChangeAspect="1"/>
+          </p:cNvSpPr>
+          <p:nvPr/>
+        </p:nvSpPr>
+        <p:spPr>
+          <a:xfrm>
+            <a:off x="5178935" y="5467068"/>
+            <a:ext cx="265265" cy="220540"/>
+          </a:xfrm>
+          <a:prstGeom prst="ellipse">
+            <a:avLst/>
+          </a:prstGeom>
+        </p:spPr>
+        <p:style>
+          <a:lnRef idx="2">
+            <a:schemeClr val="accent1">
+              <a:shade val="50000"/>
+            </a:schemeClr>
+          </a:lnRef>
+          <a:fillRef idx="1">
+            <a:schemeClr val="accent1"/>
+          </a:fillRef>
+          <a:effectRef idx="0">
+            <a:schemeClr val="accent1"/>
+          </a:effectRef>
+          <a:fontRef idx="minor">
+            <a:schemeClr val="lt1"/>
+          </a:fontRef>
+        </p:style>
+        <p:txBody>
+          <a:bodyPr rtlCol="0" anchor="ctr"/>
+          <a:lstStyle/>
+          <a:p>
+            <a:pPr algn="ctr"/>
+            <a:r>
+              <a:rPr lang="en-US" dirty="0"/>
+              <a:t>T</a:t>
+            </a:r>
+          </a:p>
+        </p:txBody>
+      </p:sp>
+      <p:sp>
+        <p:nvSpPr>
+          <p:cNvPr id="30" name="Oval 29">
+            <a:extLst>
+              <a:ext uri="{FF2B5EF4-FFF2-40B4-BE49-F238E27FC236}">
+                <a16:creationId xmlns:a16="http://schemas.microsoft.com/office/drawing/2014/main" id="{EA69FC7C-A9CA-4873-90B6-D4F2309446D2}"/>
+              </a:ext>
+            </a:extLst>
+          </p:cNvPr>
+          <p:cNvSpPr>
+            <a:spLocks noChangeAspect="1"/>
+          </p:cNvSpPr>
+          <p:nvPr/>
+        </p:nvSpPr>
+        <p:spPr>
+          <a:xfrm>
+            <a:off x="3761549" y="5467068"/>
+            <a:ext cx="265265" cy="220540"/>
+          </a:xfrm>
+          <a:prstGeom prst="ellipse">
+            <a:avLst/>
+          </a:prstGeom>
+        </p:spPr>
+        <p:style>
+          <a:lnRef idx="2">
+            <a:schemeClr val="accent1">
+              <a:shade val="50000"/>
+            </a:schemeClr>
+          </a:lnRef>
+          <a:fillRef idx="1">
+            <a:schemeClr val="accent1"/>
+          </a:fillRef>
+          <a:effectRef idx="0">
+            <a:schemeClr val="accent1"/>
+          </a:effectRef>
+          <a:fontRef idx="minor">
+            <a:schemeClr val="lt1"/>
+          </a:fontRef>
+        </p:style>
+        <p:txBody>
+          <a:bodyPr rtlCol="0" anchor="ctr"/>
+          <a:lstStyle/>
+          <a:p>
+            <a:pPr algn="ctr"/>
+            <a:r>
+              <a:rPr lang="en-US" dirty="0"/>
+              <a:t>T</a:t>
+            </a:r>
+          </a:p>
+        </p:txBody>
+      </p:sp>
+      <p:sp>
+        <p:nvSpPr>
+          <p:cNvPr id="2" name="TextBox 1">
+            <a:extLst>
+              <a:ext uri="{FF2B5EF4-FFF2-40B4-BE49-F238E27FC236}">
+                <a16:creationId xmlns:a16="http://schemas.microsoft.com/office/drawing/2014/main" id="{2724C142-E268-4034-AD0E-41DD00608D6F}"/>
+              </a:ext>
+            </a:extLst>
+          </p:cNvPr>
+          <p:cNvSpPr txBox="1"/>
+          <p:nvPr/>
+        </p:nvSpPr>
+        <p:spPr>
+          <a:xfrm>
+            <a:off x="372862" y="310718"/>
+            <a:ext cx="2433038" cy="369332"/>
+          </a:xfrm>
+          <a:prstGeom prst="rect">
+            <a:avLst/>
+          </a:prstGeom>
+          <a:noFill/>
+        </p:spPr>
+        <p:txBody>
+          <a:bodyPr wrap="none" rtlCol="0">
+            <a:spAutoFit/>
+          </a:bodyPr>
+          <a:lstStyle/>
+          <a:p>
+            <a:r>
+              <a:rPr lang="en-US" dirty="0"/>
+              <a:t>Name=King Sniff Gun </a:t>
+            </a:r>
+            <a:r>
+              <a:rPr lang="en-US" dirty="0" err="1"/>
+              <a:t>Rt</a:t>
+            </a:r>
+            <a:endParaRPr lang="en-US" dirty="0"/>
+          </a:p>
+        </p:txBody>
+      </p:sp>
+      <p:sp>
+        <p:nvSpPr>
+          <p:cNvPr id="13" name="Oval 12">
+            <a:extLst>
+              <a:ext uri="{FF2B5EF4-FFF2-40B4-BE49-F238E27FC236}">
+                <a16:creationId xmlns:a16="http://schemas.microsoft.com/office/drawing/2014/main" id="{AE4A4AEA-DF68-49EC-AF15-FAAFC1CF9583}"/>
+              </a:ext>
+            </a:extLst>
+          </p:cNvPr>
+          <p:cNvSpPr>
+            <a:spLocks noChangeAspect="1"/>
+          </p:cNvSpPr>
+          <p:nvPr/>
+        </p:nvSpPr>
+        <p:spPr>
+          <a:xfrm>
+            <a:off x="4497589" y="6414440"/>
+            <a:ext cx="265265" cy="220540"/>
+          </a:xfrm>
+          <a:prstGeom prst="ellipse">
+            <a:avLst/>
+          </a:prstGeom>
+        </p:spPr>
+        <p:style>
+          <a:lnRef idx="2">
+            <a:schemeClr val="dk1"/>
+          </a:lnRef>
+          <a:fillRef idx="1">
+            <a:schemeClr val="lt1"/>
+          </a:fillRef>
+          <a:effectRef idx="0">
+            <a:schemeClr val="dk1"/>
+          </a:effectRef>
+          <a:fontRef idx="minor">
+            <a:schemeClr val="dk1"/>
+          </a:fontRef>
+        </p:style>
+        <p:txBody>
+          <a:bodyPr rtlCol="0" anchor="ctr"/>
+          <a:lstStyle/>
+          <a:p>
+            <a:pPr algn="ctr"/>
+            <a:r>
+              <a:rPr lang="en-US" dirty="0"/>
+              <a:t>A</a:t>
+            </a:r>
+          </a:p>
+        </p:txBody>
+      </p:sp>
+      <p:sp>
+        <p:nvSpPr>
+          <p:cNvPr id="11" name="TextBox 10">
+            <a:extLst>
+              <a:ext uri="{FF2B5EF4-FFF2-40B4-BE49-F238E27FC236}">
+                <a16:creationId xmlns:a16="http://schemas.microsoft.com/office/drawing/2014/main" id="{F2055CB2-423E-44BB-B7F7-7B5AF8BCB657}"/>
+              </a:ext>
+            </a:extLst>
+          </p:cNvPr>
+          <p:cNvSpPr txBox="1"/>
+          <p:nvPr/>
+        </p:nvSpPr>
+        <p:spPr>
+          <a:xfrm>
+            <a:off x="372862" y="680050"/>
+            <a:ext cx="2627514" cy="369332"/>
+          </a:xfrm>
+          <a:prstGeom prst="rect">
+            <a:avLst/>
+          </a:prstGeom>
+          <a:noFill/>
+        </p:spPr>
+        <p:txBody>
+          <a:bodyPr wrap="none" rtlCol="0">
+            <a:spAutoFit/>
+          </a:bodyPr>
+          <a:lstStyle/>
+          <a:p>
+            <a:r>
+              <a:rPr lang="en-US" dirty="0"/>
+              <a:t>Name=Queen Sniff Gun Lt</a:t>
+            </a:r>
+          </a:p>
+        </p:txBody>
+      </p:sp>
+    </p:spTree>
+    <p:extLst>
+      <p:ext uri="{BB962C8B-B14F-4D97-AF65-F5344CB8AC3E}">
+        <p14:creationId xmlns:p14="http://schemas.microsoft.com/office/powerpoint/2010/main" val="2534419721"/>
+      </p:ext>
+    </p:extLst>
+  </p:cSld>
+  <p:clrMapOvr>
+    <a:masterClrMapping/>
+  </p:clrMapOvr>
+</p:sld>
+</file>
+
+<file path=ppt/slides/slide16.xml><?xml version="1.0" encoding="utf-8"?>
+<p:sld xmlns:a="http://schemas.openxmlformats.org/drawingml/2006/main" xmlns:r="http://schemas.openxmlformats.org/officeDocument/2006/relationships" xmlns:p="http://schemas.openxmlformats.org/presentationml/2006/main">
+  <p:cSld>
+    <p:spTree>
+      <p:nvGrpSpPr>
+        <p:cNvPr id="1" name=""/>
+        <p:cNvGrpSpPr/>
+        <p:nvPr/>
+      </p:nvGrpSpPr>
+      <p:grpSpPr>
+        <a:xfrm>
+          <a:off x="0" y="0"/>
+          <a:ext cx="0" cy="0"/>
+          <a:chOff x="0" y="0"/>
+          <a:chExt cx="0" cy="0"/>
+        </a:xfrm>
+      </p:grpSpPr>
+      <p:sp>
+        <p:nvSpPr>
+          <p:cNvPr id="24" name="Oval 23">
+            <a:extLst>
+              <a:ext uri="{FF2B5EF4-FFF2-40B4-BE49-F238E27FC236}">
+                <a16:creationId xmlns:a16="http://schemas.microsoft.com/office/drawing/2014/main" id="{B889BA8C-0E26-4F3F-8CF7-B18F6ADC2A52}"/>
+              </a:ext>
+            </a:extLst>
+          </p:cNvPr>
+          <p:cNvSpPr>
+            <a:spLocks noChangeAspect="1"/>
+          </p:cNvSpPr>
+          <p:nvPr/>
+        </p:nvSpPr>
+        <p:spPr>
+          <a:xfrm>
+            <a:off x="4464179" y="5720366"/>
+            <a:ext cx="265265" cy="220540"/>
+          </a:xfrm>
+          <a:prstGeom prst="ellipse">
+            <a:avLst/>
+          </a:prstGeom>
+        </p:spPr>
+        <p:style>
+          <a:lnRef idx="2">
+            <a:schemeClr val="dk1"/>
+          </a:lnRef>
+          <a:fillRef idx="1">
+            <a:schemeClr val="lt1"/>
+          </a:fillRef>
+          <a:effectRef idx="0">
+            <a:schemeClr val="dk1"/>
+          </a:effectRef>
+          <a:fontRef idx="minor">
+            <a:schemeClr val="dk1"/>
+          </a:fontRef>
+        </p:style>
+        <p:txBody>
+          <a:bodyPr rtlCol="0" anchor="ctr"/>
+          <a:lstStyle/>
+          <a:p>
+            <a:pPr algn="ctr"/>
+            <a:r>
+              <a:rPr lang="en-US" dirty="0"/>
+              <a:t>Q</a:t>
+            </a:r>
+          </a:p>
+        </p:txBody>
+      </p:sp>
+      <p:sp>
+        <p:nvSpPr>
+          <p:cNvPr id="25" name="Oval 24">
+            <a:extLst>
+              <a:ext uri="{FF2B5EF4-FFF2-40B4-BE49-F238E27FC236}">
+                <a16:creationId xmlns:a16="http://schemas.microsoft.com/office/drawing/2014/main" id="{723C6B51-625E-462A-BBB1-3FC3B29BB96E}"/>
+              </a:ext>
+            </a:extLst>
+          </p:cNvPr>
+          <p:cNvSpPr>
+            <a:spLocks noChangeAspect="1"/>
+          </p:cNvSpPr>
+          <p:nvPr/>
+        </p:nvSpPr>
+        <p:spPr>
+          <a:xfrm>
+            <a:off x="3935632" y="6058525"/>
+            <a:ext cx="265265" cy="220540"/>
+          </a:xfrm>
+          <a:prstGeom prst="ellipse">
+            <a:avLst/>
+          </a:prstGeom>
+        </p:spPr>
+        <p:style>
+          <a:lnRef idx="2">
+            <a:schemeClr val="dk1"/>
+          </a:lnRef>
+          <a:fillRef idx="1">
+            <a:schemeClr val="lt1"/>
+          </a:fillRef>
+          <a:effectRef idx="0">
+            <a:schemeClr val="dk1"/>
+          </a:effectRef>
+          <a:fontRef idx="minor">
+            <a:schemeClr val="dk1"/>
+          </a:fontRef>
+        </p:style>
+        <p:txBody>
+          <a:bodyPr rtlCol="0" anchor="ctr"/>
+          <a:lstStyle/>
+          <a:p>
+            <a:pPr algn="ctr"/>
+            <a:r>
+              <a:rPr lang="en-US" dirty="0"/>
+              <a:t>B</a:t>
+            </a:r>
+          </a:p>
+        </p:txBody>
+      </p:sp>
+      <p:sp>
+        <p:nvSpPr>
+          <p:cNvPr id="26" name="Rectangle 25">
+            <a:extLst>
+              <a:ext uri="{FF2B5EF4-FFF2-40B4-BE49-F238E27FC236}">
+                <a16:creationId xmlns:a16="http://schemas.microsoft.com/office/drawing/2014/main" id="{DF9AD3B9-5DF6-4174-A386-DA0894B2250B}"/>
+              </a:ext>
+            </a:extLst>
+          </p:cNvPr>
+          <p:cNvSpPr>
+            <a:spLocks noChangeAspect="1"/>
+          </p:cNvSpPr>
+          <p:nvPr/>
+        </p:nvSpPr>
+        <p:spPr>
+          <a:xfrm>
+            <a:off x="4464179" y="5467068"/>
+            <a:ext cx="265263" cy="198948"/>
+          </a:xfrm>
+          <a:prstGeom prst="rect">
+            <a:avLst/>
+          </a:prstGeom>
+        </p:spPr>
+        <p:style>
+          <a:lnRef idx="2">
+            <a:schemeClr val="accent1">
+              <a:shade val="50000"/>
+            </a:schemeClr>
+          </a:lnRef>
+          <a:fillRef idx="1">
+            <a:schemeClr val="accent1"/>
+          </a:fillRef>
+          <a:effectRef idx="0">
+            <a:schemeClr val="accent1"/>
+          </a:effectRef>
+          <a:fontRef idx="minor">
+            <a:schemeClr val="lt1"/>
+          </a:fontRef>
+        </p:style>
+        <p:txBody>
+          <a:bodyPr rtlCol="0" anchor="ctr"/>
+          <a:lstStyle/>
+          <a:p>
+            <a:pPr algn="ctr"/>
+            <a:r>
+              <a:rPr lang="en-US" dirty="0"/>
+              <a:t>C</a:t>
+            </a:r>
+          </a:p>
+        </p:txBody>
+      </p:sp>
+      <p:sp>
+        <p:nvSpPr>
+          <p:cNvPr id="27" name="Oval 26">
+            <a:extLst>
+              <a:ext uri="{FF2B5EF4-FFF2-40B4-BE49-F238E27FC236}">
+                <a16:creationId xmlns:a16="http://schemas.microsoft.com/office/drawing/2014/main" id="{88D7B244-75E9-48D5-BEEA-736916B5A913}"/>
+              </a:ext>
+            </a:extLst>
+          </p:cNvPr>
+          <p:cNvSpPr>
+            <a:spLocks noChangeAspect="1"/>
+          </p:cNvSpPr>
+          <p:nvPr/>
+        </p:nvSpPr>
+        <p:spPr>
+          <a:xfrm>
+            <a:off x="4129594" y="5467068"/>
+            <a:ext cx="265265" cy="220540"/>
+          </a:xfrm>
+          <a:prstGeom prst="ellipse">
+            <a:avLst/>
+          </a:prstGeom>
+        </p:spPr>
+        <p:style>
+          <a:lnRef idx="2">
+            <a:schemeClr val="accent1">
+              <a:shade val="50000"/>
+            </a:schemeClr>
+          </a:lnRef>
+          <a:fillRef idx="1">
+            <a:schemeClr val="accent1"/>
+          </a:fillRef>
+          <a:effectRef idx="0">
+            <a:schemeClr val="accent1"/>
+          </a:effectRef>
+          <a:fontRef idx="minor">
+            <a:schemeClr val="lt1"/>
+          </a:fontRef>
+        </p:style>
+        <p:txBody>
+          <a:bodyPr rtlCol="0" anchor="ctr"/>
+          <a:lstStyle/>
+          <a:p>
+            <a:pPr algn="ctr"/>
+            <a:r>
+              <a:rPr lang="en-US" dirty="0"/>
+              <a:t>G</a:t>
+            </a:r>
+          </a:p>
+        </p:txBody>
+      </p:sp>
+      <p:sp>
+        <p:nvSpPr>
+          <p:cNvPr id="28" name="Oval 27">
+            <a:extLst>
+              <a:ext uri="{FF2B5EF4-FFF2-40B4-BE49-F238E27FC236}">
+                <a16:creationId xmlns:a16="http://schemas.microsoft.com/office/drawing/2014/main" id="{B81E3ECA-DF12-4BE1-946F-20ACAD68B47C}"/>
+              </a:ext>
+            </a:extLst>
+          </p:cNvPr>
+          <p:cNvSpPr>
+            <a:spLocks noChangeAspect="1"/>
+          </p:cNvSpPr>
+          <p:nvPr/>
+        </p:nvSpPr>
+        <p:spPr>
+          <a:xfrm>
+            <a:off x="4810890" y="5467068"/>
+            <a:ext cx="265265" cy="220540"/>
+          </a:xfrm>
+          <a:prstGeom prst="ellipse">
+            <a:avLst/>
+          </a:prstGeom>
+        </p:spPr>
+        <p:style>
+          <a:lnRef idx="2">
+            <a:schemeClr val="accent1">
+              <a:shade val="50000"/>
+            </a:schemeClr>
+          </a:lnRef>
+          <a:fillRef idx="1">
+            <a:schemeClr val="accent1"/>
+          </a:fillRef>
+          <a:effectRef idx="0">
+            <a:schemeClr val="accent1"/>
+          </a:effectRef>
+          <a:fontRef idx="minor">
+            <a:schemeClr val="lt1"/>
+          </a:fontRef>
+        </p:style>
+        <p:txBody>
+          <a:bodyPr rtlCol="0" anchor="ctr"/>
+          <a:lstStyle/>
+          <a:p>
+            <a:pPr algn="ctr"/>
+            <a:r>
+              <a:rPr lang="en-US" dirty="0"/>
+              <a:t>G</a:t>
+            </a:r>
+          </a:p>
+        </p:txBody>
+      </p:sp>
+      <p:sp>
+        <p:nvSpPr>
+          <p:cNvPr id="29" name="Oval 28">
+            <a:extLst>
+              <a:ext uri="{FF2B5EF4-FFF2-40B4-BE49-F238E27FC236}">
+                <a16:creationId xmlns:a16="http://schemas.microsoft.com/office/drawing/2014/main" id="{FE23A0A3-AA64-43A5-9BE2-7F9905963D44}"/>
+              </a:ext>
+            </a:extLst>
+          </p:cNvPr>
+          <p:cNvSpPr>
+            <a:spLocks noChangeAspect="1"/>
+          </p:cNvSpPr>
+          <p:nvPr/>
+        </p:nvSpPr>
+        <p:spPr>
+          <a:xfrm>
+            <a:off x="5178935" y="5467068"/>
+            <a:ext cx="265265" cy="220540"/>
+          </a:xfrm>
+          <a:prstGeom prst="ellipse">
+            <a:avLst/>
+          </a:prstGeom>
+        </p:spPr>
+        <p:style>
+          <a:lnRef idx="2">
+            <a:schemeClr val="accent1">
+              <a:shade val="50000"/>
+            </a:schemeClr>
+          </a:lnRef>
+          <a:fillRef idx="1">
+            <a:schemeClr val="accent1"/>
+          </a:fillRef>
+          <a:effectRef idx="0">
+            <a:schemeClr val="accent1"/>
+          </a:effectRef>
+          <a:fontRef idx="minor">
+            <a:schemeClr val="lt1"/>
+          </a:fontRef>
+        </p:style>
+        <p:txBody>
+          <a:bodyPr rtlCol="0" anchor="ctr"/>
+          <a:lstStyle/>
+          <a:p>
+            <a:pPr algn="ctr"/>
+            <a:r>
+              <a:rPr lang="en-US" dirty="0"/>
+              <a:t>T</a:t>
+            </a:r>
+          </a:p>
+        </p:txBody>
+      </p:sp>
+      <p:sp>
+        <p:nvSpPr>
+          <p:cNvPr id="30" name="Oval 29">
+            <a:extLst>
+              <a:ext uri="{FF2B5EF4-FFF2-40B4-BE49-F238E27FC236}">
+                <a16:creationId xmlns:a16="http://schemas.microsoft.com/office/drawing/2014/main" id="{EA69FC7C-A9CA-4873-90B6-D4F2309446D2}"/>
+              </a:ext>
+            </a:extLst>
+          </p:cNvPr>
+          <p:cNvSpPr>
+            <a:spLocks noChangeAspect="1"/>
+          </p:cNvSpPr>
+          <p:nvPr/>
+        </p:nvSpPr>
+        <p:spPr>
+          <a:xfrm>
+            <a:off x="3761549" y="5467068"/>
+            <a:ext cx="265265" cy="220540"/>
+          </a:xfrm>
+          <a:prstGeom prst="ellipse">
+            <a:avLst/>
+          </a:prstGeom>
+        </p:spPr>
+        <p:style>
+          <a:lnRef idx="2">
+            <a:schemeClr val="accent1">
+              <a:shade val="50000"/>
+            </a:schemeClr>
+          </a:lnRef>
+          <a:fillRef idx="1">
+            <a:schemeClr val="accent1"/>
+          </a:fillRef>
+          <a:effectRef idx="0">
+            <a:schemeClr val="accent1"/>
+          </a:effectRef>
+          <a:fontRef idx="minor">
+            <a:schemeClr val="lt1"/>
+          </a:fontRef>
+        </p:style>
+        <p:txBody>
+          <a:bodyPr rtlCol="0" anchor="ctr"/>
+          <a:lstStyle/>
+          <a:p>
+            <a:pPr algn="ctr"/>
+            <a:r>
+              <a:rPr lang="en-US" dirty="0"/>
+              <a:t>T</a:t>
+            </a:r>
+          </a:p>
+        </p:txBody>
+      </p:sp>
+      <p:sp>
+        <p:nvSpPr>
+          <p:cNvPr id="2" name="TextBox 1">
+            <a:extLst>
+              <a:ext uri="{FF2B5EF4-FFF2-40B4-BE49-F238E27FC236}">
+                <a16:creationId xmlns:a16="http://schemas.microsoft.com/office/drawing/2014/main" id="{2724C142-E268-4034-AD0E-41DD00608D6F}"/>
+              </a:ext>
+            </a:extLst>
+          </p:cNvPr>
+          <p:cNvSpPr txBox="1"/>
+          <p:nvPr/>
+        </p:nvSpPr>
+        <p:spPr>
+          <a:xfrm>
+            <a:off x="372862" y="310718"/>
+            <a:ext cx="1486817" cy="369332"/>
+          </a:xfrm>
+          <a:prstGeom prst="rect">
+            <a:avLst/>
+          </a:prstGeom>
+          <a:noFill/>
+        </p:spPr>
+        <p:txBody>
+          <a:bodyPr wrap="none" rtlCol="0">
+            <a:spAutoFit/>
+          </a:bodyPr>
+          <a:lstStyle/>
+          <a:p>
+            <a:r>
+              <a:rPr lang="en-US" dirty="0"/>
+              <a:t>Name=King Lt</a:t>
+            </a:r>
+          </a:p>
+        </p:txBody>
+      </p:sp>
+      <p:sp>
+        <p:nvSpPr>
+          <p:cNvPr id="13" name="Oval 12">
+            <a:extLst>
+              <a:ext uri="{FF2B5EF4-FFF2-40B4-BE49-F238E27FC236}">
+                <a16:creationId xmlns:a16="http://schemas.microsoft.com/office/drawing/2014/main" id="{AE4A4AEA-DF68-49EC-AF15-FAAFC1CF9583}"/>
+              </a:ext>
+            </a:extLst>
+          </p:cNvPr>
+          <p:cNvSpPr>
+            <a:spLocks noChangeAspect="1"/>
+          </p:cNvSpPr>
+          <p:nvPr/>
+        </p:nvSpPr>
+        <p:spPr>
+          <a:xfrm>
+            <a:off x="4497589" y="6414440"/>
+            <a:ext cx="265265" cy="220540"/>
+          </a:xfrm>
+          <a:prstGeom prst="ellipse">
+            <a:avLst/>
+          </a:prstGeom>
+        </p:spPr>
+        <p:style>
+          <a:lnRef idx="2">
+            <a:schemeClr val="dk1"/>
+          </a:lnRef>
+          <a:fillRef idx="1">
+            <a:schemeClr val="lt1"/>
+          </a:fillRef>
+          <a:effectRef idx="0">
+            <a:schemeClr val="dk1"/>
+          </a:effectRef>
+          <a:fontRef idx="minor">
+            <a:schemeClr val="dk1"/>
+          </a:fontRef>
+        </p:style>
+        <p:txBody>
+          <a:bodyPr rtlCol="0" anchor="ctr"/>
+          <a:lstStyle/>
+          <a:p>
+            <a:pPr algn="ctr"/>
+            <a:r>
+              <a:rPr lang="en-US" dirty="0"/>
+              <a:t>A</a:t>
+            </a:r>
+          </a:p>
+        </p:txBody>
+      </p:sp>
+      <p:sp>
+        <p:nvSpPr>
+          <p:cNvPr id="11" name="TextBox 10">
+            <a:extLst>
+              <a:ext uri="{FF2B5EF4-FFF2-40B4-BE49-F238E27FC236}">
+                <a16:creationId xmlns:a16="http://schemas.microsoft.com/office/drawing/2014/main" id="{DB2E82C8-A751-4DFC-AE91-DAC654967329}"/>
+              </a:ext>
+            </a:extLst>
+          </p:cNvPr>
+          <p:cNvSpPr txBox="1"/>
+          <p:nvPr/>
+        </p:nvSpPr>
+        <p:spPr>
+          <a:xfrm>
+            <a:off x="372862" y="809347"/>
+            <a:ext cx="1744388" cy="369332"/>
+          </a:xfrm>
+          <a:prstGeom prst="rect">
+            <a:avLst/>
+          </a:prstGeom>
+          <a:noFill/>
+        </p:spPr>
+        <p:txBody>
+          <a:bodyPr wrap="none" rtlCol="0">
+            <a:spAutoFit/>
+          </a:bodyPr>
+          <a:lstStyle/>
+          <a:p>
+            <a:r>
+              <a:rPr lang="en-US" dirty="0"/>
+              <a:t>Name=Queen </a:t>
+            </a:r>
+            <a:r>
+              <a:rPr lang="en-US" dirty="0" err="1"/>
+              <a:t>Rt</a:t>
+            </a:r>
+            <a:endParaRPr lang="en-US" dirty="0"/>
+          </a:p>
+        </p:txBody>
+      </p:sp>
+    </p:spTree>
+    <p:extLst>
+      <p:ext uri="{BB962C8B-B14F-4D97-AF65-F5344CB8AC3E}">
+        <p14:creationId xmlns:p14="http://schemas.microsoft.com/office/powerpoint/2010/main" val="3587507207"/>
+      </p:ext>
+    </p:extLst>
+  </p:cSld>
+  <p:clrMapOvr>
+    <a:masterClrMapping/>
+  </p:clrMapOvr>
+</p:sld>
+</file>
+
+<file path=ppt/slides/slide17.xml><?xml version="1.0" encoding="utf-8"?>
+<p:sld xmlns:a="http://schemas.openxmlformats.org/drawingml/2006/main" xmlns:r="http://schemas.openxmlformats.org/officeDocument/2006/relationships" xmlns:p="http://schemas.openxmlformats.org/presentationml/2006/main">
+  <p:cSld>
+    <p:spTree>
+      <p:nvGrpSpPr>
+        <p:cNvPr id="1" name=""/>
+        <p:cNvGrpSpPr/>
+        <p:nvPr/>
+      </p:nvGrpSpPr>
+      <p:grpSpPr>
+        <a:xfrm>
+          <a:off x="0" y="0"/>
+          <a:ext cx="0" cy="0"/>
+          <a:chOff x="0" y="0"/>
+          <a:chExt cx="0" cy="0"/>
+        </a:xfrm>
+      </p:grpSpPr>
+      <p:sp>
+        <p:nvSpPr>
+          <p:cNvPr id="24" name="Oval 23">
+            <a:extLst>
+              <a:ext uri="{FF2B5EF4-FFF2-40B4-BE49-F238E27FC236}">
+                <a16:creationId xmlns:a16="http://schemas.microsoft.com/office/drawing/2014/main" id="{B889BA8C-0E26-4F3F-8CF7-B18F6ADC2A52}"/>
+              </a:ext>
+            </a:extLst>
+          </p:cNvPr>
+          <p:cNvSpPr>
+            <a:spLocks noChangeAspect="1"/>
+          </p:cNvSpPr>
+          <p:nvPr/>
+        </p:nvSpPr>
+        <p:spPr>
+          <a:xfrm>
+            <a:off x="4464177" y="6058525"/>
+            <a:ext cx="265265" cy="220540"/>
+          </a:xfrm>
+          <a:prstGeom prst="ellipse">
+            <a:avLst/>
+          </a:prstGeom>
+        </p:spPr>
+        <p:style>
+          <a:lnRef idx="2">
+            <a:schemeClr val="dk1"/>
+          </a:lnRef>
+          <a:fillRef idx="1">
+            <a:schemeClr val="lt1"/>
+          </a:fillRef>
+          <a:effectRef idx="0">
+            <a:schemeClr val="dk1"/>
+          </a:effectRef>
+          <a:fontRef idx="minor">
+            <a:schemeClr val="dk1"/>
+          </a:fontRef>
+        </p:style>
+        <p:txBody>
+          <a:bodyPr rtlCol="0" anchor="ctr"/>
+          <a:lstStyle/>
+          <a:p>
+            <a:pPr algn="ctr"/>
+            <a:r>
+              <a:rPr lang="en-US" dirty="0"/>
+              <a:t>Q</a:t>
+            </a:r>
+          </a:p>
+        </p:txBody>
+      </p:sp>
+      <p:sp>
+        <p:nvSpPr>
+          <p:cNvPr id="25" name="Oval 24">
+            <a:extLst>
+              <a:ext uri="{FF2B5EF4-FFF2-40B4-BE49-F238E27FC236}">
+                <a16:creationId xmlns:a16="http://schemas.microsoft.com/office/drawing/2014/main" id="{723C6B51-625E-462A-BBB1-3FC3B29BB96E}"/>
+              </a:ext>
+            </a:extLst>
+          </p:cNvPr>
+          <p:cNvSpPr>
+            <a:spLocks noChangeAspect="1"/>
+          </p:cNvSpPr>
+          <p:nvPr/>
+        </p:nvSpPr>
+        <p:spPr>
+          <a:xfrm>
+            <a:off x="3935632" y="6058525"/>
+            <a:ext cx="265265" cy="220540"/>
+          </a:xfrm>
+          <a:prstGeom prst="ellipse">
+            <a:avLst/>
+          </a:prstGeom>
+        </p:spPr>
+        <p:style>
+          <a:lnRef idx="2">
+            <a:schemeClr val="dk1"/>
+          </a:lnRef>
+          <a:fillRef idx="1">
+            <a:schemeClr val="lt1"/>
+          </a:fillRef>
+          <a:effectRef idx="0">
+            <a:schemeClr val="dk1"/>
+          </a:effectRef>
+          <a:fontRef idx="minor">
+            <a:schemeClr val="dk1"/>
+          </a:fontRef>
+        </p:style>
+        <p:txBody>
+          <a:bodyPr rtlCol="0" anchor="ctr"/>
+          <a:lstStyle/>
+          <a:p>
+            <a:pPr algn="ctr"/>
+            <a:r>
+              <a:rPr lang="en-US" dirty="0"/>
+              <a:t>B</a:t>
+            </a:r>
+          </a:p>
+        </p:txBody>
+      </p:sp>
+      <p:sp>
+        <p:nvSpPr>
+          <p:cNvPr id="26" name="Rectangle 25">
+            <a:extLst>
+              <a:ext uri="{FF2B5EF4-FFF2-40B4-BE49-F238E27FC236}">
+                <a16:creationId xmlns:a16="http://schemas.microsoft.com/office/drawing/2014/main" id="{DF9AD3B9-5DF6-4174-A386-DA0894B2250B}"/>
+              </a:ext>
+            </a:extLst>
+          </p:cNvPr>
+          <p:cNvSpPr>
+            <a:spLocks noChangeAspect="1"/>
+          </p:cNvSpPr>
+          <p:nvPr/>
+        </p:nvSpPr>
+        <p:spPr>
+          <a:xfrm>
+            <a:off x="4464179" y="5467068"/>
+            <a:ext cx="265263" cy="198948"/>
+          </a:xfrm>
+          <a:prstGeom prst="rect">
+            <a:avLst/>
+          </a:prstGeom>
+        </p:spPr>
+        <p:style>
+          <a:lnRef idx="2">
+            <a:schemeClr val="accent1">
+              <a:shade val="50000"/>
+            </a:schemeClr>
+          </a:lnRef>
+          <a:fillRef idx="1">
+            <a:schemeClr val="accent1"/>
+          </a:fillRef>
+          <a:effectRef idx="0">
+            <a:schemeClr val="accent1"/>
+          </a:effectRef>
+          <a:fontRef idx="minor">
+            <a:schemeClr val="lt1"/>
+          </a:fontRef>
+        </p:style>
+        <p:txBody>
+          <a:bodyPr rtlCol="0" anchor="ctr"/>
+          <a:lstStyle/>
+          <a:p>
+            <a:pPr algn="ctr"/>
+            <a:r>
+              <a:rPr lang="en-US" dirty="0"/>
+              <a:t>C</a:t>
+            </a:r>
+          </a:p>
+        </p:txBody>
+      </p:sp>
+      <p:sp>
+        <p:nvSpPr>
+          <p:cNvPr id="27" name="Oval 26">
+            <a:extLst>
+              <a:ext uri="{FF2B5EF4-FFF2-40B4-BE49-F238E27FC236}">
+                <a16:creationId xmlns:a16="http://schemas.microsoft.com/office/drawing/2014/main" id="{88D7B244-75E9-48D5-BEEA-736916B5A913}"/>
+              </a:ext>
+            </a:extLst>
+          </p:cNvPr>
+          <p:cNvSpPr>
+            <a:spLocks noChangeAspect="1"/>
+          </p:cNvSpPr>
+          <p:nvPr/>
+        </p:nvSpPr>
+        <p:spPr>
+          <a:xfrm>
+            <a:off x="4129594" y="5467068"/>
+            <a:ext cx="265265" cy="220540"/>
+          </a:xfrm>
+          <a:prstGeom prst="ellipse">
+            <a:avLst/>
+          </a:prstGeom>
+        </p:spPr>
+        <p:style>
+          <a:lnRef idx="2">
+            <a:schemeClr val="accent1">
+              <a:shade val="50000"/>
+            </a:schemeClr>
+          </a:lnRef>
+          <a:fillRef idx="1">
+            <a:schemeClr val="accent1"/>
+          </a:fillRef>
+          <a:effectRef idx="0">
+            <a:schemeClr val="accent1"/>
+          </a:effectRef>
+          <a:fontRef idx="minor">
+            <a:schemeClr val="lt1"/>
+          </a:fontRef>
+        </p:style>
+        <p:txBody>
+          <a:bodyPr rtlCol="0" anchor="ctr"/>
+          <a:lstStyle/>
+          <a:p>
+            <a:pPr algn="ctr"/>
+            <a:r>
+              <a:rPr lang="en-US" dirty="0"/>
+              <a:t>G</a:t>
+            </a:r>
+          </a:p>
+        </p:txBody>
+      </p:sp>
+      <p:sp>
+        <p:nvSpPr>
+          <p:cNvPr id="28" name="Oval 27">
+            <a:extLst>
+              <a:ext uri="{FF2B5EF4-FFF2-40B4-BE49-F238E27FC236}">
+                <a16:creationId xmlns:a16="http://schemas.microsoft.com/office/drawing/2014/main" id="{B81E3ECA-DF12-4BE1-946F-20ACAD68B47C}"/>
+              </a:ext>
+            </a:extLst>
+          </p:cNvPr>
+          <p:cNvSpPr>
+            <a:spLocks noChangeAspect="1"/>
+          </p:cNvSpPr>
+          <p:nvPr/>
+        </p:nvSpPr>
+        <p:spPr>
+          <a:xfrm>
+            <a:off x="4810890" y="5467068"/>
+            <a:ext cx="265265" cy="220540"/>
+          </a:xfrm>
+          <a:prstGeom prst="ellipse">
+            <a:avLst/>
+          </a:prstGeom>
+        </p:spPr>
+        <p:style>
+          <a:lnRef idx="2">
+            <a:schemeClr val="accent1">
+              <a:shade val="50000"/>
+            </a:schemeClr>
+          </a:lnRef>
+          <a:fillRef idx="1">
+            <a:schemeClr val="accent1"/>
+          </a:fillRef>
+          <a:effectRef idx="0">
+            <a:schemeClr val="accent1"/>
+          </a:effectRef>
+          <a:fontRef idx="minor">
+            <a:schemeClr val="lt1"/>
+          </a:fontRef>
+        </p:style>
+        <p:txBody>
+          <a:bodyPr rtlCol="0" anchor="ctr"/>
+          <a:lstStyle/>
+          <a:p>
+            <a:pPr algn="ctr"/>
+            <a:r>
+              <a:rPr lang="en-US" dirty="0"/>
+              <a:t>G</a:t>
+            </a:r>
+          </a:p>
+        </p:txBody>
+      </p:sp>
+      <p:sp>
+        <p:nvSpPr>
+          <p:cNvPr id="29" name="Oval 28">
+            <a:extLst>
+              <a:ext uri="{FF2B5EF4-FFF2-40B4-BE49-F238E27FC236}">
+                <a16:creationId xmlns:a16="http://schemas.microsoft.com/office/drawing/2014/main" id="{FE23A0A3-AA64-43A5-9BE2-7F9905963D44}"/>
+              </a:ext>
+            </a:extLst>
+          </p:cNvPr>
+          <p:cNvSpPr>
+            <a:spLocks noChangeAspect="1"/>
+          </p:cNvSpPr>
+          <p:nvPr/>
+        </p:nvSpPr>
+        <p:spPr>
+          <a:xfrm>
+            <a:off x="5178935" y="5467068"/>
+            <a:ext cx="265265" cy="220540"/>
+          </a:xfrm>
+          <a:prstGeom prst="ellipse">
+            <a:avLst/>
+          </a:prstGeom>
+        </p:spPr>
+        <p:style>
+          <a:lnRef idx="2">
+            <a:schemeClr val="accent1">
+              <a:shade val="50000"/>
+            </a:schemeClr>
+          </a:lnRef>
+          <a:fillRef idx="1">
+            <a:schemeClr val="accent1"/>
+          </a:fillRef>
+          <a:effectRef idx="0">
+            <a:schemeClr val="accent1"/>
+          </a:effectRef>
+          <a:fontRef idx="minor">
+            <a:schemeClr val="lt1"/>
+          </a:fontRef>
+        </p:style>
+        <p:txBody>
+          <a:bodyPr rtlCol="0" anchor="ctr"/>
+          <a:lstStyle/>
+          <a:p>
+            <a:pPr algn="ctr"/>
+            <a:r>
+              <a:rPr lang="en-US" dirty="0"/>
+              <a:t>T</a:t>
+            </a:r>
+          </a:p>
+        </p:txBody>
+      </p:sp>
+      <p:sp>
+        <p:nvSpPr>
+          <p:cNvPr id="30" name="Oval 29">
+            <a:extLst>
+              <a:ext uri="{FF2B5EF4-FFF2-40B4-BE49-F238E27FC236}">
+                <a16:creationId xmlns:a16="http://schemas.microsoft.com/office/drawing/2014/main" id="{EA69FC7C-A9CA-4873-90B6-D4F2309446D2}"/>
+              </a:ext>
+            </a:extLst>
+          </p:cNvPr>
+          <p:cNvSpPr>
+            <a:spLocks noChangeAspect="1"/>
+          </p:cNvSpPr>
+          <p:nvPr/>
+        </p:nvSpPr>
+        <p:spPr>
+          <a:xfrm>
+            <a:off x="3761549" y="5467068"/>
+            <a:ext cx="265265" cy="220540"/>
+          </a:xfrm>
+          <a:prstGeom prst="ellipse">
+            <a:avLst/>
+          </a:prstGeom>
+        </p:spPr>
+        <p:style>
+          <a:lnRef idx="2">
+            <a:schemeClr val="accent1">
+              <a:shade val="50000"/>
+            </a:schemeClr>
+          </a:lnRef>
+          <a:fillRef idx="1">
+            <a:schemeClr val="accent1"/>
+          </a:fillRef>
+          <a:effectRef idx="0">
+            <a:schemeClr val="accent1"/>
+          </a:effectRef>
+          <a:fontRef idx="minor">
+            <a:schemeClr val="lt1"/>
+          </a:fontRef>
+        </p:style>
+        <p:txBody>
+          <a:bodyPr rtlCol="0" anchor="ctr"/>
+          <a:lstStyle/>
+          <a:p>
+            <a:pPr algn="ctr"/>
+            <a:r>
+              <a:rPr lang="en-US" dirty="0"/>
+              <a:t>T</a:t>
+            </a:r>
+          </a:p>
+        </p:txBody>
+      </p:sp>
+      <p:sp>
+        <p:nvSpPr>
+          <p:cNvPr id="2" name="TextBox 1">
+            <a:extLst>
+              <a:ext uri="{FF2B5EF4-FFF2-40B4-BE49-F238E27FC236}">
+                <a16:creationId xmlns:a16="http://schemas.microsoft.com/office/drawing/2014/main" id="{2724C142-E268-4034-AD0E-41DD00608D6F}"/>
+              </a:ext>
+            </a:extLst>
+          </p:cNvPr>
+          <p:cNvSpPr txBox="1"/>
+          <p:nvPr/>
+        </p:nvSpPr>
+        <p:spPr>
+          <a:xfrm>
+            <a:off x="372862" y="310718"/>
+            <a:ext cx="1929246" cy="369332"/>
+          </a:xfrm>
+          <a:prstGeom prst="rect">
+            <a:avLst/>
+          </a:prstGeom>
+          <a:noFill/>
+        </p:spPr>
+        <p:txBody>
+          <a:bodyPr wrap="none" rtlCol="0">
+            <a:spAutoFit/>
+          </a:bodyPr>
+          <a:lstStyle/>
+          <a:p>
+            <a:r>
+              <a:rPr lang="en-US" dirty="0"/>
+              <a:t>Name=King Gun Lt</a:t>
+            </a:r>
+          </a:p>
+        </p:txBody>
+      </p:sp>
+      <p:sp>
+        <p:nvSpPr>
+          <p:cNvPr id="13" name="Oval 12">
+            <a:extLst>
+              <a:ext uri="{FF2B5EF4-FFF2-40B4-BE49-F238E27FC236}">
+                <a16:creationId xmlns:a16="http://schemas.microsoft.com/office/drawing/2014/main" id="{AE4A4AEA-DF68-49EC-AF15-FAAFC1CF9583}"/>
+              </a:ext>
+            </a:extLst>
+          </p:cNvPr>
+          <p:cNvSpPr>
+            <a:spLocks noChangeAspect="1"/>
+          </p:cNvSpPr>
+          <p:nvPr/>
+        </p:nvSpPr>
+        <p:spPr>
+          <a:xfrm>
+            <a:off x="4497589" y="6414440"/>
+            <a:ext cx="265265" cy="220540"/>
+          </a:xfrm>
+          <a:prstGeom prst="ellipse">
+            <a:avLst/>
+          </a:prstGeom>
+        </p:spPr>
+        <p:style>
+          <a:lnRef idx="2">
+            <a:schemeClr val="dk1"/>
+          </a:lnRef>
+          <a:fillRef idx="1">
+            <a:schemeClr val="lt1"/>
+          </a:fillRef>
+          <a:effectRef idx="0">
+            <a:schemeClr val="dk1"/>
+          </a:effectRef>
+          <a:fontRef idx="minor">
+            <a:schemeClr val="dk1"/>
+          </a:fontRef>
+        </p:style>
+        <p:txBody>
+          <a:bodyPr rtlCol="0" anchor="ctr"/>
+          <a:lstStyle/>
+          <a:p>
+            <a:pPr algn="ctr"/>
+            <a:r>
+              <a:rPr lang="en-US" dirty="0"/>
+              <a:t>A</a:t>
+            </a:r>
+          </a:p>
+        </p:txBody>
+      </p:sp>
+      <p:sp>
+        <p:nvSpPr>
+          <p:cNvPr id="11" name="TextBox 10">
+            <a:extLst>
+              <a:ext uri="{FF2B5EF4-FFF2-40B4-BE49-F238E27FC236}">
+                <a16:creationId xmlns:a16="http://schemas.microsoft.com/office/drawing/2014/main" id="{DB2E82C8-A751-4DFC-AE91-DAC654967329}"/>
+              </a:ext>
+            </a:extLst>
+          </p:cNvPr>
+          <p:cNvSpPr txBox="1"/>
+          <p:nvPr/>
+        </p:nvSpPr>
+        <p:spPr>
+          <a:xfrm>
+            <a:off x="372862" y="809347"/>
+            <a:ext cx="2186817" cy="369332"/>
+          </a:xfrm>
+          <a:prstGeom prst="rect">
+            <a:avLst/>
+          </a:prstGeom>
+          <a:noFill/>
+        </p:spPr>
+        <p:txBody>
+          <a:bodyPr wrap="none" rtlCol="0">
+            <a:spAutoFit/>
+          </a:bodyPr>
+          <a:lstStyle/>
+          <a:p>
+            <a:r>
+              <a:rPr lang="en-US" dirty="0"/>
+              <a:t>Name=Queen Gun </a:t>
+            </a:r>
+            <a:r>
+              <a:rPr lang="en-US" dirty="0" err="1"/>
+              <a:t>Rt</a:t>
+            </a:r>
+            <a:endParaRPr lang="en-US" dirty="0"/>
+          </a:p>
+        </p:txBody>
+      </p:sp>
+    </p:spTree>
+    <p:extLst>
+      <p:ext uri="{BB962C8B-B14F-4D97-AF65-F5344CB8AC3E}">
+        <p14:creationId xmlns:p14="http://schemas.microsoft.com/office/powerpoint/2010/main" val="1560296059"/>
+      </p:ext>
+    </p:extLst>
+  </p:cSld>
+  <p:clrMapOvr>
+    <a:masterClrMapping/>
+  </p:clrMapOvr>
+</p:sld>
+</file>
+
+<file path=ppt/slides/slide18.xml><?xml version="1.0" encoding="utf-8"?>
+<p:sld xmlns:a="http://schemas.openxmlformats.org/drawingml/2006/main" xmlns:r="http://schemas.openxmlformats.org/officeDocument/2006/relationships" xmlns:p="http://schemas.openxmlformats.org/presentationml/2006/main">
+  <p:cSld>
+    <p:spTree>
+      <p:nvGrpSpPr>
+        <p:cNvPr id="1" name=""/>
+        <p:cNvGrpSpPr/>
+        <p:nvPr/>
+      </p:nvGrpSpPr>
+      <p:grpSpPr>
+        <a:xfrm>
+          <a:off x="0" y="0"/>
+          <a:ext cx="0" cy="0"/>
+          <a:chOff x="0" y="0"/>
+          <a:chExt cx="0" cy="0"/>
+        </a:xfrm>
+      </p:grpSpPr>
+      <p:sp>
+        <p:nvSpPr>
+          <p:cNvPr id="24" name="Oval 23">
+            <a:extLst>
+              <a:ext uri="{FF2B5EF4-FFF2-40B4-BE49-F238E27FC236}">
+                <a16:creationId xmlns:a16="http://schemas.microsoft.com/office/drawing/2014/main" id="{B889BA8C-0E26-4F3F-8CF7-B18F6ADC2A52}"/>
+              </a:ext>
+            </a:extLst>
+          </p:cNvPr>
+          <p:cNvSpPr>
+            <a:spLocks noChangeAspect="1"/>
+          </p:cNvSpPr>
+          <p:nvPr/>
+        </p:nvSpPr>
+        <p:spPr>
+          <a:xfrm>
+            <a:off x="4464177" y="6058525"/>
+            <a:ext cx="265265" cy="220540"/>
+          </a:xfrm>
+          <a:prstGeom prst="ellipse">
+            <a:avLst/>
+          </a:prstGeom>
+        </p:spPr>
+        <p:style>
+          <a:lnRef idx="2">
+            <a:schemeClr val="dk1"/>
+          </a:lnRef>
+          <a:fillRef idx="1">
+            <a:schemeClr val="lt1"/>
+          </a:fillRef>
+          <a:effectRef idx="0">
+            <a:schemeClr val="dk1"/>
+          </a:effectRef>
+          <a:fontRef idx="minor">
+            <a:schemeClr val="dk1"/>
+          </a:fontRef>
+        </p:style>
+        <p:txBody>
+          <a:bodyPr rtlCol="0" anchor="ctr"/>
+          <a:lstStyle/>
+          <a:p>
+            <a:pPr algn="ctr"/>
+            <a:r>
+              <a:rPr lang="en-US" dirty="0"/>
+              <a:t>Q</a:t>
+            </a:r>
+          </a:p>
+        </p:txBody>
+      </p:sp>
+      <p:sp>
+        <p:nvSpPr>
+          <p:cNvPr id="25" name="Oval 24">
+            <a:extLst>
+              <a:ext uri="{FF2B5EF4-FFF2-40B4-BE49-F238E27FC236}">
+                <a16:creationId xmlns:a16="http://schemas.microsoft.com/office/drawing/2014/main" id="{723C6B51-625E-462A-BBB1-3FC3B29BB96E}"/>
+              </a:ext>
+            </a:extLst>
+          </p:cNvPr>
+          <p:cNvSpPr>
+            <a:spLocks noChangeAspect="1"/>
+          </p:cNvSpPr>
+          <p:nvPr/>
+        </p:nvSpPr>
+        <p:spPr>
+          <a:xfrm>
+            <a:off x="3935632" y="5783316"/>
+            <a:ext cx="265265" cy="220540"/>
+          </a:xfrm>
+          <a:prstGeom prst="ellipse">
+            <a:avLst/>
+          </a:prstGeom>
+        </p:spPr>
+        <p:style>
+          <a:lnRef idx="2">
+            <a:schemeClr val="dk1"/>
+          </a:lnRef>
+          <a:fillRef idx="1">
+            <a:schemeClr val="lt1"/>
+          </a:fillRef>
+          <a:effectRef idx="0">
+            <a:schemeClr val="dk1"/>
+          </a:effectRef>
+          <a:fontRef idx="minor">
+            <a:schemeClr val="dk1"/>
+          </a:fontRef>
+        </p:style>
+        <p:txBody>
+          <a:bodyPr rtlCol="0" anchor="ctr"/>
+          <a:lstStyle/>
+          <a:p>
+            <a:pPr algn="ctr"/>
+            <a:r>
+              <a:rPr lang="en-US" dirty="0"/>
+              <a:t>B</a:t>
+            </a:r>
+          </a:p>
+        </p:txBody>
+      </p:sp>
+      <p:sp>
+        <p:nvSpPr>
+          <p:cNvPr id="26" name="Rectangle 25">
+            <a:extLst>
+              <a:ext uri="{FF2B5EF4-FFF2-40B4-BE49-F238E27FC236}">
+                <a16:creationId xmlns:a16="http://schemas.microsoft.com/office/drawing/2014/main" id="{DF9AD3B9-5DF6-4174-A386-DA0894B2250B}"/>
+              </a:ext>
+            </a:extLst>
+          </p:cNvPr>
+          <p:cNvSpPr>
+            <a:spLocks noChangeAspect="1"/>
+          </p:cNvSpPr>
+          <p:nvPr/>
+        </p:nvSpPr>
+        <p:spPr>
+          <a:xfrm>
+            <a:off x="4464179" y="5467068"/>
+            <a:ext cx="265263" cy="198948"/>
+          </a:xfrm>
+          <a:prstGeom prst="rect">
+            <a:avLst/>
+          </a:prstGeom>
+        </p:spPr>
+        <p:style>
+          <a:lnRef idx="2">
+            <a:schemeClr val="accent1">
+              <a:shade val="50000"/>
+            </a:schemeClr>
+          </a:lnRef>
+          <a:fillRef idx="1">
+            <a:schemeClr val="accent1"/>
+          </a:fillRef>
+          <a:effectRef idx="0">
+            <a:schemeClr val="accent1"/>
+          </a:effectRef>
+          <a:fontRef idx="minor">
+            <a:schemeClr val="lt1"/>
+          </a:fontRef>
+        </p:style>
+        <p:txBody>
+          <a:bodyPr rtlCol="0" anchor="ctr"/>
+          <a:lstStyle/>
+          <a:p>
+            <a:pPr algn="ctr"/>
+            <a:r>
+              <a:rPr lang="en-US" dirty="0"/>
+              <a:t>C</a:t>
+            </a:r>
+          </a:p>
+        </p:txBody>
+      </p:sp>
+      <p:sp>
+        <p:nvSpPr>
+          <p:cNvPr id="27" name="Oval 26">
+            <a:extLst>
+              <a:ext uri="{FF2B5EF4-FFF2-40B4-BE49-F238E27FC236}">
+                <a16:creationId xmlns:a16="http://schemas.microsoft.com/office/drawing/2014/main" id="{88D7B244-75E9-48D5-BEEA-736916B5A913}"/>
+              </a:ext>
+            </a:extLst>
+          </p:cNvPr>
+          <p:cNvSpPr>
+            <a:spLocks noChangeAspect="1"/>
+          </p:cNvSpPr>
+          <p:nvPr/>
+        </p:nvSpPr>
+        <p:spPr>
+          <a:xfrm>
+            <a:off x="4129594" y="5467068"/>
+            <a:ext cx="265265" cy="220540"/>
+          </a:xfrm>
+          <a:prstGeom prst="ellipse">
+            <a:avLst/>
+          </a:prstGeom>
+        </p:spPr>
+        <p:style>
+          <a:lnRef idx="2">
+            <a:schemeClr val="accent1">
+              <a:shade val="50000"/>
+            </a:schemeClr>
+          </a:lnRef>
+          <a:fillRef idx="1">
+            <a:schemeClr val="accent1"/>
+          </a:fillRef>
+          <a:effectRef idx="0">
+            <a:schemeClr val="accent1"/>
+          </a:effectRef>
+          <a:fontRef idx="minor">
+            <a:schemeClr val="lt1"/>
+          </a:fontRef>
+        </p:style>
+        <p:txBody>
+          <a:bodyPr rtlCol="0" anchor="ctr"/>
+          <a:lstStyle/>
+          <a:p>
+            <a:pPr algn="ctr"/>
+            <a:r>
+              <a:rPr lang="en-US" dirty="0"/>
+              <a:t>G</a:t>
+            </a:r>
+          </a:p>
+        </p:txBody>
+      </p:sp>
+      <p:sp>
+        <p:nvSpPr>
+          <p:cNvPr id="28" name="Oval 27">
+            <a:extLst>
+              <a:ext uri="{FF2B5EF4-FFF2-40B4-BE49-F238E27FC236}">
+                <a16:creationId xmlns:a16="http://schemas.microsoft.com/office/drawing/2014/main" id="{B81E3ECA-DF12-4BE1-946F-20ACAD68B47C}"/>
+              </a:ext>
+            </a:extLst>
+          </p:cNvPr>
+          <p:cNvSpPr>
+            <a:spLocks noChangeAspect="1"/>
+          </p:cNvSpPr>
+          <p:nvPr/>
+        </p:nvSpPr>
+        <p:spPr>
+          <a:xfrm>
+            <a:off x="4810890" y="5467068"/>
+            <a:ext cx="265265" cy="220540"/>
+          </a:xfrm>
+          <a:prstGeom prst="ellipse">
+            <a:avLst/>
+          </a:prstGeom>
+        </p:spPr>
+        <p:style>
+          <a:lnRef idx="2">
+            <a:schemeClr val="accent1">
+              <a:shade val="50000"/>
+            </a:schemeClr>
+          </a:lnRef>
+          <a:fillRef idx="1">
+            <a:schemeClr val="accent1"/>
+          </a:fillRef>
+          <a:effectRef idx="0">
+            <a:schemeClr val="accent1"/>
+          </a:effectRef>
+          <a:fontRef idx="minor">
+            <a:schemeClr val="lt1"/>
+          </a:fontRef>
+        </p:style>
+        <p:txBody>
+          <a:bodyPr rtlCol="0" anchor="ctr"/>
+          <a:lstStyle/>
+          <a:p>
+            <a:pPr algn="ctr"/>
+            <a:r>
+              <a:rPr lang="en-US" dirty="0"/>
+              <a:t>G</a:t>
+            </a:r>
+          </a:p>
+        </p:txBody>
+      </p:sp>
+      <p:sp>
+        <p:nvSpPr>
+          <p:cNvPr id="29" name="Oval 28">
+            <a:extLst>
+              <a:ext uri="{FF2B5EF4-FFF2-40B4-BE49-F238E27FC236}">
+                <a16:creationId xmlns:a16="http://schemas.microsoft.com/office/drawing/2014/main" id="{FE23A0A3-AA64-43A5-9BE2-7F9905963D44}"/>
+              </a:ext>
+            </a:extLst>
+          </p:cNvPr>
+          <p:cNvSpPr>
+            <a:spLocks noChangeAspect="1"/>
+          </p:cNvSpPr>
+          <p:nvPr/>
+        </p:nvSpPr>
+        <p:spPr>
+          <a:xfrm>
+            <a:off x="5178935" y="5467068"/>
+            <a:ext cx="265265" cy="220540"/>
+          </a:xfrm>
+          <a:prstGeom prst="ellipse">
+            <a:avLst/>
+          </a:prstGeom>
+        </p:spPr>
+        <p:style>
+          <a:lnRef idx="2">
+            <a:schemeClr val="accent1">
+              <a:shade val="50000"/>
+            </a:schemeClr>
+          </a:lnRef>
+          <a:fillRef idx="1">
+            <a:schemeClr val="accent1"/>
+          </a:fillRef>
+          <a:effectRef idx="0">
+            <a:schemeClr val="accent1"/>
+          </a:effectRef>
+          <a:fontRef idx="minor">
+            <a:schemeClr val="lt1"/>
+          </a:fontRef>
+        </p:style>
+        <p:txBody>
+          <a:bodyPr rtlCol="0" anchor="ctr"/>
+          <a:lstStyle/>
+          <a:p>
+            <a:pPr algn="ctr"/>
+            <a:r>
+              <a:rPr lang="en-US" dirty="0"/>
+              <a:t>T</a:t>
+            </a:r>
+          </a:p>
+        </p:txBody>
+      </p:sp>
+      <p:sp>
+        <p:nvSpPr>
+          <p:cNvPr id="30" name="Oval 29">
+            <a:extLst>
+              <a:ext uri="{FF2B5EF4-FFF2-40B4-BE49-F238E27FC236}">
+                <a16:creationId xmlns:a16="http://schemas.microsoft.com/office/drawing/2014/main" id="{EA69FC7C-A9CA-4873-90B6-D4F2309446D2}"/>
+              </a:ext>
+            </a:extLst>
+          </p:cNvPr>
+          <p:cNvSpPr>
+            <a:spLocks noChangeAspect="1"/>
+          </p:cNvSpPr>
+          <p:nvPr/>
+        </p:nvSpPr>
+        <p:spPr>
+          <a:xfrm>
+            <a:off x="3761549" y="5467068"/>
+            <a:ext cx="265265" cy="220540"/>
+          </a:xfrm>
+          <a:prstGeom prst="ellipse">
+            <a:avLst/>
+          </a:prstGeom>
+        </p:spPr>
+        <p:style>
+          <a:lnRef idx="2">
+            <a:schemeClr val="accent1">
+              <a:shade val="50000"/>
+            </a:schemeClr>
+          </a:lnRef>
+          <a:fillRef idx="1">
+            <a:schemeClr val="accent1"/>
+          </a:fillRef>
+          <a:effectRef idx="0">
+            <a:schemeClr val="accent1"/>
+          </a:effectRef>
+          <a:fontRef idx="minor">
+            <a:schemeClr val="lt1"/>
+          </a:fontRef>
+        </p:style>
+        <p:txBody>
+          <a:bodyPr rtlCol="0" anchor="ctr"/>
+          <a:lstStyle/>
+          <a:p>
+            <a:pPr algn="ctr"/>
+            <a:r>
+              <a:rPr lang="en-US" dirty="0"/>
+              <a:t>T</a:t>
+            </a:r>
+          </a:p>
+        </p:txBody>
+      </p:sp>
+      <p:sp>
+        <p:nvSpPr>
+          <p:cNvPr id="2" name="TextBox 1">
+            <a:extLst>
+              <a:ext uri="{FF2B5EF4-FFF2-40B4-BE49-F238E27FC236}">
+                <a16:creationId xmlns:a16="http://schemas.microsoft.com/office/drawing/2014/main" id="{2724C142-E268-4034-AD0E-41DD00608D6F}"/>
+              </a:ext>
+            </a:extLst>
+          </p:cNvPr>
+          <p:cNvSpPr txBox="1"/>
+          <p:nvPr/>
+        </p:nvSpPr>
+        <p:spPr>
+          <a:xfrm>
+            <a:off x="372862" y="310718"/>
+            <a:ext cx="2401491" cy="369332"/>
+          </a:xfrm>
+          <a:prstGeom prst="rect">
+            <a:avLst/>
+          </a:prstGeom>
+          <a:noFill/>
+        </p:spPr>
+        <p:txBody>
+          <a:bodyPr wrap="none" rtlCol="0">
+            <a:spAutoFit/>
+          </a:bodyPr>
+          <a:lstStyle/>
+          <a:p>
+            <a:r>
+              <a:rPr lang="en-US" dirty="0"/>
+              <a:t>Name=King Sniff Gun Lt</a:t>
+            </a:r>
+          </a:p>
+        </p:txBody>
+      </p:sp>
+      <p:sp>
+        <p:nvSpPr>
+          <p:cNvPr id="13" name="Oval 12">
+            <a:extLst>
+              <a:ext uri="{FF2B5EF4-FFF2-40B4-BE49-F238E27FC236}">
+                <a16:creationId xmlns:a16="http://schemas.microsoft.com/office/drawing/2014/main" id="{AE4A4AEA-DF68-49EC-AF15-FAAFC1CF9583}"/>
+              </a:ext>
+            </a:extLst>
+          </p:cNvPr>
+          <p:cNvSpPr>
+            <a:spLocks noChangeAspect="1"/>
+          </p:cNvSpPr>
+          <p:nvPr/>
+        </p:nvSpPr>
+        <p:spPr>
+          <a:xfrm>
+            <a:off x="4497589" y="6414440"/>
+            <a:ext cx="265265" cy="220540"/>
+          </a:xfrm>
+          <a:prstGeom prst="ellipse">
+            <a:avLst/>
+          </a:prstGeom>
+        </p:spPr>
+        <p:style>
+          <a:lnRef idx="2">
+            <a:schemeClr val="dk1"/>
+          </a:lnRef>
+          <a:fillRef idx="1">
+            <a:schemeClr val="lt1"/>
+          </a:fillRef>
+          <a:effectRef idx="0">
+            <a:schemeClr val="dk1"/>
+          </a:effectRef>
+          <a:fontRef idx="minor">
+            <a:schemeClr val="dk1"/>
+          </a:fontRef>
+        </p:style>
+        <p:txBody>
+          <a:bodyPr rtlCol="0" anchor="ctr"/>
+          <a:lstStyle/>
+          <a:p>
+            <a:pPr algn="ctr"/>
+            <a:r>
+              <a:rPr lang="en-US" dirty="0"/>
+              <a:t>A</a:t>
+            </a:r>
+          </a:p>
+        </p:txBody>
+      </p:sp>
+      <p:sp>
+        <p:nvSpPr>
+          <p:cNvPr id="11" name="TextBox 10">
+            <a:extLst>
+              <a:ext uri="{FF2B5EF4-FFF2-40B4-BE49-F238E27FC236}">
+                <a16:creationId xmlns:a16="http://schemas.microsoft.com/office/drawing/2014/main" id="{DB2E82C8-A751-4DFC-AE91-DAC654967329}"/>
+              </a:ext>
+            </a:extLst>
+          </p:cNvPr>
+          <p:cNvSpPr txBox="1"/>
+          <p:nvPr/>
+        </p:nvSpPr>
+        <p:spPr>
+          <a:xfrm>
+            <a:off x="372862" y="809347"/>
+            <a:ext cx="2659061" cy="369332"/>
+          </a:xfrm>
+          <a:prstGeom prst="rect">
+            <a:avLst/>
+          </a:prstGeom>
+          <a:noFill/>
+        </p:spPr>
+        <p:txBody>
+          <a:bodyPr wrap="none" rtlCol="0">
+            <a:spAutoFit/>
+          </a:bodyPr>
+          <a:lstStyle/>
+          <a:p>
+            <a:r>
+              <a:rPr lang="en-US" dirty="0"/>
+              <a:t>Name=Queen Sniff Gun </a:t>
+            </a:r>
+            <a:r>
+              <a:rPr lang="en-US" dirty="0" err="1"/>
+              <a:t>Rt</a:t>
+            </a:r>
+            <a:endParaRPr lang="en-US" dirty="0"/>
+          </a:p>
+        </p:txBody>
+      </p:sp>
+    </p:spTree>
+    <p:extLst>
+      <p:ext uri="{BB962C8B-B14F-4D97-AF65-F5344CB8AC3E}">
+        <p14:creationId xmlns:p14="http://schemas.microsoft.com/office/powerpoint/2010/main" val="2476384963"/>
+      </p:ext>
+    </p:extLst>
+  </p:cSld>
+  <p:clrMapOvr>
+    <a:masterClrMapping/>
+  </p:clrMapOvr>
+</p:sld>
+</file>
+
+<file path=ppt/slides/slide19.xml><?xml version="1.0" encoding="utf-8"?>
+<p:sld xmlns:a="http://schemas.openxmlformats.org/drawingml/2006/main" xmlns:r="http://schemas.openxmlformats.org/officeDocument/2006/relationships" xmlns:p="http://schemas.openxmlformats.org/presentationml/2006/main">
+  <p:cSld>
+    <p:spTree>
+      <p:nvGrpSpPr>
+        <p:cNvPr id="1" name=""/>
+        <p:cNvGrpSpPr/>
+        <p:nvPr/>
+      </p:nvGrpSpPr>
+      <p:grpSpPr>
+        <a:xfrm>
+          <a:off x="0" y="0"/>
+          <a:ext cx="0" cy="0"/>
+          <a:chOff x="0" y="0"/>
+          <a:chExt cx="0" cy="0"/>
+        </a:xfrm>
+      </p:grpSpPr>
+      <p:sp>
+        <p:nvSpPr>
+          <p:cNvPr id="24" name="Oval 23">
+            <a:extLst>
+              <a:ext uri="{FF2B5EF4-FFF2-40B4-BE49-F238E27FC236}">
+                <a16:creationId xmlns:a16="http://schemas.microsoft.com/office/drawing/2014/main" id="{B889BA8C-0E26-4F3F-8CF7-B18F6ADC2A52}"/>
+              </a:ext>
+            </a:extLst>
+          </p:cNvPr>
+          <p:cNvSpPr>
+            <a:spLocks noChangeAspect="1"/>
+          </p:cNvSpPr>
+          <p:nvPr/>
+        </p:nvSpPr>
+        <p:spPr>
+          <a:xfrm>
+            <a:off x="4464179" y="5720366"/>
+            <a:ext cx="265265" cy="220540"/>
+          </a:xfrm>
+          <a:prstGeom prst="ellipse">
+            <a:avLst/>
+          </a:prstGeom>
+        </p:spPr>
+        <p:style>
+          <a:lnRef idx="2">
+            <a:schemeClr val="dk1"/>
+          </a:lnRef>
+          <a:fillRef idx="1">
+            <a:schemeClr val="lt1"/>
+          </a:fillRef>
+          <a:effectRef idx="0">
+            <a:schemeClr val="dk1"/>
+          </a:effectRef>
+          <a:fontRef idx="minor">
+            <a:schemeClr val="dk1"/>
+          </a:fontRef>
+        </p:style>
+        <p:txBody>
+          <a:bodyPr rtlCol="0" anchor="ctr"/>
+          <a:lstStyle/>
+          <a:p>
+            <a:pPr algn="ctr"/>
+            <a:r>
+              <a:rPr lang="en-US" dirty="0"/>
+              <a:t>Q</a:t>
+            </a:r>
+          </a:p>
+        </p:txBody>
+      </p:sp>
+      <p:sp>
+        <p:nvSpPr>
+          <p:cNvPr id="26" name="Rectangle 25">
+            <a:extLst>
+              <a:ext uri="{FF2B5EF4-FFF2-40B4-BE49-F238E27FC236}">
+                <a16:creationId xmlns:a16="http://schemas.microsoft.com/office/drawing/2014/main" id="{DF9AD3B9-5DF6-4174-A386-DA0894B2250B}"/>
+              </a:ext>
+            </a:extLst>
+          </p:cNvPr>
+          <p:cNvSpPr>
+            <a:spLocks noChangeAspect="1"/>
+          </p:cNvSpPr>
+          <p:nvPr/>
+        </p:nvSpPr>
+        <p:spPr>
+          <a:xfrm>
+            <a:off x="4464179" y="5467068"/>
+            <a:ext cx="265263" cy="198948"/>
+          </a:xfrm>
+          <a:prstGeom prst="rect">
+            <a:avLst/>
+          </a:prstGeom>
+        </p:spPr>
+        <p:style>
+          <a:lnRef idx="2">
+            <a:schemeClr val="accent1">
+              <a:shade val="50000"/>
+            </a:schemeClr>
+          </a:lnRef>
+          <a:fillRef idx="1">
+            <a:schemeClr val="accent1"/>
+          </a:fillRef>
+          <a:effectRef idx="0">
+            <a:schemeClr val="accent1"/>
+          </a:effectRef>
+          <a:fontRef idx="minor">
+            <a:schemeClr val="lt1"/>
+          </a:fontRef>
+        </p:style>
+        <p:txBody>
+          <a:bodyPr rtlCol="0" anchor="ctr"/>
+          <a:lstStyle/>
+          <a:p>
+            <a:pPr algn="ctr"/>
+            <a:r>
+              <a:rPr lang="en-US" dirty="0"/>
+              <a:t>C</a:t>
+            </a:r>
+          </a:p>
+        </p:txBody>
+      </p:sp>
+      <p:sp>
+        <p:nvSpPr>
+          <p:cNvPr id="27" name="Oval 26">
+            <a:extLst>
+              <a:ext uri="{FF2B5EF4-FFF2-40B4-BE49-F238E27FC236}">
+                <a16:creationId xmlns:a16="http://schemas.microsoft.com/office/drawing/2014/main" id="{88D7B244-75E9-48D5-BEEA-736916B5A913}"/>
+              </a:ext>
+            </a:extLst>
+          </p:cNvPr>
+          <p:cNvSpPr>
+            <a:spLocks noChangeAspect="1"/>
+          </p:cNvSpPr>
+          <p:nvPr/>
+        </p:nvSpPr>
+        <p:spPr>
+          <a:xfrm>
+            <a:off x="4129594" y="5467068"/>
+            <a:ext cx="265265" cy="220540"/>
+          </a:xfrm>
+          <a:prstGeom prst="ellipse">
+            <a:avLst/>
+          </a:prstGeom>
+        </p:spPr>
+        <p:style>
+          <a:lnRef idx="2">
+            <a:schemeClr val="accent1">
+              <a:shade val="50000"/>
+            </a:schemeClr>
+          </a:lnRef>
+          <a:fillRef idx="1">
+            <a:schemeClr val="accent1"/>
+          </a:fillRef>
+          <a:effectRef idx="0">
+            <a:schemeClr val="accent1"/>
+          </a:effectRef>
+          <a:fontRef idx="minor">
+            <a:schemeClr val="lt1"/>
+          </a:fontRef>
+        </p:style>
+        <p:txBody>
+          <a:bodyPr rtlCol="0" anchor="ctr"/>
+          <a:lstStyle/>
+          <a:p>
+            <a:pPr algn="ctr"/>
+            <a:r>
+              <a:rPr lang="en-US" dirty="0"/>
+              <a:t>G</a:t>
+            </a:r>
+          </a:p>
+        </p:txBody>
+      </p:sp>
+      <p:sp>
+        <p:nvSpPr>
+          <p:cNvPr id="28" name="Oval 27">
+            <a:extLst>
+              <a:ext uri="{FF2B5EF4-FFF2-40B4-BE49-F238E27FC236}">
+                <a16:creationId xmlns:a16="http://schemas.microsoft.com/office/drawing/2014/main" id="{B81E3ECA-DF12-4BE1-946F-20ACAD68B47C}"/>
+              </a:ext>
+            </a:extLst>
+          </p:cNvPr>
+          <p:cNvSpPr>
+            <a:spLocks noChangeAspect="1"/>
+          </p:cNvSpPr>
+          <p:nvPr/>
+        </p:nvSpPr>
+        <p:spPr>
+          <a:xfrm>
+            <a:off x="4810890" y="5467068"/>
+            <a:ext cx="265265" cy="220540"/>
+          </a:xfrm>
+          <a:prstGeom prst="ellipse">
+            <a:avLst/>
+          </a:prstGeom>
+        </p:spPr>
+        <p:style>
+          <a:lnRef idx="2">
+            <a:schemeClr val="accent1">
+              <a:shade val="50000"/>
+            </a:schemeClr>
+          </a:lnRef>
+          <a:fillRef idx="1">
+            <a:schemeClr val="accent1"/>
+          </a:fillRef>
+          <a:effectRef idx="0">
+            <a:schemeClr val="accent1"/>
+          </a:effectRef>
+          <a:fontRef idx="minor">
+            <a:schemeClr val="lt1"/>
+          </a:fontRef>
+        </p:style>
+        <p:txBody>
+          <a:bodyPr rtlCol="0" anchor="ctr"/>
+          <a:lstStyle/>
+          <a:p>
+            <a:pPr algn="ctr"/>
+            <a:r>
+              <a:rPr lang="en-US" dirty="0"/>
+              <a:t>G</a:t>
+            </a:r>
+          </a:p>
+        </p:txBody>
+      </p:sp>
+      <p:sp>
+        <p:nvSpPr>
+          <p:cNvPr id="29" name="Oval 28">
+            <a:extLst>
+              <a:ext uri="{FF2B5EF4-FFF2-40B4-BE49-F238E27FC236}">
+                <a16:creationId xmlns:a16="http://schemas.microsoft.com/office/drawing/2014/main" id="{FE23A0A3-AA64-43A5-9BE2-7F9905963D44}"/>
+              </a:ext>
+            </a:extLst>
+          </p:cNvPr>
+          <p:cNvSpPr>
+            <a:spLocks noChangeAspect="1"/>
+          </p:cNvSpPr>
+          <p:nvPr/>
+        </p:nvSpPr>
+        <p:spPr>
+          <a:xfrm>
+            <a:off x="5178935" y="5467068"/>
+            <a:ext cx="265265" cy="220540"/>
+          </a:xfrm>
+          <a:prstGeom prst="ellipse">
+            <a:avLst/>
+          </a:prstGeom>
+        </p:spPr>
+        <p:style>
+          <a:lnRef idx="2">
+            <a:schemeClr val="accent1">
+              <a:shade val="50000"/>
+            </a:schemeClr>
+          </a:lnRef>
+          <a:fillRef idx="1">
+            <a:schemeClr val="accent1"/>
+          </a:fillRef>
+          <a:effectRef idx="0">
+            <a:schemeClr val="accent1"/>
+          </a:effectRef>
+          <a:fontRef idx="minor">
+            <a:schemeClr val="lt1"/>
+          </a:fontRef>
+        </p:style>
+        <p:txBody>
+          <a:bodyPr rtlCol="0" anchor="ctr"/>
+          <a:lstStyle/>
+          <a:p>
+            <a:pPr algn="ctr"/>
+            <a:r>
+              <a:rPr lang="en-US" dirty="0"/>
+              <a:t>T</a:t>
+            </a:r>
+          </a:p>
+        </p:txBody>
+      </p:sp>
+      <p:sp>
+        <p:nvSpPr>
+          <p:cNvPr id="30" name="Oval 29">
+            <a:extLst>
+              <a:ext uri="{FF2B5EF4-FFF2-40B4-BE49-F238E27FC236}">
+                <a16:creationId xmlns:a16="http://schemas.microsoft.com/office/drawing/2014/main" id="{EA69FC7C-A9CA-4873-90B6-D4F2309446D2}"/>
+              </a:ext>
+            </a:extLst>
+          </p:cNvPr>
+          <p:cNvSpPr>
+            <a:spLocks noChangeAspect="1"/>
+          </p:cNvSpPr>
+          <p:nvPr/>
+        </p:nvSpPr>
+        <p:spPr>
+          <a:xfrm>
+            <a:off x="3761549" y="5467068"/>
+            <a:ext cx="265265" cy="220540"/>
+          </a:xfrm>
+          <a:prstGeom prst="ellipse">
+            <a:avLst/>
+          </a:prstGeom>
+        </p:spPr>
+        <p:style>
+          <a:lnRef idx="2">
+            <a:schemeClr val="accent1">
+              <a:shade val="50000"/>
+            </a:schemeClr>
+          </a:lnRef>
+          <a:fillRef idx="1">
+            <a:schemeClr val="accent1"/>
+          </a:fillRef>
+          <a:effectRef idx="0">
+            <a:schemeClr val="accent1"/>
+          </a:effectRef>
+          <a:fontRef idx="minor">
+            <a:schemeClr val="lt1"/>
+          </a:fontRef>
+        </p:style>
+        <p:txBody>
+          <a:bodyPr rtlCol="0" anchor="ctr"/>
+          <a:lstStyle/>
+          <a:p>
+            <a:pPr algn="ctr"/>
+            <a:r>
+              <a:rPr lang="en-US" dirty="0"/>
+              <a:t>T</a:t>
+            </a:r>
+          </a:p>
+        </p:txBody>
+      </p:sp>
+      <p:sp>
+        <p:nvSpPr>
+          <p:cNvPr id="2" name="TextBox 1">
+            <a:extLst>
+              <a:ext uri="{FF2B5EF4-FFF2-40B4-BE49-F238E27FC236}">
+                <a16:creationId xmlns:a16="http://schemas.microsoft.com/office/drawing/2014/main" id="{2724C142-E268-4034-AD0E-41DD00608D6F}"/>
+              </a:ext>
+            </a:extLst>
+          </p:cNvPr>
+          <p:cNvSpPr txBox="1"/>
+          <p:nvPr/>
+        </p:nvSpPr>
+        <p:spPr>
+          <a:xfrm>
+            <a:off x="372862" y="310718"/>
+            <a:ext cx="1737976" cy="369332"/>
+          </a:xfrm>
+          <a:prstGeom prst="rect">
+            <a:avLst/>
+          </a:prstGeom>
+          <a:noFill/>
+        </p:spPr>
+        <p:txBody>
+          <a:bodyPr wrap="none" rtlCol="0">
+            <a:spAutoFit/>
+          </a:bodyPr>
+          <a:lstStyle/>
+          <a:p>
+            <a:r>
+              <a:rPr lang="en-US" dirty="0"/>
+              <a:t>Name=Lancer </a:t>
+            </a:r>
+            <a:r>
+              <a:rPr lang="en-US" dirty="0" err="1"/>
+              <a:t>Rt</a:t>
+            </a:r>
+            <a:endParaRPr lang="en-US" dirty="0"/>
+          </a:p>
+        </p:txBody>
+      </p:sp>
+      <p:sp>
+        <p:nvSpPr>
+          <p:cNvPr id="13" name="Oval 12">
+            <a:extLst>
+              <a:ext uri="{FF2B5EF4-FFF2-40B4-BE49-F238E27FC236}">
+                <a16:creationId xmlns:a16="http://schemas.microsoft.com/office/drawing/2014/main" id="{AE4A4AEA-DF68-49EC-AF15-FAAFC1CF9583}"/>
+              </a:ext>
+            </a:extLst>
+          </p:cNvPr>
+          <p:cNvSpPr>
+            <a:spLocks noChangeAspect="1"/>
+          </p:cNvSpPr>
+          <p:nvPr/>
+        </p:nvSpPr>
+        <p:spPr>
+          <a:xfrm>
+            <a:off x="4488711" y="6121472"/>
+            <a:ext cx="265265" cy="220540"/>
+          </a:xfrm>
+          <a:prstGeom prst="ellipse">
+            <a:avLst/>
+          </a:prstGeom>
+        </p:spPr>
+        <p:style>
+          <a:lnRef idx="2">
+            <a:schemeClr val="dk1"/>
+          </a:lnRef>
+          <a:fillRef idx="1">
+            <a:schemeClr val="lt1"/>
+          </a:fillRef>
+          <a:effectRef idx="0">
+            <a:schemeClr val="dk1"/>
+          </a:effectRef>
+          <a:fontRef idx="minor">
+            <a:schemeClr val="dk1"/>
+          </a:fontRef>
+        </p:style>
+        <p:txBody>
+          <a:bodyPr rtlCol="0" anchor="ctr"/>
+          <a:lstStyle/>
+          <a:p>
+            <a:pPr algn="ctr"/>
+            <a:r>
+              <a:rPr lang="en-US" dirty="0"/>
+              <a:t>A</a:t>
+            </a:r>
+          </a:p>
+        </p:txBody>
+      </p:sp>
+      <p:sp>
+        <p:nvSpPr>
+          <p:cNvPr id="10" name="TextBox 9">
+            <a:extLst>
+              <a:ext uri="{FF2B5EF4-FFF2-40B4-BE49-F238E27FC236}">
+                <a16:creationId xmlns:a16="http://schemas.microsoft.com/office/drawing/2014/main" id="{C114BAA5-4DD2-4A3B-93CC-1EBEAEF7812B}"/>
+              </a:ext>
+            </a:extLst>
+          </p:cNvPr>
+          <p:cNvSpPr txBox="1"/>
+          <p:nvPr/>
+        </p:nvSpPr>
+        <p:spPr>
+          <a:xfrm>
+            <a:off x="372862" y="680050"/>
+            <a:ext cx="1706429" cy="369332"/>
+          </a:xfrm>
+          <a:prstGeom prst="rect">
+            <a:avLst/>
+          </a:prstGeom>
+          <a:noFill/>
+        </p:spPr>
+        <p:txBody>
+          <a:bodyPr wrap="none" rtlCol="0">
+            <a:spAutoFit/>
+          </a:bodyPr>
+          <a:lstStyle/>
+          <a:p>
+            <a:r>
+              <a:rPr lang="en-US" dirty="0"/>
+              <a:t>Name=Lancer Lt</a:t>
+            </a:r>
+          </a:p>
+        </p:txBody>
+      </p:sp>
+    </p:spTree>
+    <p:extLst>
+      <p:ext uri="{BB962C8B-B14F-4D97-AF65-F5344CB8AC3E}">
+        <p14:creationId xmlns:p14="http://schemas.microsoft.com/office/powerpoint/2010/main" val="2742955212"/>
       </p:ext>
     </p:extLst>
   </p:cSld>
@@ -5186,7 +8691,7 @@
         <p:spPr>
           <a:xfrm>
             <a:off x="372862" y="310718"/>
-            <a:ext cx="1658339" cy="369332"/>
+            <a:ext cx="1689886" cy="369332"/>
           </a:xfrm>
           <a:prstGeom prst="rect">
             <a:avLst/>
@@ -5201,8 +8706,13 @@
           <a:p>
             <a:r>
               <a:rPr lang="en-US" dirty="0"/>
-              <a:t>Name=A Gun Lt</a:t>
-            </a:r>
+              <a:t>Name=A Gun </a:t>
+            </a:r>
+            <a:r>
+              <a:rPr lang="en-US" dirty="0" err="1"/>
+              <a:t>Rt</a:t>
+            </a:r>
+            <a:endParaRPr lang="en-US" dirty="0"/>
           </a:p>
         </p:txBody>
       </p:sp>
@@ -5222,7 +8732,7 @@
         </p:nvSpPr>
         <p:spPr>
           <a:xfrm>
-            <a:off x="3932122" y="6143781"/>
+            <a:off x="5028257" y="6143781"/>
             <a:ext cx="265265" cy="220540"/>
           </a:xfrm>
           <a:prstGeom prst="ellipse">
@@ -5257,10 +8767,10 @@
       </p:sp>
       <p:sp>
         <p:nvSpPr>
-          <p:cNvPr id="10" name="TextBox 9">
-            <a:extLst>
-              <a:ext uri="{FF2B5EF4-FFF2-40B4-BE49-F238E27FC236}">
-                <a16:creationId xmlns:a16="http://schemas.microsoft.com/office/drawing/2014/main" id="{9306B8E9-EF10-4797-A30D-5E22721E90AE}"/>
+          <p:cNvPr id="11" name="TextBox 10">
+            <a:extLst>
+              <a:ext uri="{FF2B5EF4-FFF2-40B4-BE49-F238E27FC236}">
+                <a16:creationId xmlns:a16="http://schemas.microsoft.com/office/drawing/2014/main" id="{47D7FBAB-0340-4F36-B377-F1439A654307}"/>
               </a:ext>
             </a:extLst>
           </p:cNvPr>
@@ -5269,8 +8779,8 @@
         </p:nvSpPr>
         <p:spPr>
           <a:xfrm>
-            <a:off x="372861" y="782714"/>
-            <a:ext cx="1681871" cy="369332"/>
+            <a:off x="372862" y="680050"/>
+            <a:ext cx="1650324" cy="369332"/>
           </a:xfrm>
           <a:prstGeom prst="rect">
             <a:avLst/>
@@ -5285,20 +8795,931 @@
           <a:p>
             <a:r>
               <a:rPr lang="en-US" dirty="0"/>
-              <a:t>Name=B Gun </a:t>
-            </a:r>
-            <a:r>
-              <a:rPr lang="en-US" dirty="0" err="1"/>
-              <a:t>Rt</a:t>
-            </a:r>
-            <a:endParaRPr lang="en-US" dirty="0"/>
+              <a:t>Name=B Gun Lt</a:t>
+            </a:r>
           </a:p>
         </p:txBody>
       </p:sp>
     </p:spTree>
     <p:extLst>
       <p:ext uri="{BB962C8B-B14F-4D97-AF65-F5344CB8AC3E}">
-        <p14:creationId xmlns:p14="http://schemas.microsoft.com/office/powerpoint/2010/main" val="1353843454"/>
+        <p14:creationId xmlns:p14="http://schemas.microsoft.com/office/powerpoint/2010/main" val="2791217213"/>
+      </p:ext>
+    </p:extLst>
+  </p:cSld>
+  <p:clrMapOvr>
+    <a:masterClrMapping/>
+  </p:clrMapOvr>
+</p:sld>
+</file>
+
+<file path=ppt/slides/slide20.xml><?xml version="1.0" encoding="utf-8"?>
+<p:sld xmlns:a="http://schemas.openxmlformats.org/drawingml/2006/main" xmlns:r="http://schemas.openxmlformats.org/officeDocument/2006/relationships" xmlns:p="http://schemas.openxmlformats.org/presentationml/2006/main">
+  <p:cSld>
+    <p:spTree>
+      <p:nvGrpSpPr>
+        <p:cNvPr id="1" name=""/>
+        <p:cNvGrpSpPr/>
+        <p:nvPr/>
+      </p:nvGrpSpPr>
+      <p:grpSpPr>
+        <a:xfrm>
+          <a:off x="0" y="0"/>
+          <a:ext cx="0" cy="0"/>
+          <a:chOff x="0" y="0"/>
+          <a:chExt cx="0" cy="0"/>
+        </a:xfrm>
+      </p:grpSpPr>
+      <p:sp>
+        <p:nvSpPr>
+          <p:cNvPr id="24" name="Oval 23">
+            <a:extLst>
+              <a:ext uri="{FF2B5EF4-FFF2-40B4-BE49-F238E27FC236}">
+                <a16:creationId xmlns:a16="http://schemas.microsoft.com/office/drawing/2014/main" id="{B889BA8C-0E26-4F3F-8CF7-B18F6ADC2A52}"/>
+              </a:ext>
+            </a:extLst>
+          </p:cNvPr>
+          <p:cNvSpPr>
+            <a:spLocks noChangeAspect="1"/>
+          </p:cNvSpPr>
+          <p:nvPr/>
+        </p:nvSpPr>
+        <p:spPr>
+          <a:xfrm>
+            <a:off x="4464179" y="5720366"/>
+            <a:ext cx="265265" cy="220540"/>
+          </a:xfrm>
+          <a:prstGeom prst="ellipse">
+            <a:avLst/>
+          </a:prstGeom>
+        </p:spPr>
+        <p:style>
+          <a:lnRef idx="2">
+            <a:schemeClr val="dk1"/>
+          </a:lnRef>
+          <a:fillRef idx="1">
+            <a:schemeClr val="lt1"/>
+          </a:fillRef>
+          <a:effectRef idx="0">
+            <a:schemeClr val="dk1"/>
+          </a:effectRef>
+          <a:fontRef idx="minor">
+            <a:schemeClr val="dk1"/>
+          </a:fontRef>
+        </p:style>
+        <p:txBody>
+          <a:bodyPr rtlCol="0" anchor="ctr"/>
+          <a:lstStyle/>
+          <a:p>
+            <a:pPr algn="ctr"/>
+            <a:r>
+              <a:rPr lang="en-US" dirty="0"/>
+              <a:t>Q</a:t>
+            </a:r>
+          </a:p>
+        </p:txBody>
+      </p:sp>
+      <p:sp>
+        <p:nvSpPr>
+          <p:cNvPr id="26" name="Rectangle 25">
+            <a:extLst>
+              <a:ext uri="{FF2B5EF4-FFF2-40B4-BE49-F238E27FC236}">
+                <a16:creationId xmlns:a16="http://schemas.microsoft.com/office/drawing/2014/main" id="{DF9AD3B9-5DF6-4174-A386-DA0894B2250B}"/>
+              </a:ext>
+            </a:extLst>
+          </p:cNvPr>
+          <p:cNvSpPr>
+            <a:spLocks noChangeAspect="1"/>
+          </p:cNvSpPr>
+          <p:nvPr/>
+        </p:nvSpPr>
+        <p:spPr>
+          <a:xfrm>
+            <a:off x="4464179" y="5467068"/>
+            <a:ext cx="265263" cy="198948"/>
+          </a:xfrm>
+          <a:prstGeom prst="rect">
+            <a:avLst/>
+          </a:prstGeom>
+        </p:spPr>
+        <p:style>
+          <a:lnRef idx="2">
+            <a:schemeClr val="accent1">
+              <a:shade val="50000"/>
+            </a:schemeClr>
+          </a:lnRef>
+          <a:fillRef idx="1">
+            <a:schemeClr val="accent1"/>
+          </a:fillRef>
+          <a:effectRef idx="0">
+            <a:schemeClr val="accent1"/>
+          </a:effectRef>
+          <a:fontRef idx="minor">
+            <a:schemeClr val="lt1"/>
+          </a:fontRef>
+        </p:style>
+        <p:txBody>
+          <a:bodyPr rtlCol="0" anchor="ctr"/>
+          <a:lstStyle/>
+          <a:p>
+            <a:pPr algn="ctr"/>
+            <a:r>
+              <a:rPr lang="en-US" dirty="0"/>
+              <a:t>C</a:t>
+            </a:r>
+          </a:p>
+        </p:txBody>
+      </p:sp>
+      <p:sp>
+        <p:nvSpPr>
+          <p:cNvPr id="27" name="Oval 26">
+            <a:extLst>
+              <a:ext uri="{FF2B5EF4-FFF2-40B4-BE49-F238E27FC236}">
+                <a16:creationId xmlns:a16="http://schemas.microsoft.com/office/drawing/2014/main" id="{88D7B244-75E9-48D5-BEEA-736916B5A913}"/>
+              </a:ext>
+            </a:extLst>
+          </p:cNvPr>
+          <p:cNvSpPr>
+            <a:spLocks noChangeAspect="1"/>
+          </p:cNvSpPr>
+          <p:nvPr/>
+        </p:nvSpPr>
+        <p:spPr>
+          <a:xfrm>
+            <a:off x="4129594" y="5467068"/>
+            <a:ext cx="265265" cy="220540"/>
+          </a:xfrm>
+          <a:prstGeom prst="ellipse">
+            <a:avLst/>
+          </a:prstGeom>
+        </p:spPr>
+        <p:style>
+          <a:lnRef idx="2">
+            <a:schemeClr val="accent1">
+              <a:shade val="50000"/>
+            </a:schemeClr>
+          </a:lnRef>
+          <a:fillRef idx="1">
+            <a:schemeClr val="accent1"/>
+          </a:fillRef>
+          <a:effectRef idx="0">
+            <a:schemeClr val="accent1"/>
+          </a:effectRef>
+          <a:fontRef idx="minor">
+            <a:schemeClr val="lt1"/>
+          </a:fontRef>
+        </p:style>
+        <p:txBody>
+          <a:bodyPr rtlCol="0" anchor="ctr"/>
+          <a:lstStyle/>
+          <a:p>
+            <a:pPr algn="ctr"/>
+            <a:r>
+              <a:rPr lang="en-US" dirty="0"/>
+              <a:t>G</a:t>
+            </a:r>
+          </a:p>
+        </p:txBody>
+      </p:sp>
+      <p:sp>
+        <p:nvSpPr>
+          <p:cNvPr id="28" name="Oval 27">
+            <a:extLst>
+              <a:ext uri="{FF2B5EF4-FFF2-40B4-BE49-F238E27FC236}">
+                <a16:creationId xmlns:a16="http://schemas.microsoft.com/office/drawing/2014/main" id="{B81E3ECA-DF12-4BE1-946F-20ACAD68B47C}"/>
+              </a:ext>
+            </a:extLst>
+          </p:cNvPr>
+          <p:cNvSpPr>
+            <a:spLocks noChangeAspect="1"/>
+          </p:cNvSpPr>
+          <p:nvPr/>
+        </p:nvSpPr>
+        <p:spPr>
+          <a:xfrm>
+            <a:off x="4810890" y="5467068"/>
+            <a:ext cx="265265" cy="220540"/>
+          </a:xfrm>
+          <a:prstGeom prst="ellipse">
+            <a:avLst/>
+          </a:prstGeom>
+        </p:spPr>
+        <p:style>
+          <a:lnRef idx="2">
+            <a:schemeClr val="accent1">
+              <a:shade val="50000"/>
+            </a:schemeClr>
+          </a:lnRef>
+          <a:fillRef idx="1">
+            <a:schemeClr val="accent1"/>
+          </a:fillRef>
+          <a:effectRef idx="0">
+            <a:schemeClr val="accent1"/>
+          </a:effectRef>
+          <a:fontRef idx="minor">
+            <a:schemeClr val="lt1"/>
+          </a:fontRef>
+        </p:style>
+        <p:txBody>
+          <a:bodyPr rtlCol="0" anchor="ctr"/>
+          <a:lstStyle/>
+          <a:p>
+            <a:pPr algn="ctr"/>
+            <a:r>
+              <a:rPr lang="en-US" dirty="0"/>
+              <a:t>G</a:t>
+            </a:r>
+          </a:p>
+        </p:txBody>
+      </p:sp>
+      <p:sp>
+        <p:nvSpPr>
+          <p:cNvPr id="29" name="Oval 28">
+            <a:extLst>
+              <a:ext uri="{FF2B5EF4-FFF2-40B4-BE49-F238E27FC236}">
+                <a16:creationId xmlns:a16="http://schemas.microsoft.com/office/drawing/2014/main" id="{FE23A0A3-AA64-43A5-9BE2-7F9905963D44}"/>
+              </a:ext>
+            </a:extLst>
+          </p:cNvPr>
+          <p:cNvSpPr>
+            <a:spLocks noChangeAspect="1"/>
+          </p:cNvSpPr>
+          <p:nvPr/>
+        </p:nvSpPr>
+        <p:spPr>
+          <a:xfrm>
+            <a:off x="5178935" y="5467068"/>
+            <a:ext cx="265265" cy="220540"/>
+          </a:xfrm>
+          <a:prstGeom prst="ellipse">
+            <a:avLst/>
+          </a:prstGeom>
+        </p:spPr>
+        <p:style>
+          <a:lnRef idx="2">
+            <a:schemeClr val="accent1">
+              <a:shade val="50000"/>
+            </a:schemeClr>
+          </a:lnRef>
+          <a:fillRef idx="1">
+            <a:schemeClr val="accent1"/>
+          </a:fillRef>
+          <a:effectRef idx="0">
+            <a:schemeClr val="accent1"/>
+          </a:effectRef>
+          <a:fontRef idx="minor">
+            <a:schemeClr val="lt1"/>
+          </a:fontRef>
+        </p:style>
+        <p:txBody>
+          <a:bodyPr rtlCol="0" anchor="ctr"/>
+          <a:lstStyle/>
+          <a:p>
+            <a:pPr algn="ctr"/>
+            <a:r>
+              <a:rPr lang="en-US" dirty="0"/>
+              <a:t>T</a:t>
+            </a:r>
+          </a:p>
+        </p:txBody>
+      </p:sp>
+      <p:sp>
+        <p:nvSpPr>
+          <p:cNvPr id="30" name="Oval 29">
+            <a:extLst>
+              <a:ext uri="{FF2B5EF4-FFF2-40B4-BE49-F238E27FC236}">
+                <a16:creationId xmlns:a16="http://schemas.microsoft.com/office/drawing/2014/main" id="{EA69FC7C-A9CA-4873-90B6-D4F2309446D2}"/>
+              </a:ext>
+            </a:extLst>
+          </p:cNvPr>
+          <p:cNvSpPr>
+            <a:spLocks noChangeAspect="1"/>
+          </p:cNvSpPr>
+          <p:nvPr/>
+        </p:nvSpPr>
+        <p:spPr>
+          <a:xfrm>
+            <a:off x="3761549" y="5467068"/>
+            <a:ext cx="265265" cy="220540"/>
+          </a:xfrm>
+          <a:prstGeom prst="ellipse">
+            <a:avLst/>
+          </a:prstGeom>
+        </p:spPr>
+        <p:style>
+          <a:lnRef idx="2">
+            <a:schemeClr val="accent1">
+              <a:shade val="50000"/>
+            </a:schemeClr>
+          </a:lnRef>
+          <a:fillRef idx="1">
+            <a:schemeClr val="accent1"/>
+          </a:fillRef>
+          <a:effectRef idx="0">
+            <a:schemeClr val="accent1"/>
+          </a:effectRef>
+          <a:fontRef idx="minor">
+            <a:schemeClr val="lt1"/>
+          </a:fontRef>
+        </p:style>
+        <p:txBody>
+          <a:bodyPr rtlCol="0" anchor="ctr"/>
+          <a:lstStyle/>
+          <a:p>
+            <a:pPr algn="ctr"/>
+            <a:r>
+              <a:rPr lang="en-US" dirty="0"/>
+              <a:t>T</a:t>
+            </a:r>
+          </a:p>
+        </p:txBody>
+      </p:sp>
+      <p:sp>
+        <p:nvSpPr>
+          <p:cNvPr id="2" name="TextBox 1">
+            <a:extLst>
+              <a:ext uri="{FF2B5EF4-FFF2-40B4-BE49-F238E27FC236}">
+                <a16:creationId xmlns:a16="http://schemas.microsoft.com/office/drawing/2014/main" id="{2724C142-E268-4034-AD0E-41DD00608D6F}"/>
+              </a:ext>
+            </a:extLst>
+          </p:cNvPr>
+          <p:cNvSpPr txBox="1"/>
+          <p:nvPr/>
+        </p:nvSpPr>
+        <p:spPr>
+          <a:xfrm>
+            <a:off x="372862" y="310718"/>
+            <a:ext cx="1220206" cy="369332"/>
+          </a:xfrm>
+          <a:prstGeom prst="rect">
+            <a:avLst/>
+          </a:prstGeom>
+          <a:noFill/>
+        </p:spPr>
+        <p:txBody>
+          <a:bodyPr wrap="none" rtlCol="0">
+            <a:spAutoFit/>
+          </a:bodyPr>
+          <a:lstStyle/>
+          <a:p>
+            <a:r>
+              <a:rPr lang="en-US" dirty="0"/>
+              <a:t>Name=S </a:t>
+            </a:r>
+            <a:r>
+              <a:rPr lang="en-US" dirty="0" err="1"/>
+              <a:t>Rt</a:t>
+            </a:r>
+            <a:endParaRPr lang="en-US" dirty="0"/>
+          </a:p>
+        </p:txBody>
+      </p:sp>
+      <p:sp>
+        <p:nvSpPr>
+          <p:cNvPr id="13" name="Oval 12">
+            <a:extLst>
+              <a:ext uri="{FF2B5EF4-FFF2-40B4-BE49-F238E27FC236}">
+                <a16:creationId xmlns:a16="http://schemas.microsoft.com/office/drawing/2014/main" id="{AE4A4AEA-DF68-49EC-AF15-FAAFC1CF9583}"/>
+              </a:ext>
+            </a:extLst>
+          </p:cNvPr>
+          <p:cNvSpPr>
+            <a:spLocks noChangeAspect="1"/>
+          </p:cNvSpPr>
+          <p:nvPr/>
+        </p:nvSpPr>
+        <p:spPr>
+          <a:xfrm>
+            <a:off x="4497589" y="6414440"/>
+            <a:ext cx="265265" cy="220540"/>
+          </a:xfrm>
+          <a:prstGeom prst="ellipse">
+            <a:avLst/>
+          </a:prstGeom>
+        </p:spPr>
+        <p:style>
+          <a:lnRef idx="2">
+            <a:schemeClr val="dk1"/>
+          </a:lnRef>
+          <a:fillRef idx="1">
+            <a:schemeClr val="lt1"/>
+          </a:fillRef>
+          <a:effectRef idx="0">
+            <a:schemeClr val="dk1"/>
+          </a:effectRef>
+          <a:fontRef idx="minor">
+            <a:schemeClr val="dk1"/>
+          </a:fontRef>
+        </p:style>
+        <p:txBody>
+          <a:bodyPr rtlCol="0" anchor="ctr"/>
+          <a:lstStyle/>
+          <a:p>
+            <a:pPr algn="ctr"/>
+            <a:r>
+              <a:rPr lang="en-US" dirty="0"/>
+              <a:t>A</a:t>
+            </a:r>
+          </a:p>
+        </p:txBody>
+      </p:sp>
+      <p:sp>
+        <p:nvSpPr>
+          <p:cNvPr id="10" name="TextBox 9">
+            <a:extLst>
+              <a:ext uri="{FF2B5EF4-FFF2-40B4-BE49-F238E27FC236}">
+                <a16:creationId xmlns:a16="http://schemas.microsoft.com/office/drawing/2014/main" id="{C114BAA5-4DD2-4A3B-93CC-1EBEAEF7812B}"/>
+              </a:ext>
+            </a:extLst>
+          </p:cNvPr>
+          <p:cNvSpPr txBox="1"/>
+          <p:nvPr/>
+        </p:nvSpPr>
+        <p:spPr>
+          <a:xfrm>
+            <a:off x="372862" y="680050"/>
+            <a:ext cx="1188659" cy="369332"/>
+          </a:xfrm>
+          <a:prstGeom prst="rect">
+            <a:avLst/>
+          </a:prstGeom>
+          <a:noFill/>
+        </p:spPr>
+        <p:txBody>
+          <a:bodyPr wrap="none" rtlCol="0">
+            <a:spAutoFit/>
+          </a:bodyPr>
+          <a:lstStyle/>
+          <a:p>
+            <a:r>
+              <a:rPr lang="en-US" dirty="0"/>
+              <a:t>Name=S Lt</a:t>
+            </a:r>
+          </a:p>
+        </p:txBody>
+      </p:sp>
+    </p:spTree>
+    <p:extLst>
+      <p:ext uri="{BB962C8B-B14F-4D97-AF65-F5344CB8AC3E}">
+        <p14:creationId xmlns:p14="http://schemas.microsoft.com/office/powerpoint/2010/main" val="2673208632"/>
+      </p:ext>
+    </p:extLst>
+  </p:cSld>
+  <p:clrMapOvr>
+    <a:masterClrMapping/>
+  </p:clrMapOvr>
+</p:sld>
+</file>
+
+<file path=ppt/slides/slide21.xml><?xml version="1.0" encoding="utf-8"?>
+<p:sld xmlns:a="http://schemas.openxmlformats.org/drawingml/2006/main" xmlns:r="http://schemas.openxmlformats.org/officeDocument/2006/relationships" xmlns:p="http://schemas.openxmlformats.org/presentationml/2006/main">
+  <p:cSld>
+    <p:spTree>
+      <p:nvGrpSpPr>
+        <p:cNvPr id="1" name=""/>
+        <p:cNvGrpSpPr/>
+        <p:nvPr/>
+      </p:nvGrpSpPr>
+      <p:grpSpPr>
+        <a:xfrm>
+          <a:off x="0" y="0"/>
+          <a:ext cx="0" cy="0"/>
+          <a:chOff x="0" y="0"/>
+          <a:chExt cx="0" cy="0"/>
+        </a:xfrm>
+      </p:grpSpPr>
+      <p:sp>
+        <p:nvSpPr>
+          <p:cNvPr id="24" name="Oval 23">
+            <a:extLst>
+              <a:ext uri="{FF2B5EF4-FFF2-40B4-BE49-F238E27FC236}">
+                <a16:creationId xmlns:a16="http://schemas.microsoft.com/office/drawing/2014/main" id="{B889BA8C-0E26-4F3F-8CF7-B18F6ADC2A52}"/>
+              </a:ext>
+            </a:extLst>
+          </p:cNvPr>
+          <p:cNvSpPr>
+            <a:spLocks noChangeAspect="1"/>
+          </p:cNvSpPr>
+          <p:nvPr/>
+        </p:nvSpPr>
+        <p:spPr>
+          <a:xfrm>
+            <a:off x="4464179" y="6031085"/>
+            <a:ext cx="265265" cy="220540"/>
+          </a:xfrm>
+          <a:prstGeom prst="ellipse">
+            <a:avLst/>
+          </a:prstGeom>
+        </p:spPr>
+        <p:style>
+          <a:lnRef idx="2">
+            <a:schemeClr val="dk1"/>
+          </a:lnRef>
+          <a:fillRef idx="1">
+            <a:schemeClr val="lt1"/>
+          </a:fillRef>
+          <a:effectRef idx="0">
+            <a:schemeClr val="dk1"/>
+          </a:effectRef>
+          <a:fontRef idx="minor">
+            <a:schemeClr val="dk1"/>
+          </a:fontRef>
+        </p:style>
+        <p:txBody>
+          <a:bodyPr rtlCol="0" anchor="ctr"/>
+          <a:lstStyle/>
+          <a:p>
+            <a:pPr algn="ctr"/>
+            <a:r>
+              <a:rPr lang="en-US" dirty="0"/>
+              <a:t>Q</a:t>
+            </a:r>
+          </a:p>
+        </p:txBody>
+      </p:sp>
+      <p:sp>
+        <p:nvSpPr>
+          <p:cNvPr id="26" name="Rectangle 25">
+            <a:extLst>
+              <a:ext uri="{FF2B5EF4-FFF2-40B4-BE49-F238E27FC236}">
+                <a16:creationId xmlns:a16="http://schemas.microsoft.com/office/drawing/2014/main" id="{DF9AD3B9-5DF6-4174-A386-DA0894B2250B}"/>
+              </a:ext>
+            </a:extLst>
+          </p:cNvPr>
+          <p:cNvSpPr>
+            <a:spLocks noChangeAspect="1"/>
+          </p:cNvSpPr>
+          <p:nvPr/>
+        </p:nvSpPr>
+        <p:spPr>
+          <a:xfrm>
+            <a:off x="4464179" y="5467068"/>
+            <a:ext cx="265263" cy="198948"/>
+          </a:xfrm>
+          <a:prstGeom prst="rect">
+            <a:avLst/>
+          </a:prstGeom>
+        </p:spPr>
+        <p:style>
+          <a:lnRef idx="2">
+            <a:schemeClr val="accent1">
+              <a:shade val="50000"/>
+            </a:schemeClr>
+          </a:lnRef>
+          <a:fillRef idx="1">
+            <a:schemeClr val="accent1"/>
+          </a:fillRef>
+          <a:effectRef idx="0">
+            <a:schemeClr val="accent1"/>
+          </a:effectRef>
+          <a:fontRef idx="minor">
+            <a:schemeClr val="lt1"/>
+          </a:fontRef>
+        </p:style>
+        <p:txBody>
+          <a:bodyPr rtlCol="0" anchor="ctr"/>
+          <a:lstStyle/>
+          <a:p>
+            <a:pPr algn="ctr"/>
+            <a:r>
+              <a:rPr lang="en-US" dirty="0"/>
+              <a:t>C</a:t>
+            </a:r>
+          </a:p>
+        </p:txBody>
+      </p:sp>
+      <p:sp>
+        <p:nvSpPr>
+          <p:cNvPr id="27" name="Oval 26">
+            <a:extLst>
+              <a:ext uri="{FF2B5EF4-FFF2-40B4-BE49-F238E27FC236}">
+                <a16:creationId xmlns:a16="http://schemas.microsoft.com/office/drawing/2014/main" id="{88D7B244-75E9-48D5-BEEA-736916B5A913}"/>
+              </a:ext>
+            </a:extLst>
+          </p:cNvPr>
+          <p:cNvSpPr>
+            <a:spLocks noChangeAspect="1"/>
+          </p:cNvSpPr>
+          <p:nvPr/>
+        </p:nvSpPr>
+        <p:spPr>
+          <a:xfrm>
+            <a:off x="4129594" y="5467068"/>
+            <a:ext cx="265265" cy="220540"/>
+          </a:xfrm>
+          <a:prstGeom prst="ellipse">
+            <a:avLst/>
+          </a:prstGeom>
+        </p:spPr>
+        <p:style>
+          <a:lnRef idx="2">
+            <a:schemeClr val="accent1">
+              <a:shade val="50000"/>
+            </a:schemeClr>
+          </a:lnRef>
+          <a:fillRef idx="1">
+            <a:schemeClr val="accent1"/>
+          </a:fillRef>
+          <a:effectRef idx="0">
+            <a:schemeClr val="accent1"/>
+          </a:effectRef>
+          <a:fontRef idx="minor">
+            <a:schemeClr val="lt1"/>
+          </a:fontRef>
+        </p:style>
+        <p:txBody>
+          <a:bodyPr rtlCol="0" anchor="ctr"/>
+          <a:lstStyle/>
+          <a:p>
+            <a:pPr algn="ctr"/>
+            <a:r>
+              <a:rPr lang="en-US" dirty="0"/>
+              <a:t>G</a:t>
+            </a:r>
+          </a:p>
+        </p:txBody>
+      </p:sp>
+      <p:sp>
+        <p:nvSpPr>
+          <p:cNvPr id="28" name="Oval 27">
+            <a:extLst>
+              <a:ext uri="{FF2B5EF4-FFF2-40B4-BE49-F238E27FC236}">
+                <a16:creationId xmlns:a16="http://schemas.microsoft.com/office/drawing/2014/main" id="{B81E3ECA-DF12-4BE1-946F-20ACAD68B47C}"/>
+              </a:ext>
+            </a:extLst>
+          </p:cNvPr>
+          <p:cNvSpPr>
+            <a:spLocks noChangeAspect="1"/>
+          </p:cNvSpPr>
+          <p:nvPr/>
+        </p:nvSpPr>
+        <p:spPr>
+          <a:xfrm>
+            <a:off x="4810890" y="5467068"/>
+            <a:ext cx="265265" cy="220540"/>
+          </a:xfrm>
+          <a:prstGeom prst="ellipse">
+            <a:avLst/>
+          </a:prstGeom>
+        </p:spPr>
+        <p:style>
+          <a:lnRef idx="2">
+            <a:schemeClr val="accent1">
+              <a:shade val="50000"/>
+            </a:schemeClr>
+          </a:lnRef>
+          <a:fillRef idx="1">
+            <a:schemeClr val="accent1"/>
+          </a:fillRef>
+          <a:effectRef idx="0">
+            <a:schemeClr val="accent1"/>
+          </a:effectRef>
+          <a:fontRef idx="minor">
+            <a:schemeClr val="lt1"/>
+          </a:fontRef>
+        </p:style>
+        <p:txBody>
+          <a:bodyPr rtlCol="0" anchor="ctr"/>
+          <a:lstStyle/>
+          <a:p>
+            <a:pPr algn="ctr"/>
+            <a:r>
+              <a:rPr lang="en-US" dirty="0"/>
+              <a:t>G</a:t>
+            </a:r>
+          </a:p>
+        </p:txBody>
+      </p:sp>
+      <p:sp>
+        <p:nvSpPr>
+          <p:cNvPr id="29" name="Oval 28">
+            <a:extLst>
+              <a:ext uri="{FF2B5EF4-FFF2-40B4-BE49-F238E27FC236}">
+                <a16:creationId xmlns:a16="http://schemas.microsoft.com/office/drawing/2014/main" id="{FE23A0A3-AA64-43A5-9BE2-7F9905963D44}"/>
+              </a:ext>
+            </a:extLst>
+          </p:cNvPr>
+          <p:cNvSpPr>
+            <a:spLocks noChangeAspect="1"/>
+          </p:cNvSpPr>
+          <p:nvPr/>
+        </p:nvSpPr>
+        <p:spPr>
+          <a:xfrm>
+            <a:off x="5178935" y="5467068"/>
+            <a:ext cx="265265" cy="220540"/>
+          </a:xfrm>
+          <a:prstGeom prst="ellipse">
+            <a:avLst/>
+          </a:prstGeom>
+        </p:spPr>
+        <p:style>
+          <a:lnRef idx="2">
+            <a:schemeClr val="accent1">
+              <a:shade val="50000"/>
+            </a:schemeClr>
+          </a:lnRef>
+          <a:fillRef idx="1">
+            <a:schemeClr val="accent1"/>
+          </a:fillRef>
+          <a:effectRef idx="0">
+            <a:schemeClr val="accent1"/>
+          </a:effectRef>
+          <a:fontRef idx="minor">
+            <a:schemeClr val="lt1"/>
+          </a:fontRef>
+        </p:style>
+        <p:txBody>
+          <a:bodyPr rtlCol="0" anchor="ctr"/>
+          <a:lstStyle/>
+          <a:p>
+            <a:pPr algn="ctr"/>
+            <a:r>
+              <a:rPr lang="en-US" dirty="0"/>
+              <a:t>T</a:t>
+            </a:r>
+          </a:p>
+        </p:txBody>
+      </p:sp>
+      <p:sp>
+        <p:nvSpPr>
+          <p:cNvPr id="30" name="Oval 29">
+            <a:extLst>
+              <a:ext uri="{FF2B5EF4-FFF2-40B4-BE49-F238E27FC236}">
+                <a16:creationId xmlns:a16="http://schemas.microsoft.com/office/drawing/2014/main" id="{EA69FC7C-A9CA-4873-90B6-D4F2309446D2}"/>
+              </a:ext>
+            </a:extLst>
+          </p:cNvPr>
+          <p:cNvSpPr>
+            <a:spLocks noChangeAspect="1"/>
+          </p:cNvSpPr>
+          <p:nvPr/>
+        </p:nvSpPr>
+        <p:spPr>
+          <a:xfrm>
+            <a:off x="3761549" y="5467068"/>
+            <a:ext cx="265265" cy="220540"/>
+          </a:xfrm>
+          <a:prstGeom prst="ellipse">
+            <a:avLst/>
+          </a:prstGeom>
+        </p:spPr>
+        <p:style>
+          <a:lnRef idx="2">
+            <a:schemeClr val="accent1">
+              <a:shade val="50000"/>
+            </a:schemeClr>
+          </a:lnRef>
+          <a:fillRef idx="1">
+            <a:schemeClr val="accent1"/>
+          </a:fillRef>
+          <a:effectRef idx="0">
+            <a:schemeClr val="accent1"/>
+          </a:effectRef>
+          <a:fontRef idx="minor">
+            <a:schemeClr val="lt1"/>
+          </a:fontRef>
+        </p:style>
+        <p:txBody>
+          <a:bodyPr rtlCol="0" anchor="ctr"/>
+          <a:lstStyle/>
+          <a:p>
+            <a:pPr algn="ctr"/>
+            <a:r>
+              <a:rPr lang="en-US" dirty="0"/>
+              <a:t>T</a:t>
+            </a:r>
+          </a:p>
+        </p:txBody>
+      </p:sp>
+      <p:sp>
+        <p:nvSpPr>
+          <p:cNvPr id="2" name="TextBox 1">
+            <a:extLst>
+              <a:ext uri="{FF2B5EF4-FFF2-40B4-BE49-F238E27FC236}">
+                <a16:creationId xmlns:a16="http://schemas.microsoft.com/office/drawing/2014/main" id="{2724C142-E268-4034-AD0E-41DD00608D6F}"/>
+              </a:ext>
+            </a:extLst>
+          </p:cNvPr>
+          <p:cNvSpPr txBox="1"/>
+          <p:nvPr/>
+        </p:nvSpPr>
+        <p:spPr>
+          <a:xfrm>
+            <a:off x="372862" y="310718"/>
+            <a:ext cx="1662635" cy="369332"/>
+          </a:xfrm>
+          <a:prstGeom prst="rect">
+            <a:avLst/>
+          </a:prstGeom>
+          <a:noFill/>
+        </p:spPr>
+        <p:txBody>
+          <a:bodyPr wrap="none" rtlCol="0">
+            <a:spAutoFit/>
+          </a:bodyPr>
+          <a:lstStyle/>
+          <a:p>
+            <a:r>
+              <a:rPr lang="en-US" dirty="0"/>
+              <a:t>Name=S Gun </a:t>
+            </a:r>
+            <a:r>
+              <a:rPr lang="en-US" dirty="0" err="1"/>
+              <a:t>Rt</a:t>
+            </a:r>
+            <a:endParaRPr lang="en-US" dirty="0"/>
+          </a:p>
+        </p:txBody>
+      </p:sp>
+      <p:sp>
+        <p:nvSpPr>
+          <p:cNvPr id="13" name="Oval 12">
+            <a:extLst>
+              <a:ext uri="{FF2B5EF4-FFF2-40B4-BE49-F238E27FC236}">
+                <a16:creationId xmlns:a16="http://schemas.microsoft.com/office/drawing/2014/main" id="{AE4A4AEA-DF68-49EC-AF15-FAAFC1CF9583}"/>
+              </a:ext>
+            </a:extLst>
+          </p:cNvPr>
+          <p:cNvSpPr>
+            <a:spLocks noChangeAspect="1"/>
+          </p:cNvSpPr>
+          <p:nvPr/>
+        </p:nvSpPr>
+        <p:spPr>
+          <a:xfrm>
+            <a:off x="4464177" y="6396154"/>
+            <a:ext cx="265265" cy="220540"/>
+          </a:xfrm>
+          <a:prstGeom prst="ellipse">
+            <a:avLst/>
+          </a:prstGeom>
+        </p:spPr>
+        <p:style>
+          <a:lnRef idx="2">
+            <a:schemeClr val="dk1"/>
+          </a:lnRef>
+          <a:fillRef idx="1">
+            <a:schemeClr val="lt1"/>
+          </a:fillRef>
+          <a:effectRef idx="0">
+            <a:schemeClr val="dk1"/>
+          </a:effectRef>
+          <a:fontRef idx="minor">
+            <a:schemeClr val="dk1"/>
+          </a:fontRef>
+        </p:style>
+        <p:txBody>
+          <a:bodyPr rtlCol="0" anchor="ctr"/>
+          <a:lstStyle/>
+          <a:p>
+            <a:pPr algn="ctr"/>
+            <a:r>
+              <a:rPr lang="en-US" dirty="0"/>
+              <a:t>A</a:t>
+            </a:r>
+          </a:p>
+        </p:txBody>
+      </p:sp>
+      <p:sp>
+        <p:nvSpPr>
+          <p:cNvPr id="10" name="TextBox 9">
+            <a:extLst>
+              <a:ext uri="{FF2B5EF4-FFF2-40B4-BE49-F238E27FC236}">
+                <a16:creationId xmlns:a16="http://schemas.microsoft.com/office/drawing/2014/main" id="{C114BAA5-4DD2-4A3B-93CC-1EBEAEF7812B}"/>
+              </a:ext>
+            </a:extLst>
+          </p:cNvPr>
+          <p:cNvSpPr txBox="1"/>
+          <p:nvPr/>
+        </p:nvSpPr>
+        <p:spPr>
+          <a:xfrm>
+            <a:off x="372862" y="680050"/>
+            <a:ext cx="1631088" cy="369332"/>
+          </a:xfrm>
+          <a:prstGeom prst="rect">
+            <a:avLst/>
+          </a:prstGeom>
+          <a:noFill/>
+        </p:spPr>
+        <p:txBody>
+          <a:bodyPr wrap="none" rtlCol="0">
+            <a:spAutoFit/>
+          </a:bodyPr>
+          <a:lstStyle/>
+          <a:p>
+            <a:r>
+              <a:rPr lang="en-US" dirty="0"/>
+              <a:t>Name=S Gun Lt</a:t>
+            </a:r>
+          </a:p>
+        </p:txBody>
+      </p:sp>
+    </p:spTree>
+    <p:extLst>
+      <p:ext uri="{BB962C8B-B14F-4D97-AF65-F5344CB8AC3E}">
+        <p14:creationId xmlns:p14="http://schemas.microsoft.com/office/powerpoint/2010/main" val="832452079"/>
       </p:ext>
     </p:extLst>
   </p:cSld>
@@ -5341,7 +9762,7 @@
         </p:nvSpPr>
         <p:spPr>
           <a:xfrm>
-            <a:off x="4497589" y="6143781"/>
+            <a:off x="4497589" y="5699898"/>
             <a:ext cx="265265" cy="220540"/>
           </a:xfrm>
           <a:prstGeom prst="ellipse">
@@ -5644,7 +10065,7 @@
         <p:spPr>
           <a:xfrm>
             <a:off x="372862" y="310718"/>
-            <a:ext cx="1680268" cy="369332"/>
+            <a:ext cx="1215910" cy="369332"/>
           </a:xfrm>
           <a:prstGeom prst="rect">
             <a:avLst/>
@@ -5659,13 +10080,8 @@
           <a:p>
             <a:r>
               <a:rPr lang="en-US" dirty="0"/>
-              <a:t>Name=C Gun </a:t>
-            </a:r>
-            <a:r>
-              <a:rPr lang="en-US" dirty="0" err="1"/>
-              <a:t>Rt</a:t>
-            </a:r>
-            <a:endParaRPr lang="en-US" dirty="0"/>
+              <a:t>Name=A Lt</a:t>
+            </a:r>
           </a:p>
         </p:txBody>
       </p:sp>
@@ -5733,7 +10149,7 @@
         <p:spPr>
           <a:xfrm>
             <a:off x="372861" y="782714"/>
-            <a:ext cx="1667957" cy="369332"/>
+            <a:ext cx="1239442" cy="369332"/>
           </a:xfrm>
           <a:prstGeom prst="rect">
             <a:avLst/>
@@ -5748,64 +10164,20 @@
           <a:p>
             <a:r>
               <a:rPr lang="en-US" dirty="0"/>
-              <a:t>Name=D Gun Lt</a:t>
-            </a:r>
-          </a:p>
-        </p:txBody>
-      </p:sp>
-      <p:sp>
-        <p:nvSpPr>
-          <p:cNvPr id="11" name="Oval 10">
-            <a:extLst>
-              <a:ext uri="{FF2B5EF4-FFF2-40B4-BE49-F238E27FC236}">
-                <a16:creationId xmlns:a16="http://schemas.microsoft.com/office/drawing/2014/main" id="{6178E27E-828C-4367-A88B-EA705959F514}"/>
-              </a:ext>
-            </a:extLst>
-          </p:cNvPr>
-          <p:cNvSpPr>
-            <a:spLocks noChangeAspect="1"/>
-          </p:cNvSpPr>
-          <p:nvPr/>
-        </p:nvSpPr>
-        <p:spPr>
-          <a:xfrm>
-            <a:off x="5046302" y="6143781"/>
-            <a:ext cx="265265" cy="220540"/>
-          </a:xfrm>
-          <a:prstGeom prst="ellipse">
-            <a:avLst/>
-          </a:prstGeom>
-        </p:spPr>
-        <p:style>
-          <a:lnRef idx="2">
-            <a:schemeClr val="dk1"/>
-          </a:lnRef>
-          <a:fillRef idx="1">
-            <a:schemeClr val="lt1"/>
-          </a:fillRef>
-          <a:effectRef idx="0">
-            <a:schemeClr val="dk1"/>
-          </a:effectRef>
-          <a:fontRef idx="minor">
-            <a:schemeClr val="dk1"/>
-          </a:fontRef>
-        </p:style>
-        <p:txBody>
-          <a:bodyPr rtlCol="0" anchor="ctr"/>
-          <a:lstStyle/>
-          <a:p>
-            <a:pPr algn="ctr"/>
-            <a:r>
-              <a:rPr lang="en-US" dirty="0"/>
-              <a:t>B</a:t>
-            </a:r>
+              <a:t>Name=B </a:t>
+            </a:r>
+            <a:r>
+              <a:rPr lang="en-US" dirty="0" err="1"/>
+              <a:t>Rt</a:t>
+            </a:r>
+            <a:endParaRPr lang="en-US" dirty="0"/>
           </a:p>
         </p:txBody>
       </p:sp>
     </p:spTree>
     <p:extLst>
       <p:ext uri="{BB962C8B-B14F-4D97-AF65-F5344CB8AC3E}">
-        <p14:creationId xmlns:p14="http://schemas.microsoft.com/office/powerpoint/2010/main" val="3638098111"/>
+        <p14:creationId xmlns:p14="http://schemas.microsoft.com/office/powerpoint/2010/main" val="2513372782"/>
       </p:ext>
     </p:extLst>
   </p:cSld>
@@ -6151,7 +10523,7 @@
         <p:spPr>
           <a:xfrm>
             <a:off x="372862" y="310718"/>
-            <a:ext cx="1648721" cy="369332"/>
+            <a:ext cx="1658339" cy="369332"/>
           </a:xfrm>
           <a:prstGeom prst="rect">
             <a:avLst/>
@@ -6166,7 +10538,7 @@
           <a:p>
             <a:r>
               <a:rPr lang="en-US" dirty="0"/>
-              <a:t>Name=C Gun Lt</a:t>
+              <a:t>Name=A Gun Lt</a:t>
             </a:r>
           </a:p>
         </p:txBody>
@@ -6215,7 +10587,7 @@
             <a:pPr algn="ctr"/>
             <a:r>
               <a:rPr lang="en-US" dirty="0"/>
-              <a:t>B</a:t>
+              <a:t>A</a:t>
             </a:r>
           </a:p>
         </p:txBody>
@@ -6235,7 +10607,7 @@
         <p:spPr>
           <a:xfrm>
             <a:off x="372861" y="782714"/>
-            <a:ext cx="1699504" cy="369332"/>
+            <a:ext cx="1681871" cy="369332"/>
           </a:xfrm>
           <a:prstGeom prst="rect">
             <a:avLst/>
@@ -6250,69 +10622,20 @@
           <a:p>
             <a:r>
               <a:rPr lang="en-US" dirty="0"/>
-              <a:t>Name=D Gun </a:t>
+              <a:t>Name=B Gun </a:t>
             </a:r>
             <a:r>
               <a:rPr lang="en-US" dirty="0" err="1"/>
               <a:t>Rt</a:t>
             </a:r>
             <a:endParaRPr lang="en-US" dirty="0"/>
-          </a:p>
-        </p:txBody>
-      </p:sp>
-      <p:sp>
-        <p:nvSpPr>
-          <p:cNvPr id="11" name="Oval 10">
-            <a:extLst>
-              <a:ext uri="{FF2B5EF4-FFF2-40B4-BE49-F238E27FC236}">
-                <a16:creationId xmlns:a16="http://schemas.microsoft.com/office/drawing/2014/main" id="{6178E27E-828C-4367-A88B-EA705959F514}"/>
-              </a:ext>
-            </a:extLst>
-          </p:cNvPr>
-          <p:cNvSpPr>
-            <a:spLocks noChangeAspect="1"/>
-          </p:cNvSpPr>
-          <p:nvPr/>
-        </p:nvSpPr>
-        <p:spPr>
-          <a:xfrm>
-            <a:off x="5046302" y="6143781"/>
-            <a:ext cx="265265" cy="220540"/>
-          </a:xfrm>
-          <a:prstGeom prst="ellipse">
-            <a:avLst/>
-          </a:prstGeom>
-        </p:spPr>
-        <p:style>
-          <a:lnRef idx="2">
-            <a:schemeClr val="dk1"/>
-          </a:lnRef>
-          <a:fillRef idx="1">
-            <a:schemeClr val="lt1"/>
-          </a:fillRef>
-          <a:effectRef idx="0">
-            <a:schemeClr val="dk1"/>
-          </a:effectRef>
-          <a:fontRef idx="minor">
-            <a:schemeClr val="dk1"/>
-          </a:fontRef>
-        </p:style>
-        <p:txBody>
-          <a:bodyPr rtlCol="0" anchor="ctr"/>
-          <a:lstStyle/>
-          <a:p>
-            <a:pPr algn="ctr"/>
-            <a:r>
-              <a:rPr lang="en-US" dirty="0"/>
-              <a:t>A</a:t>
-            </a:r>
           </a:p>
         </p:txBody>
       </p:sp>
     </p:spTree>
     <p:extLst>
       <p:ext uri="{BB962C8B-B14F-4D97-AF65-F5344CB8AC3E}">
-        <p14:creationId xmlns:p14="http://schemas.microsoft.com/office/powerpoint/2010/main" val="3963328332"/>
+        <p14:creationId xmlns:p14="http://schemas.microsoft.com/office/powerpoint/2010/main" val="1353843454"/>
       </p:ext>
     </p:extLst>
   </p:cSld>
@@ -6355,7 +10678,7 @@
         </p:nvSpPr>
         <p:spPr>
           <a:xfrm>
-            <a:off x="4497589" y="6143781"/>
+            <a:off x="4497589" y="5726531"/>
             <a:ext cx="265265" cy="220540"/>
           </a:xfrm>
           <a:prstGeom prst="ellipse">
@@ -6658,7 +10981,7 @@
         <p:spPr>
           <a:xfrm>
             <a:off x="372862" y="310718"/>
-            <a:ext cx="1658339" cy="369332"/>
+            <a:ext cx="1237839" cy="369332"/>
           </a:xfrm>
           <a:prstGeom prst="rect">
             <a:avLst/>
@@ -6673,7 +10996,61 @@
           <a:p>
             <a:r>
               <a:rPr lang="en-US" dirty="0"/>
-              <a:t>Name=E Gun Lt</a:t>
+              <a:t>Name=C </a:t>
+            </a:r>
+            <a:r>
+              <a:rPr lang="en-US" dirty="0" err="1"/>
+              <a:t>Rt</a:t>
+            </a:r>
+            <a:endParaRPr lang="en-US" dirty="0"/>
+          </a:p>
+        </p:txBody>
+      </p:sp>
+      <p:sp>
+        <p:nvSpPr>
+          <p:cNvPr id="13" name="Oval 12">
+            <a:extLst>
+              <a:ext uri="{FF2B5EF4-FFF2-40B4-BE49-F238E27FC236}">
+                <a16:creationId xmlns:a16="http://schemas.microsoft.com/office/drawing/2014/main" id="{AE4A4AEA-DF68-49EC-AF15-FAAFC1CF9583}"/>
+              </a:ext>
+            </a:extLst>
+          </p:cNvPr>
+          <p:cNvSpPr>
+            <a:spLocks noChangeAspect="1"/>
+          </p:cNvSpPr>
+          <p:nvPr/>
+        </p:nvSpPr>
+        <p:spPr>
+          <a:xfrm>
+            <a:off x="3932122" y="6143781"/>
+            <a:ext cx="265265" cy="220540"/>
+          </a:xfrm>
+          <a:prstGeom prst="ellipse">
+            <a:avLst/>
+          </a:prstGeom>
+        </p:spPr>
+        <p:style>
+          <a:lnRef idx="2">
+            <a:schemeClr val="dk1"/>
+          </a:lnRef>
+          <a:fillRef idx="1">
+            <a:schemeClr val="lt1"/>
+          </a:fillRef>
+          <a:effectRef idx="0">
+            <a:schemeClr val="dk1"/>
+          </a:effectRef>
+          <a:fontRef idx="minor">
+            <a:schemeClr val="dk1"/>
+          </a:fontRef>
+        </p:style>
+        <p:txBody>
+          <a:bodyPr rtlCol="0" anchor="ctr"/>
+          <a:lstStyle/>
+          <a:p>
+            <a:pPr algn="ctr"/>
+            <a:r>
+              <a:rPr lang="en-US" dirty="0"/>
+              <a:t>A</a:t>
             </a:r>
           </a:p>
         </p:txBody>
@@ -6693,7 +11070,7 @@
         <p:spPr>
           <a:xfrm>
             <a:off x="372861" y="782714"/>
-            <a:ext cx="1681871" cy="369332"/>
+            <a:ext cx="1225528" cy="369332"/>
           </a:xfrm>
           <a:prstGeom prst="rect">
             <a:avLst/>
@@ -6708,20 +11085,64 @@
           <a:p>
             <a:r>
               <a:rPr lang="en-US" dirty="0"/>
-              <a:t>Name=E Gun </a:t>
-            </a:r>
-            <a:r>
-              <a:rPr lang="en-US" dirty="0" err="1"/>
-              <a:t>Rt</a:t>
-            </a:r>
-            <a:endParaRPr lang="en-US" dirty="0"/>
+              <a:t>Name=D Lt</a:t>
+            </a:r>
+          </a:p>
+        </p:txBody>
+      </p:sp>
+      <p:sp>
+        <p:nvSpPr>
+          <p:cNvPr id="11" name="Oval 10">
+            <a:extLst>
+              <a:ext uri="{FF2B5EF4-FFF2-40B4-BE49-F238E27FC236}">
+                <a16:creationId xmlns:a16="http://schemas.microsoft.com/office/drawing/2014/main" id="{6178E27E-828C-4367-A88B-EA705959F514}"/>
+              </a:ext>
+            </a:extLst>
+          </p:cNvPr>
+          <p:cNvSpPr>
+            <a:spLocks noChangeAspect="1"/>
+          </p:cNvSpPr>
+          <p:nvPr/>
+        </p:nvSpPr>
+        <p:spPr>
+          <a:xfrm>
+            <a:off x="5046302" y="6143781"/>
+            <a:ext cx="265265" cy="220540"/>
+          </a:xfrm>
+          <a:prstGeom prst="ellipse">
+            <a:avLst/>
+          </a:prstGeom>
+        </p:spPr>
+        <p:style>
+          <a:lnRef idx="2">
+            <a:schemeClr val="dk1"/>
+          </a:lnRef>
+          <a:fillRef idx="1">
+            <a:schemeClr val="lt1"/>
+          </a:fillRef>
+          <a:effectRef idx="0">
+            <a:schemeClr val="dk1"/>
+          </a:effectRef>
+          <a:fontRef idx="minor">
+            <a:schemeClr val="dk1"/>
+          </a:fontRef>
+        </p:style>
+        <p:txBody>
+          <a:bodyPr rtlCol="0" anchor="ctr"/>
+          <a:lstStyle/>
+          <a:p>
+            <a:pPr algn="ctr"/>
+            <a:r>
+              <a:rPr lang="en-US" dirty="0"/>
+              <a:t>B</a:t>
+            </a:r>
           </a:p>
         </p:txBody>
       </p:sp>
     </p:spTree>
     <p:extLst>
       <p:ext uri="{BB962C8B-B14F-4D97-AF65-F5344CB8AC3E}">
-        <p14:creationId xmlns:p14="http://schemas.microsoft.com/office/powerpoint/2010/main" val="1093403347"/>
+        <p14:creationId xmlns:p14="http://schemas.microsoft.com/office/powerpoint/2010/main" val="1300194335"/>
       </p:ext>
     </p:extLst>
   </p:cSld>
@@ -6764,7 +11185,7 @@
         </p:nvSpPr>
         <p:spPr>
           <a:xfrm>
-            <a:off x="4464179" y="5720366"/>
+            <a:off x="4497589" y="6143781"/>
             <a:ext cx="265265" cy="220540"/>
           </a:xfrm>
           <a:prstGeom prst="ellipse">
@@ -6793,55 +11214,6 @@
             <a:r>
               <a:rPr lang="en-US" dirty="0"/>
               <a:t>Q</a:t>
-            </a:r>
-          </a:p>
-        </p:txBody>
-      </p:sp>
-      <p:sp>
-        <p:nvSpPr>
-          <p:cNvPr id="25" name="Oval 24">
-            <a:extLst>
-              <a:ext uri="{FF2B5EF4-FFF2-40B4-BE49-F238E27FC236}">
-                <a16:creationId xmlns:a16="http://schemas.microsoft.com/office/drawing/2014/main" id="{723C6B51-625E-462A-BBB1-3FC3B29BB96E}"/>
-              </a:ext>
-            </a:extLst>
-          </p:cNvPr>
-          <p:cNvSpPr>
-            <a:spLocks noChangeAspect="1"/>
-          </p:cNvSpPr>
-          <p:nvPr/>
-        </p:nvSpPr>
-        <p:spPr>
-          <a:xfrm>
-            <a:off x="4481127" y="6067403"/>
-            <a:ext cx="265265" cy="220540"/>
-          </a:xfrm>
-          <a:prstGeom prst="ellipse">
-            <a:avLst/>
-          </a:prstGeom>
-        </p:spPr>
-        <p:style>
-          <a:lnRef idx="2">
-            <a:schemeClr val="dk1"/>
-          </a:lnRef>
-          <a:fillRef idx="1">
-            <a:schemeClr val="lt1"/>
-          </a:fillRef>
-          <a:effectRef idx="0">
-            <a:schemeClr val="dk1"/>
-          </a:effectRef>
-          <a:fontRef idx="minor">
-            <a:schemeClr val="dk1"/>
-          </a:fontRef>
-        </p:style>
-        <p:txBody>
-          <a:bodyPr rtlCol="0" anchor="ctr"/>
-          <a:lstStyle/>
-          <a:p>
-            <a:pPr algn="ctr"/>
-            <a:r>
-              <a:rPr lang="en-US" dirty="0"/>
-              <a:t>B</a:t>
             </a:r>
           </a:p>
         </p:txBody>
@@ -7116,7 +11488,7 @@
         <p:spPr>
           <a:xfrm>
             <a:off x="372862" y="310718"/>
-            <a:ext cx="1172116" cy="369332"/>
+            <a:ext cx="1680268" cy="369332"/>
           </a:xfrm>
           <a:prstGeom prst="rect">
             <a:avLst/>
@@ -7131,7 +11503,7 @@
           <a:p>
             <a:r>
               <a:rPr lang="en-US" dirty="0"/>
-              <a:t>Name=I </a:t>
+              <a:t>Name=C Gun </a:t>
             </a:r>
             <a:r>
               <a:rPr lang="en-US" dirty="0" err="1"/>
@@ -7157,7 +11529,7 @@
         </p:nvSpPr>
         <p:spPr>
           <a:xfrm>
-            <a:off x="4497589" y="6414440"/>
+            <a:off x="3932122" y="6143781"/>
             <a:ext cx="265265" cy="220540"/>
           </a:xfrm>
           <a:prstGeom prst="ellipse">
@@ -7192,10 +11564,10 @@
       </p:sp>
       <p:sp>
         <p:nvSpPr>
-          <p:cNvPr id="15" name="TextBox 14">
-            <a:extLst>
-              <a:ext uri="{FF2B5EF4-FFF2-40B4-BE49-F238E27FC236}">
-                <a16:creationId xmlns:a16="http://schemas.microsoft.com/office/drawing/2014/main" id="{EAF51795-CB7B-4C06-9DAF-5598A8408398}"/>
+          <p:cNvPr id="10" name="TextBox 9">
+            <a:extLst>
+              <a:ext uri="{FF2B5EF4-FFF2-40B4-BE49-F238E27FC236}">
+                <a16:creationId xmlns:a16="http://schemas.microsoft.com/office/drawing/2014/main" id="{9306B8E9-EF10-4797-A30D-5E22721E90AE}"/>
               </a:ext>
             </a:extLst>
           </p:cNvPr>
@@ -7204,8 +11576,8 @@
         </p:nvSpPr>
         <p:spPr>
           <a:xfrm>
-            <a:off x="372862" y="747204"/>
-            <a:ext cx="1140569" cy="369332"/>
+            <a:off x="372861" y="782714"/>
+            <a:ext cx="1667957" cy="369332"/>
           </a:xfrm>
           <a:prstGeom prst="rect">
             <a:avLst/>
@@ -7220,7 +11592,56 @@
           <a:p>
             <a:r>
               <a:rPr lang="en-US" dirty="0"/>
-              <a:t>Name=I Lt</a:t>
+              <a:t>Name=D Gun Lt</a:t>
+            </a:r>
+          </a:p>
+        </p:txBody>
+      </p:sp>
+      <p:sp>
+        <p:nvSpPr>
+          <p:cNvPr id="11" name="Oval 10">
+            <a:extLst>
+              <a:ext uri="{FF2B5EF4-FFF2-40B4-BE49-F238E27FC236}">
+                <a16:creationId xmlns:a16="http://schemas.microsoft.com/office/drawing/2014/main" id="{6178E27E-828C-4367-A88B-EA705959F514}"/>
+              </a:ext>
+            </a:extLst>
+          </p:cNvPr>
+          <p:cNvSpPr>
+            <a:spLocks noChangeAspect="1"/>
+          </p:cNvSpPr>
+          <p:nvPr/>
+        </p:nvSpPr>
+        <p:spPr>
+          <a:xfrm>
+            <a:off x="5046302" y="6143781"/>
+            <a:ext cx="265265" cy="220540"/>
+          </a:xfrm>
+          <a:prstGeom prst="ellipse">
+            <a:avLst/>
+          </a:prstGeom>
+        </p:spPr>
+        <p:style>
+          <a:lnRef idx="2">
+            <a:schemeClr val="dk1"/>
+          </a:lnRef>
+          <a:fillRef idx="1">
+            <a:schemeClr val="lt1"/>
+          </a:fillRef>
+          <a:effectRef idx="0">
+            <a:schemeClr val="dk1"/>
+          </a:effectRef>
+          <a:fontRef idx="minor">
+            <a:schemeClr val="dk1"/>
+          </a:fontRef>
+        </p:style>
+        <p:txBody>
+          <a:bodyPr rtlCol="0" anchor="ctr"/>
+          <a:lstStyle/>
+          <a:p>
+            <a:pPr algn="ctr"/>
+            <a:r>
+              <a:rPr lang="en-US" dirty="0"/>
+              <a:t>B</a:t>
             </a:r>
           </a:p>
         </p:txBody>
@@ -7228,7 +11649,7 @@
     </p:spTree>
     <p:extLst>
       <p:ext uri="{BB962C8B-B14F-4D97-AF65-F5344CB8AC3E}">
-        <p14:creationId xmlns:p14="http://schemas.microsoft.com/office/powerpoint/2010/main" val="3433925216"/>
+        <p14:creationId xmlns:p14="http://schemas.microsoft.com/office/powerpoint/2010/main" val="3041481318"/>
       </p:ext>
     </p:extLst>
   </p:cSld>
@@ -7271,7 +11692,7 @@
         </p:nvSpPr>
         <p:spPr>
           <a:xfrm>
-            <a:off x="4464179" y="5720366"/>
+            <a:off x="4497589" y="6143781"/>
             <a:ext cx="265265" cy="220540"/>
           </a:xfrm>
           <a:prstGeom prst="ellipse">
@@ -7300,55 +11721,6 @@
             <a:r>
               <a:rPr lang="en-US" dirty="0"/>
               <a:t>Q</a:t>
-            </a:r>
-          </a:p>
-        </p:txBody>
-      </p:sp>
-      <p:sp>
-        <p:nvSpPr>
-          <p:cNvPr id="25" name="Oval 24">
-            <a:extLst>
-              <a:ext uri="{FF2B5EF4-FFF2-40B4-BE49-F238E27FC236}">
-                <a16:creationId xmlns:a16="http://schemas.microsoft.com/office/drawing/2014/main" id="{723C6B51-625E-462A-BBB1-3FC3B29BB96E}"/>
-              </a:ext>
-            </a:extLst>
-          </p:cNvPr>
-          <p:cNvSpPr>
-            <a:spLocks noChangeAspect="1"/>
-          </p:cNvSpPr>
-          <p:nvPr/>
-        </p:nvSpPr>
-        <p:spPr>
-          <a:xfrm>
-            <a:off x="5076155" y="6058525"/>
-            <a:ext cx="265265" cy="220540"/>
-          </a:xfrm>
-          <a:prstGeom prst="ellipse">
-            <a:avLst/>
-          </a:prstGeom>
-        </p:spPr>
-        <p:style>
-          <a:lnRef idx="2">
-            <a:schemeClr val="dk1"/>
-          </a:lnRef>
-          <a:fillRef idx="1">
-            <a:schemeClr val="lt1"/>
-          </a:fillRef>
-          <a:effectRef idx="0">
-            <a:schemeClr val="dk1"/>
-          </a:effectRef>
-          <a:fontRef idx="minor">
-            <a:schemeClr val="dk1"/>
-          </a:fontRef>
-        </p:style>
-        <p:txBody>
-          <a:bodyPr rtlCol="0" anchor="ctr"/>
-          <a:lstStyle/>
-          <a:p>
-            <a:pPr algn="ctr"/>
-            <a:r>
-              <a:rPr lang="en-US" dirty="0"/>
-              <a:t>B</a:t>
             </a:r>
           </a:p>
         </p:txBody>
@@ -7623,7 +11995,7 @@
         <p:spPr>
           <a:xfrm>
             <a:off x="372862" y="310718"/>
-            <a:ext cx="1518364" cy="369332"/>
+            <a:ext cx="2152512" cy="369332"/>
           </a:xfrm>
           <a:prstGeom prst="rect">
             <a:avLst/>
@@ -7638,7 +12010,7 @@
           <a:p>
             <a:r>
               <a:rPr lang="en-US" dirty="0"/>
-              <a:t>Name=King </a:t>
+              <a:t>Name=C Sniff Gun </a:t>
             </a:r>
             <a:r>
               <a:rPr lang="en-US" dirty="0" err="1"/>
@@ -7664,7 +12036,7 @@
         </p:nvSpPr>
         <p:spPr>
           <a:xfrm>
-            <a:off x="4497589" y="6414440"/>
+            <a:off x="3932122" y="6143781"/>
             <a:ext cx="265265" cy="220540"/>
           </a:xfrm>
           <a:prstGeom prst="ellipse">
@@ -7699,10 +12071,59 @@
       </p:sp>
       <p:sp>
         <p:nvSpPr>
-          <p:cNvPr id="11" name="TextBox 10">
-            <a:extLst>
-              <a:ext uri="{FF2B5EF4-FFF2-40B4-BE49-F238E27FC236}">
-                <a16:creationId xmlns:a16="http://schemas.microsoft.com/office/drawing/2014/main" id="{F2055CB2-423E-44BB-B7F7-7B5AF8BCB657}"/>
+          <p:cNvPr id="11" name="Oval 10">
+            <a:extLst>
+              <a:ext uri="{FF2B5EF4-FFF2-40B4-BE49-F238E27FC236}">
+                <a16:creationId xmlns:a16="http://schemas.microsoft.com/office/drawing/2014/main" id="{6178E27E-828C-4367-A88B-EA705959F514}"/>
+              </a:ext>
+            </a:extLst>
+          </p:cNvPr>
+          <p:cNvSpPr>
+            <a:spLocks noChangeAspect="1"/>
+          </p:cNvSpPr>
+          <p:nvPr/>
+        </p:nvSpPr>
+        <p:spPr>
+          <a:xfrm>
+            <a:off x="5046302" y="5797552"/>
+            <a:ext cx="265265" cy="220540"/>
+          </a:xfrm>
+          <a:prstGeom prst="ellipse">
+            <a:avLst/>
+          </a:prstGeom>
+        </p:spPr>
+        <p:style>
+          <a:lnRef idx="2">
+            <a:schemeClr val="dk1"/>
+          </a:lnRef>
+          <a:fillRef idx="1">
+            <a:schemeClr val="lt1"/>
+          </a:fillRef>
+          <a:effectRef idx="0">
+            <a:schemeClr val="dk1"/>
+          </a:effectRef>
+          <a:fontRef idx="minor">
+            <a:schemeClr val="dk1"/>
+          </a:fontRef>
+        </p:style>
+        <p:txBody>
+          <a:bodyPr rtlCol="0" anchor="ctr"/>
+          <a:lstStyle/>
+          <a:p>
+            <a:pPr algn="ctr"/>
+            <a:r>
+              <a:rPr lang="en-US" dirty="0"/>
+              <a:t>B</a:t>
+            </a:r>
+          </a:p>
+        </p:txBody>
+      </p:sp>
+      <p:sp>
+        <p:nvSpPr>
+          <p:cNvPr id="12" name="TextBox 11">
+            <a:extLst>
+              <a:ext uri="{FF2B5EF4-FFF2-40B4-BE49-F238E27FC236}">
+                <a16:creationId xmlns:a16="http://schemas.microsoft.com/office/drawing/2014/main" id="{F311D501-7684-47CA-ACBF-34C009A0B594}"/>
               </a:ext>
             </a:extLst>
           </p:cNvPr>
@@ -7711,8 +12132,8 @@
         </p:nvSpPr>
         <p:spPr>
           <a:xfrm>
-            <a:off x="372862" y="680050"/>
-            <a:ext cx="1712841" cy="369332"/>
+            <a:off x="372861" y="782714"/>
+            <a:ext cx="2140201" cy="369332"/>
           </a:xfrm>
           <a:prstGeom prst="rect">
             <a:avLst/>
@@ -7727,7 +12148,7 @@
           <a:p>
             <a:r>
               <a:rPr lang="en-US" dirty="0"/>
-              <a:t>Name=Queen Lt</a:t>
+              <a:t>Name=D Sniff Gun Lt</a:t>
             </a:r>
           </a:p>
         </p:txBody>
@@ -7735,7 +12156,7 @@
     </p:spTree>
     <p:extLst>
       <p:ext uri="{BB962C8B-B14F-4D97-AF65-F5344CB8AC3E}">
-        <p14:creationId xmlns:p14="http://schemas.microsoft.com/office/powerpoint/2010/main" val="2715412841"/>
+        <p14:creationId xmlns:p14="http://schemas.microsoft.com/office/powerpoint/2010/main" val="4269079813"/>
       </p:ext>
     </p:extLst>
   </p:cSld>
@@ -7778,7 +12199,7 @@
         </p:nvSpPr>
         <p:spPr>
           <a:xfrm>
-            <a:off x="4464179" y="6008406"/>
+            <a:off x="4497589" y="5735404"/>
             <a:ext cx="265265" cy="220540"/>
           </a:xfrm>
           <a:prstGeom prst="ellipse">
@@ -7807,55 +12228,6 @@
             <a:r>
               <a:rPr lang="en-US" dirty="0"/>
               <a:t>Q</a:t>
-            </a:r>
-          </a:p>
-        </p:txBody>
-      </p:sp>
-      <p:sp>
-        <p:nvSpPr>
-          <p:cNvPr id="25" name="Oval 24">
-            <a:extLst>
-              <a:ext uri="{FF2B5EF4-FFF2-40B4-BE49-F238E27FC236}">
-                <a16:creationId xmlns:a16="http://schemas.microsoft.com/office/drawing/2014/main" id="{723C6B51-625E-462A-BBB1-3FC3B29BB96E}"/>
-              </a:ext>
-            </a:extLst>
-          </p:cNvPr>
-          <p:cNvSpPr>
-            <a:spLocks noChangeAspect="1"/>
-          </p:cNvSpPr>
-          <p:nvPr/>
-        </p:nvSpPr>
-        <p:spPr>
-          <a:xfrm>
-            <a:off x="5076155" y="6058525"/>
-            <a:ext cx="265265" cy="220540"/>
-          </a:xfrm>
-          <a:prstGeom prst="ellipse">
-            <a:avLst/>
-          </a:prstGeom>
-        </p:spPr>
-        <p:style>
-          <a:lnRef idx="2">
-            <a:schemeClr val="dk1"/>
-          </a:lnRef>
-          <a:fillRef idx="1">
-            <a:schemeClr val="lt1"/>
-          </a:fillRef>
-          <a:effectRef idx="0">
-            <a:schemeClr val="dk1"/>
-          </a:effectRef>
-          <a:fontRef idx="minor">
-            <a:schemeClr val="dk1"/>
-          </a:fontRef>
-        </p:style>
-        <p:txBody>
-          <a:bodyPr rtlCol="0" anchor="ctr"/>
-          <a:lstStyle/>
-          <a:p>
-            <a:pPr algn="ctr"/>
-            <a:r>
-              <a:rPr lang="en-US" dirty="0"/>
-              <a:t>B</a:t>
             </a:r>
           </a:p>
         </p:txBody>
@@ -8130,7 +12502,7 @@
         <p:spPr>
           <a:xfrm>
             <a:off x="372862" y="310718"/>
-            <a:ext cx="1960793" cy="369332"/>
+            <a:ext cx="1206292" cy="369332"/>
           </a:xfrm>
           <a:prstGeom prst="rect">
             <a:avLst/>
@@ -8145,13 +12517,8 @@
           <a:p>
             <a:r>
               <a:rPr lang="en-US" dirty="0"/>
-              <a:t>Name=King Gun </a:t>
-            </a:r>
-            <a:r>
-              <a:rPr lang="en-US" dirty="0" err="1"/>
-              <a:t>Rt</a:t>
-            </a:r>
-            <a:endParaRPr lang="en-US" dirty="0"/>
+              <a:t>Name=C Lt</a:t>
+            </a:r>
           </a:p>
         </p:txBody>
       </p:sp>
@@ -8171,45 +12538,45 @@
         </p:nvSpPr>
         <p:spPr>
           <a:xfrm>
-            <a:off x="4497589" y="6414440"/>
-            <a:ext cx="265265" cy="220540"/>
-          </a:xfrm>
-          <a:prstGeom prst="ellipse">
-            <a:avLst/>
-          </a:prstGeom>
-        </p:spPr>
-        <p:style>
-          <a:lnRef idx="2">
-            <a:schemeClr val="dk1"/>
-          </a:lnRef>
-          <a:fillRef idx="1">
-            <a:schemeClr val="lt1"/>
-          </a:fillRef>
-          <a:effectRef idx="0">
-            <a:schemeClr val="dk1"/>
-          </a:effectRef>
-          <a:fontRef idx="minor">
-            <a:schemeClr val="dk1"/>
-          </a:fontRef>
-        </p:style>
-        <p:txBody>
-          <a:bodyPr rtlCol="0" anchor="ctr"/>
-          <a:lstStyle/>
-          <a:p>
-            <a:pPr algn="ctr"/>
-            <a:r>
-              <a:rPr lang="en-US" dirty="0"/>
-              <a:t>A</a:t>
-            </a:r>
-          </a:p>
-        </p:txBody>
-      </p:sp>
-      <p:sp>
-        <p:nvSpPr>
-          <p:cNvPr id="11" name="TextBox 10">
-            <a:extLst>
-              <a:ext uri="{FF2B5EF4-FFF2-40B4-BE49-F238E27FC236}">
-                <a16:creationId xmlns:a16="http://schemas.microsoft.com/office/drawing/2014/main" id="{F2055CB2-423E-44BB-B7F7-7B5AF8BCB657}"/>
+            <a:off x="3932122" y="6143781"/>
+            <a:ext cx="265265" cy="220540"/>
+          </a:xfrm>
+          <a:prstGeom prst="ellipse">
+            <a:avLst/>
+          </a:prstGeom>
+        </p:spPr>
+        <p:style>
+          <a:lnRef idx="2">
+            <a:schemeClr val="dk1"/>
+          </a:lnRef>
+          <a:fillRef idx="1">
+            <a:schemeClr val="lt1"/>
+          </a:fillRef>
+          <a:effectRef idx="0">
+            <a:schemeClr val="dk1"/>
+          </a:effectRef>
+          <a:fontRef idx="minor">
+            <a:schemeClr val="dk1"/>
+          </a:fontRef>
+        </p:style>
+        <p:txBody>
+          <a:bodyPr rtlCol="0" anchor="ctr"/>
+          <a:lstStyle/>
+          <a:p>
+            <a:pPr algn="ctr"/>
+            <a:r>
+              <a:rPr lang="en-US" dirty="0"/>
+              <a:t>B</a:t>
+            </a:r>
+          </a:p>
+        </p:txBody>
+      </p:sp>
+      <p:sp>
+        <p:nvSpPr>
+          <p:cNvPr id="10" name="TextBox 9">
+            <a:extLst>
+              <a:ext uri="{FF2B5EF4-FFF2-40B4-BE49-F238E27FC236}">
+                <a16:creationId xmlns:a16="http://schemas.microsoft.com/office/drawing/2014/main" id="{9306B8E9-EF10-4797-A30D-5E22721E90AE}"/>
               </a:ext>
             </a:extLst>
           </p:cNvPr>
@@ -8218,8 +12585,8 @@
         </p:nvSpPr>
         <p:spPr>
           <a:xfrm>
-            <a:off x="372862" y="680050"/>
-            <a:ext cx="2155270" cy="369332"/>
+            <a:off x="372861" y="782714"/>
+            <a:ext cx="1257075" cy="369332"/>
           </a:xfrm>
           <a:prstGeom prst="rect">
             <a:avLst/>
@@ -8234,7 +12601,61 @@
           <a:p>
             <a:r>
               <a:rPr lang="en-US" dirty="0"/>
-              <a:t>Name=Queen Gun Lt</a:t>
+              <a:t>Name=D </a:t>
+            </a:r>
+            <a:r>
+              <a:rPr lang="en-US" dirty="0" err="1"/>
+              <a:t>Rt</a:t>
+            </a:r>
+            <a:endParaRPr lang="en-US" dirty="0"/>
+          </a:p>
+        </p:txBody>
+      </p:sp>
+      <p:sp>
+        <p:nvSpPr>
+          <p:cNvPr id="11" name="Oval 10">
+            <a:extLst>
+              <a:ext uri="{FF2B5EF4-FFF2-40B4-BE49-F238E27FC236}">
+                <a16:creationId xmlns:a16="http://schemas.microsoft.com/office/drawing/2014/main" id="{6178E27E-828C-4367-A88B-EA705959F514}"/>
+              </a:ext>
+            </a:extLst>
+          </p:cNvPr>
+          <p:cNvSpPr>
+            <a:spLocks noChangeAspect="1"/>
+          </p:cNvSpPr>
+          <p:nvPr/>
+        </p:nvSpPr>
+        <p:spPr>
+          <a:xfrm>
+            <a:off x="5046302" y="6143781"/>
+            <a:ext cx="265265" cy="220540"/>
+          </a:xfrm>
+          <a:prstGeom prst="ellipse">
+            <a:avLst/>
+          </a:prstGeom>
+        </p:spPr>
+        <p:style>
+          <a:lnRef idx="2">
+            <a:schemeClr val="dk1"/>
+          </a:lnRef>
+          <a:fillRef idx="1">
+            <a:schemeClr val="lt1"/>
+          </a:fillRef>
+          <a:effectRef idx="0">
+            <a:schemeClr val="dk1"/>
+          </a:effectRef>
+          <a:fontRef idx="minor">
+            <a:schemeClr val="dk1"/>
+          </a:fontRef>
+        </p:style>
+        <p:txBody>
+          <a:bodyPr rtlCol="0" anchor="ctr"/>
+          <a:lstStyle/>
+          <a:p>
+            <a:pPr algn="ctr"/>
+            <a:r>
+              <a:rPr lang="en-US" dirty="0"/>
+              <a:t>A</a:t>
             </a:r>
           </a:p>
         </p:txBody>
@@ -8242,7 +12663,7 @@
     </p:spTree>
     <p:extLst>
       <p:ext uri="{BB962C8B-B14F-4D97-AF65-F5344CB8AC3E}">
-        <p14:creationId xmlns:p14="http://schemas.microsoft.com/office/powerpoint/2010/main" val="956610810"/>
+        <p14:creationId xmlns:p14="http://schemas.microsoft.com/office/powerpoint/2010/main" val="3963328332"/>
       </p:ext>
     </p:extLst>
   </p:cSld>
@@ -8285,7 +12706,7 @@
         </p:nvSpPr>
         <p:spPr>
           <a:xfrm>
-            <a:off x="4464179" y="5720366"/>
+            <a:off x="4497589" y="6143781"/>
             <a:ext cx="265265" cy="220540"/>
           </a:xfrm>
           <a:prstGeom prst="ellipse">
@@ -8314,55 +12735,6 @@
             <a:r>
               <a:rPr lang="en-US" dirty="0"/>
               <a:t>Q</a:t>
-            </a:r>
-          </a:p>
-        </p:txBody>
-      </p:sp>
-      <p:sp>
-        <p:nvSpPr>
-          <p:cNvPr id="25" name="Oval 24">
-            <a:extLst>
-              <a:ext uri="{FF2B5EF4-FFF2-40B4-BE49-F238E27FC236}">
-                <a16:creationId xmlns:a16="http://schemas.microsoft.com/office/drawing/2014/main" id="{723C6B51-625E-462A-BBB1-3FC3B29BB96E}"/>
-              </a:ext>
-            </a:extLst>
-          </p:cNvPr>
-          <p:cNvSpPr>
-            <a:spLocks noChangeAspect="1"/>
-          </p:cNvSpPr>
-          <p:nvPr/>
-        </p:nvSpPr>
-        <p:spPr>
-          <a:xfrm>
-            <a:off x="3935632" y="6058525"/>
-            <a:ext cx="265265" cy="220540"/>
-          </a:xfrm>
-          <a:prstGeom prst="ellipse">
-            <a:avLst/>
-          </a:prstGeom>
-        </p:spPr>
-        <p:style>
-          <a:lnRef idx="2">
-            <a:schemeClr val="dk1"/>
-          </a:lnRef>
-          <a:fillRef idx="1">
-            <a:schemeClr val="lt1"/>
-          </a:fillRef>
-          <a:effectRef idx="0">
-            <a:schemeClr val="dk1"/>
-          </a:effectRef>
-          <a:fontRef idx="minor">
-            <a:schemeClr val="dk1"/>
-          </a:fontRef>
-        </p:style>
-        <p:txBody>
-          <a:bodyPr rtlCol="0" anchor="ctr"/>
-          <a:lstStyle/>
-          <a:p>
-            <a:pPr algn="ctr"/>
-            <a:r>
-              <a:rPr lang="en-US" dirty="0"/>
-              <a:t>B</a:t>
             </a:r>
           </a:p>
         </p:txBody>
@@ -8637,7 +13009,7 @@
         <p:spPr>
           <a:xfrm>
             <a:off x="372862" y="310718"/>
-            <a:ext cx="1486817" cy="369332"/>
+            <a:ext cx="1648721" cy="369332"/>
           </a:xfrm>
           <a:prstGeom prst="rect">
             <a:avLst/>
@@ -8652,7 +13024,7 @@
           <a:p>
             <a:r>
               <a:rPr lang="en-US" dirty="0"/>
-              <a:t>Name=King Lt</a:t>
+              <a:t>Name=C Gun Lt</a:t>
             </a:r>
           </a:p>
         </p:txBody>
@@ -8673,45 +13045,45 @@
         </p:nvSpPr>
         <p:spPr>
           <a:xfrm>
-            <a:off x="4497589" y="6414440"/>
-            <a:ext cx="265265" cy="220540"/>
-          </a:xfrm>
-          <a:prstGeom prst="ellipse">
-            <a:avLst/>
-          </a:prstGeom>
-        </p:spPr>
-        <p:style>
-          <a:lnRef idx="2">
-            <a:schemeClr val="dk1"/>
-          </a:lnRef>
-          <a:fillRef idx="1">
-            <a:schemeClr val="lt1"/>
-          </a:fillRef>
-          <a:effectRef idx="0">
-            <a:schemeClr val="dk1"/>
-          </a:effectRef>
-          <a:fontRef idx="minor">
-            <a:schemeClr val="dk1"/>
-          </a:fontRef>
-        </p:style>
-        <p:txBody>
-          <a:bodyPr rtlCol="0" anchor="ctr"/>
-          <a:lstStyle/>
-          <a:p>
-            <a:pPr algn="ctr"/>
-            <a:r>
-              <a:rPr lang="en-US" dirty="0"/>
-              <a:t>A</a:t>
-            </a:r>
-          </a:p>
-        </p:txBody>
-      </p:sp>
-      <p:sp>
-        <p:nvSpPr>
-          <p:cNvPr id="11" name="TextBox 10">
-            <a:extLst>
-              <a:ext uri="{FF2B5EF4-FFF2-40B4-BE49-F238E27FC236}">
-                <a16:creationId xmlns:a16="http://schemas.microsoft.com/office/drawing/2014/main" id="{DB2E82C8-A751-4DFC-AE91-DAC654967329}"/>
+            <a:off x="3932122" y="6143781"/>
+            <a:ext cx="265265" cy="220540"/>
+          </a:xfrm>
+          <a:prstGeom prst="ellipse">
+            <a:avLst/>
+          </a:prstGeom>
+        </p:spPr>
+        <p:style>
+          <a:lnRef idx="2">
+            <a:schemeClr val="dk1"/>
+          </a:lnRef>
+          <a:fillRef idx="1">
+            <a:schemeClr val="lt1"/>
+          </a:fillRef>
+          <a:effectRef idx="0">
+            <a:schemeClr val="dk1"/>
+          </a:effectRef>
+          <a:fontRef idx="minor">
+            <a:schemeClr val="dk1"/>
+          </a:fontRef>
+        </p:style>
+        <p:txBody>
+          <a:bodyPr rtlCol="0" anchor="ctr"/>
+          <a:lstStyle/>
+          <a:p>
+            <a:pPr algn="ctr"/>
+            <a:r>
+              <a:rPr lang="en-US" dirty="0"/>
+              <a:t>B</a:t>
+            </a:r>
+          </a:p>
+        </p:txBody>
+      </p:sp>
+      <p:sp>
+        <p:nvSpPr>
+          <p:cNvPr id="10" name="TextBox 9">
+            <a:extLst>
+              <a:ext uri="{FF2B5EF4-FFF2-40B4-BE49-F238E27FC236}">
+                <a16:creationId xmlns:a16="http://schemas.microsoft.com/office/drawing/2014/main" id="{9306B8E9-EF10-4797-A30D-5E22721E90AE}"/>
               </a:ext>
             </a:extLst>
           </p:cNvPr>
@@ -8720,8 +13092,8 @@
         </p:nvSpPr>
         <p:spPr>
           <a:xfrm>
-            <a:off x="372862" y="809347"/>
-            <a:ext cx="1744388" cy="369332"/>
+            <a:off x="372861" y="782714"/>
+            <a:ext cx="1699504" cy="369332"/>
           </a:xfrm>
           <a:prstGeom prst="rect">
             <a:avLst/>
@@ -8736,20 +13108,69 @@
           <a:p>
             <a:r>
               <a:rPr lang="en-US" dirty="0"/>
-              <a:t>Name=Queen </a:t>
+              <a:t>Name=D Gun </a:t>
             </a:r>
             <a:r>
               <a:rPr lang="en-US" dirty="0" err="1"/>
               <a:t>Rt</a:t>
             </a:r>
             <a:endParaRPr lang="en-US" dirty="0"/>
+          </a:p>
+        </p:txBody>
+      </p:sp>
+      <p:sp>
+        <p:nvSpPr>
+          <p:cNvPr id="11" name="Oval 10">
+            <a:extLst>
+              <a:ext uri="{FF2B5EF4-FFF2-40B4-BE49-F238E27FC236}">
+                <a16:creationId xmlns:a16="http://schemas.microsoft.com/office/drawing/2014/main" id="{6178E27E-828C-4367-A88B-EA705959F514}"/>
+              </a:ext>
+            </a:extLst>
+          </p:cNvPr>
+          <p:cNvSpPr>
+            <a:spLocks noChangeAspect="1"/>
+          </p:cNvSpPr>
+          <p:nvPr/>
+        </p:nvSpPr>
+        <p:spPr>
+          <a:xfrm>
+            <a:off x="5046302" y="6143781"/>
+            <a:ext cx="265265" cy="220540"/>
+          </a:xfrm>
+          <a:prstGeom prst="ellipse">
+            <a:avLst/>
+          </a:prstGeom>
+        </p:spPr>
+        <p:style>
+          <a:lnRef idx="2">
+            <a:schemeClr val="dk1"/>
+          </a:lnRef>
+          <a:fillRef idx="1">
+            <a:schemeClr val="lt1"/>
+          </a:fillRef>
+          <a:effectRef idx="0">
+            <a:schemeClr val="dk1"/>
+          </a:effectRef>
+          <a:fontRef idx="minor">
+            <a:schemeClr val="dk1"/>
+          </a:fontRef>
+        </p:style>
+        <p:txBody>
+          <a:bodyPr rtlCol="0" anchor="ctr"/>
+          <a:lstStyle/>
+          <a:p>
+            <a:pPr algn="ctr"/>
+            <a:r>
+              <a:rPr lang="en-US" dirty="0"/>
+              <a:t>A</a:t>
+            </a:r>
           </a:p>
         </p:txBody>
       </p:sp>
     </p:spTree>
     <p:extLst>
       <p:ext uri="{BB962C8B-B14F-4D97-AF65-F5344CB8AC3E}">
-        <p14:creationId xmlns:p14="http://schemas.microsoft.com/office/powerpoint/2010/main" val="3587507207"/>
+        <p14:creationId xmlns:p14="http://schemas.microsoft.com/office/powerpoint/2010/main" val="1852281981"/>
       </p:ext>
     </p:extLst>
   </p:cSld>
